--- a/文档/学生信息管理系统答辩.pptx
+++ b/文档/学生信息管理系统答辩.pptx
@@ -11,20 +11,21 @@
     <p:sldId id="297" r:id="rId3"/>
     <p:sldId id="300" r:id="rId5"/>
     <p:sldId id="301" r:id="rId6"/>
-    <p:sldId id="307" r:id="rId7"/>
-    <p:sldId id="306" r:id="rId8"/>
-    <p:sldId id="313" r:id="rId9"/>
-    <p:sldId id="320" r:id="rId10"/>
-    <p:sldId id="11089800" r:id="rId11"/>
-    <p:sldId id="11089801" r:id="rId12"/>
-    <p:sldId id="11089802" r:id="rId13"/>
-    <p:sldId id="11089803" r:id="rId14"/>
-    <p:sldId id="324" r:id="rId15"/>
+    <p:sldId id="11089805" r:id="rId7"/>
+    <p:sldId id="307" r:id="rId8"/>
+    <p:sldId id="306" r:id="rId9"/>
+    <p:sldId id="313" r:id="rId10"/>
+    <p:sldId id="320" r:id="rId11"/>
+    <p:sldId id="11089800" r:id="rId12"/>
+    <p:sldId id="11089801" r:id="rId13"/>
+    <p:sldId id="11089802" r:id="rId14"/>
+    <p:sldId id="11089803" r:id="rId15"/>
+    <p:sldId id="324" r:id="rId16"/>
   </p:sldIdLst>
   <p:sldSz cx="12192000" cy="6858000"/>
   <p:notesSz cx="6858000" cy="9144000"/>
   <p:custDataLst>
-    <p:tags r:id="rId19"/>
+    <p:tags r:id="rId20"/>
   </p:custDataLst>
   <p:defaultTextStyle>
     <a:defPPr>
@@ -124,12 +125,12 @@
   <p:extLst>
     <p:ext uri="{EFAFB233-063F-42B5-8137-9DF3F51BA10A}">
       <p15:sldGuideLst xmlns:p15="http://schemas.microsoft.com/office/powerpoint/2012/main">
-        <p15:guide id="1" orient="horz" pos="2150" userDrawn="1">
+        <p15:guide id="1" orient="horz" pos="2159" userDrawn="1">
           <p15:clr>
             <a:srgbClr val="A4A3A4"/>
           </p15:clr>
         </p15:guide>
-        <p15:guide id="2" pos="3805" userDrawn="1">
+        <p15:guide id="2" pos="3840" userDrawn="1">
           <p15:clr>
             <a:srgbClr val="A4A3A4"/>
           </p15:clr>
@@ -139,7 +140,7 @@
             <a:srgbClr val="A4A3A4"/>
           </p15:clr>
         </p15:guide>
-        <p15:guide id="4" orient="horz" pos="482" userDrawn="1">
+        <p15:guide id="4" orient="horz" pos="444" userDrawn="1">
           <p15:clr>
             <a:srgbClr val="A4A3A4"/>
           </p15:clr>
@@ -676,6 +677,62 @@
 </file>
 
 <file path=ppt/notesSlides/notesSlide12.xml><?xml version="1.0" encoding="utf-8"?>
+<p:notes xmlns:a="http://schemas.openxmlformats.org/drawingml/2006/main" xmlns:r="http://schemas.openxmlformats.org/officeDocument/2006/relationships" xmlns:p="http://schemas.openxmlformats.org/presentationml/2006/main">
+  <p:cSld>
+    <p:spTree>
+      <p:nvGrpSpPr>
+        <p:cNvPr id="1" name=""/>
+        <p:cNvGrpSpPr/>
+        <p:nvPr/>
+      </p:nvGrpSpPr>
+      <p:grpSpPr>
+        <a:xfrm>
+          <a:off x="0" y="0"/>
+          <a:ext cx="0" cy="0"/>
+          <a:chOff x="0" y="0"/>
+          <a:chExt cx="0" cy="0"/>
+        </a:xfrm>
+      </p:grpSpPr>
+      <p:sp>
+        <p:nvSpPr>
+          <p:cNvPr id="2" name="幻灯片图像占位符 1"/>
+          <p:cNvSpPr>
+            <a:spLocks noGrp="1" noRot="1" noChangeAspect="1"/>
+          </p:cNvSpPr>
+          <p:nvPr>
+            <p:ph type="sldImg" idx="2"/>
+          </p:nvPr>
+        </p:nvSpPr>
+        <p:spPr/>
+      </p:sp>
+      <p:sp>
+        <p:nvSpPr>
+          <p:cNvPr id="3" name="文本占位符 2"/>
+          <p:cNvSpPr>
+            <a:spLocks noGrp="1"/>
+          </p:cNvSpPr>
+          <p:nvPr>
+            <p:ph type="body" idx="3"/>
+          </p:nvPr>
+        </p:nvSpPr>
+        <p:spPr/>
+        <p:txBody>
+          <a:bodyPr/>
+          <a:lstStyle/>
+          <a:p>
+            <a:endParaRPr lang="zh-CN" altLang="en-US"/>
+          </a:p>
+        </p:txBody>
+      </p:sp>
+    </p:spTree>
+  </p:cSld>
+  <p:clrMapOvr>
+    <a:masterClrMapping/>
+  </p:clrMapOvr>
+</p:notes>
+</file>
+
+<file path=ppt/notesSlides/notesSlide13.xml><?xml version="1.0" encoding="utf-8"?>
 <p:notes xmlns:a="http://schemas.openxmlformats.org/drawingml/2006/main" xmlns:r="http://schemas.openxmlformats.org/officeDocument/2006/relationships" xmlns:p="http://schemas.openxmlformats.org/presentationml/2006/main">
   <p:cSld>
     <p:spTree>
@@ -14126,6 +14183,284 @@
       </p:sp>
       <p:sp>
         <p:nvSpPr>
+          <p:cNvPr id="100" name="文本框 99"/>
+          <p:cNvSpPr txBox="1"/>
+          <p:nvPr/>
+        </p:nvSpPr>
+        <p:spPr>
+          <a:xfrm>
+            <a:off x="2573020" y="865505"/>
+            <a:ext cx="7846060" cy="542925"/>
+          </a:xfrm>
+          <a:prstGeom prst="rect">
+            <a:avLst/>
+          </a:prstGeom>
+          <a:noFill/>
+          <a:ln w="9525">
+            <a:noFill/>
+          </a:ln>
+        </p:spPr>
+        <p:txBody>
+          <a:bodyPr wrap="square">
+            <a:noAutofit/>
+          </a:bodyPr>
+          <a:p>
+            <a:pPr marL="6350" indent="-6350"/>
+            <a:r>
+              <a:rPr lang="zh-CN" b="0">
+                <a:solidFill>
+                  <a:srgbClr val="000000"/>
+                </a:solidFill>
+                <a:ea typeface="宋体" panose="02010600030101010101" pitchFamily="2" charset="-122"/>
+              </a:rPr>
+              <a:t>如果需要注册用户也可以点击我要注册</a:t>
+            </a:r>
+            <a:endParaRPr lang="zh-CN" altLang="en-US" b="0">
+              <a:solidFill>
+                <a:srgbClr val="000000"/>
+              </a:solidFill>
+              <a:ea typeface="宋体" panose="02010600030101010101" pitchFamily="2" charset="-122"/>
+            </a:endParaRPr>
+          </a:p>
+        </p:txBody>
+      </p:sp>
+      <p:pic>
+        <p:nvPicPr>
+          <p:cNvPr id="2" name="图片 1"/>
+          <p:cNvPicPr/>
+          <p:nvPr/>
+        </p:nvPicPr>
+        <p:blipFill>
+          <a:blip r:embed="rId1"/>
+          <a:stretch>
+            <a:fillRect/>
+          </a:stretch>
+        </p:blipFill>
+        <p:spPr>
+          <a:xfrm>
+            <a:off x="2573020" y="1554480"/>
+            <a:ext cx="7297420" cy="3526790"/>
+          </a:xfrm>
+          <a:prstGeom prst="rect">
+            <a:avLst/>
+          </a:prstGeom>
+          <a:noFill/>
+          <a:ln w="9525">
+            <a:noFill/>
+          </a:ln>
+        </p:spPr>
+      </p:pic>
+      <p:sp>
+        <p:nvSpPr>
+          <p:cNvPr id="101" name="文本框 100"/>
+          <p:cNvSpPr txBox="1"/>
+          <p:nvPr/>
+        </p:nvSpPr>
+        <p:spPr>
+          <a:xfrm>
+            <a:off x="2573020" y="4824095"/>
+            <a:ext cx="7846060" cy="1358900"/>
+          </a:xfrm>
+          <a:prstGeom prst="rect">
+            <a:avLst/>
+          </a:prstGeom>
+          <a:noFill/>
+          <a:ln w="9525">
+            <a:noFill/>
+          </a:ln>
+        </p:spPr>
+        <p:txBody>
+          <a:bodyPr wrap="square">
+            <a:noAutofit/>
+          </a:bodyPr>
+          <a:p>
+            <a:pPr marL="6350" indent="-6350"/>
+            <a:r>
+              <a:rPr lang="en-US" b="0">
+                <a:solidFill>
+                  <a:srgbClr val="000000"/>
+                </a:solidFill>
+                <a:latin typeface="宋体" panose="02010600030101010101" pitchFamily="2" charset="-122"/>
+              </a:rPr>
+              <a:t>+ </a:t>
+            </a:r>
+            <a:r>
+              <a:rPr lang="zh-CN" b="0">
+                <a:solidFill>
+                  <a:srgbClr val="000000"/>
+                </a:solidFill>
+                <a:ea typeface="宋体" panose="02010600030101010101" pitchFamily="2" charset="-122"/>
+              </a:rPr>
+              <a:t>+输入姓名性别身份电子邮箱账号密码后即可注册成功</a:t>
+            </a:r>
+            <a:endParaRPr lang="zh-CN" altLang="en-US" b="0">
+              <a:solidFill>
+                <a:srgbClr val="000000"/>
+              </a:solidFill>
+              <a:ea typeface="宋体" panose="02010600030101010101" pitchFamily="2" charset="-122"/>
+            </a:endParaRPr>
+          </a:p>
+        </p:txBody>
+      </p:sp>
+    </p:spTree>
+    <p:custDataLst>
+      <p:tags r:id="rId2"/>
+    </p:custDataLst>
+  </p:cSld>
+  <p:clrMapOvr>
+    <a:masterClrMapping/>
+  </p:clrMapOvr>
+  <mc:AlternateContent xmlns:mc="http://schemas.openxmlformats.org/markup-compatibility/2006">
+    <mc:Choice xmlns:p14="http://schemas.microsoft.com/office/powerpoint/2010/main" Requires="p14">
+      <p:transition spd="slow" p14:dur="900">
+        <p14:warp dir="in"/>
+      </p:transition>
+    </mc:Choice>
+    <mc:Fallback>
+      <p:transition spd="slow">
+        <p:fade/>
+      </p:transition>
+    </mc:Fallback>
+  </mc:AlternateContent>
+</p:sld>
+</file>
+
+<file path=ppt/slides/slide11.xml><?xml version="1.0" encoding="utf-8"?>
+<p:sld xmlns:a="http://schemas.openxmlformats.org/drawingml/2006/main" xmlns:r="http://schemas.openxmlformats.org/officeDocument/2006/relationships" xmlns:p="http://schemas.openxmlformats.org/presentationml/2006/main">
+  <p:cSld>
+    <p:bg>
+      <p:bgPr>
+        <a:noFill/>
+        <a:effectLst/>
+      </p:bgPr>
+    </p:bg>
+    <p:spTree>
+      <p:nvGrpSpPr>
+        <p:cNvPr id="1" name=""/>
+        <p:cNvGrpSpPr/>
+        <p:nvPr/>
+      </p:nvGrpSpPr>
+      <p:grpSpPr>
+        <a:xfrm>
+          <a:off x="0" y="0"/>
+          <a:ext cx="0" cy="0"/>
+          <a:chOff x="0" y="0"/>
+          <a:chExt cx="0" cy="0"/>
+        </a:xfrm>
+      </p:grpSpPr>
+      <p:sp>
+        <p:nvSpPr>
+          <p:cNvPr id="19" name="文本框 18"/>
+          <p:cNvSpPr txBox="1"/>
+          <p:nvPr/>
+        </p:nvSpPr>
+        <p:spPr>
+          <a:xfrm>
+            <a:off x="1259297" y="220238"/>
+            <a:ext cx="640080" cy="645160"/>
+          </a:xfrm>
+          <a:prstGeom prst="rect">
+            <a:avLst/>
+          </a:prstGeom>
+          <a:noFill/>
+        </p:spPr>
+        <p:txBody>
+          <a:bodyPr wrap="none" rtlCol="0">
+            <a:spAutoFit/>
+          </a:bodyPr>
+          <a:lstStyle/>
+          <a:p>
+            <a:r>
+              <a:rPr lang="en-US" altLang="zh-CN" sz="3600" dirty="0">
+                <a:ln>
+                  <a:gradFill>
+                    <a:gsLst>
+                      <a:gs pos="21000">
+                        <a:srgbClr val="48587C"/>
+                      </a:gs>
+                      <a:gs pos="71000">
+                        <a:srgbClr val="48587C">
+                          <a:alpha val="0"/>
+                        </a:srgbClr>
+                      </a:gs>
+                    </a:gsLst>
+                    <a:lin ang="5400000" scaled="1"/>
+                  </a:gradFill>
+                </a:ln>
+                <a:noFill/>
+                <a:latin typeface="MiSans Heavy" panose="00000A00000000000000" pitchFamily="2" charset="-122"/>
+                <a:ea typeface="MiSans Heavy" panose="00000A00000000000000" pitchFamily="2" charset="-122"/>
+              </a:rPr>
+              <a:t>04</a:t>
+            </a:r>
+            <a:endParaRPr lang="zh-CN" altLang="en-US" sz="3600" dirty="0">
+              <a:ln>
+                <a:gradFill>
+                  <a:gsLst>
+                    <a:gs pos="21000">
+                      <a:srgbClr val="48587C"/>
+                    </a:gs>
+                    <a:gs pos="71000">
+                      <a:srgbClr val="48587C">
+                        <a:alpha val="0"/>
+                      </a:srgbClr>
+                    </a:gs>
+                  </a:gsLst>
+                  <a:lin ang="5400000" scaled="1"/>
+                </a:gradFill>
+              </a:ln>
+              <a:noFill/>
+              <a:latin typeface="MiSans Heavy" panose="00000A00000000000000" pitchFamily="2" charset="-122"/>
+              <a:ea typeface="MiSans Heavy" panose="00000A00000000000000" pitchFamily="2" charset="-122"/>
+            </a:endParaRPr>
+          </a:p>
+        </p:txBody>
+      </p:sp>
+      <p:sp>
+        <p:nvSpPr>
+          <p:cNvPr id="20" name="文本框 19"/>
+          <p:cNvSpPr txBox="1"/>
+          <p:nvPr/>
+        </p:nvSpPr>
+        <p:spPr>
+          <a:xfrm>
+            <a:off x="2035494" y="269634"/>
+            <a:ext cx="1102360" cy="368300"/>
+          </a:xfrm>
+          <a:prstGeom prst="rect">
+            <a:avLst/>
+          </a:prstGeom>
+          <a:noFill/>
+        </p:spPr>
+        <p:txBody>
+          <a:bodyPr wrap="none" rtlCol="0">
+            <a:spAutoFit/>
+          </a:bodyPr>
+          <a:lstStyle>
+            <a:defPPr>
+              <a:defRPr lang="zh-CN"/>
+            </a:defPPr>
+            <a:lvl1pPr>
+              <a:defRPr b="1">
+                <a:solidFill>
+                  <a:srgbClr val="4F628A"/>
+                </a:solidFill>
+              </a:defRPr>
+            </a:lvl1pPr>
+          </a:lstStyle>
+          <a:p>
+            <a:r>
+              <a:rPr lang="zh-CN" altLang="en-US" dirty="0"/>
+              <a:t>成果展示</a:t>
+            </a:r>
+            <a:endParaRPr lang="zh-CN" altLang="en-US" dirty="0"/>
+          </a:p>
+        </p:txBody>
+      </p:sp>
+      <p:sp>
+        <p:nvSpPr>
           <p:cNvPr id="101" name="文本框 100"/>
           <p:cNvSpPr txBox="1"/>
           <p:nvPr/>
@@ -14375,7 +14710,7 @@
 </p:sld>
 </file>
 
-<file path=ppt/slides/slide11.xml><?xml version="1.0" encoding="utf-8"?>
+<file path=ppt/slides/slide12.xml><?xml version="1.0" encoding="utf-8"?>
 <p:sld xmlns:a="http://schemas.openxmlformats.org/drawingml/2006/main" xmlns:r="http://schemas.openxmlformats.org/officeDocument/2006/relationships" xmlns:p="http://schemas.openxmlformats.org/presentationml/2006/main">
   <p:cSld>
     <p:bg>
@@ -14608,7 +14943,7 @@
 </p:sld>
 </file>
 
-<file path=ppt/slides/slide12.xml><?xml version="1.0" encoding="utf-8"?>
+<file path=ppt/slides/slide13.xml><?xml version="1.0" encoding="utf-8"?>
 <p:sld xmlns:a="http://schemas.openxmlformats.org/drawingml/2006/main" xmlns:r="http://schemas.openxmlformats.org/officeDocument/2006/relationships" xmlns:p="http://schemas.openxmlformats.org/presentationml/2006/main">
   <p:cSld>
     <p:spTree>
@@ -22538,7 +22873,7 @@
         <p:spPr>
           <a:xfrm>
             <a:off x="5471346" y="2701923"/>
-            <a:ext cx="4906369" cy="368300"/>
+            <a:ext cx="4906369" cy="1014730"/>
           </a:xfrm>
           <a:prstGeom prst="rect">
             <a:avLst/>
@@ -22557,6 +22892,19 @@
               </a:lnSpc>
             </a:pPr>
             <a:r>
+              <a:rPr lang="zh-CN" altLang="en-US" sz="2000" dirty="0">
+                <a:solidFill>
+                  <a:schemeClr val="tx1">
+                    <a:lumMod val="50000"/>
+                    <a:lumOff val="50000"/>
+                  </a:schemeClr>
+                </a:solidFill>
+                <a:latin typeface="仿宋" panose="02010609060101010101" charset="-122"/>
+                <a:ea typeface="仿宋" panose="02010609060101010101" charset="-122"/>
+              </a:rPr>
+              <a:t>学生信息管理系统仅适用于大学院校学生选课以及班级课程管理</a:t>
+            </a:r>
+            <a:r>
               <a:rPr lang="zh-CN" altLang="en-US" sz="1200" b="1" dirty="0">
                 <a:solidFill>
                   <a:schemeClr val="tx1">
@@ -22565,7 +22913,7 @@
                   </a:schemeClr>
                 </a:solidFill>
               </a:rPr>
-              <a:t>学生信息管理系统仅适用于大学院校学生选课以及班级课程管理，</a:t>
+              <a:t>，</a:t>
             </a:r>
             <a:endParaRPr lang="zh-CN" altLang="en-US" sz="1200" b="1" dirty="0">
               <a:solidFill>
@@ -22602,6 +22950,1140 @@
 </file>
 
 <file path=ppt/slides/slide4.xml><?xml version="1.0" encoding="utf-8"?>
+<p:sld xmlns:a="http://schemas.openxmlformats.org/drawingml/2006/main" xmlns:r="http://schemas.openxmlformats.org/officeDocument/2006/relationships" xmlns:p="http://schemas.openxmlformats.org/presentationml/2006/main">
+  <p:cSld>
+    <p:bg>
+      <p:bgPr>
+        <a:noFill/>
+        <a:effectLst/>
+      </p:bgPr>
+    </p:bg>
+    <p:spTree>
+      <p:nvGrpSpPr>
+        <p:cNvPr id="1" name=""/>
+        <p:cNvGrpSpPr/>
+        <p:nvPr/>
+      </p:nvGrpSpPr>
+      <p:grpSpPr>
+        <a:xfrm>
+          <a:off x="0" y="0"/>
+          <a:ext cx="0" cy="0"/>
+          <a:chOff x="0" y="0"/>
+          <a:chExt cx="0" cy="0"/>
+        </a:xfrm>
+      </p:grpSpPr>
+      <p:sp>
+        <p:nvSpPr>
+          <p:cNvPr id="19" name="文本框 18"/>
+          <p:cNvSpPr txBox="1"/>
+          <p:nvPr/>
+        </p:nvSpPr>
+        <p:spPr>
+          <a:xfrm>
+            <a:off x="1259297" y="220238"/>
+            <a:ext cx="411480" cy="645160"/>
+          </a:xfrm>
+          <a:prstGeom prst="rect">
+            <a:avLst/>
+          </a:prstGeom>
+          <a:noFill/>
+        </p:spPr>
+        <p:txBody>
+          <a:bodyPr wrap="none" rtlCol="0">
+            <a:spAutoFit/>
+          </a:bodyPr>
+          <a:lstStyle/>
+          <a:p>
+            <a:r>
+              <a:rPr lang="en-US" altLang="zh-CN" sz="3600" dirty="0">
+                <a:ln>
+                  <a:gradFill>
+                    <a:gsLst>
+                      <a:gs pos="21000">
+                        <a:srgbClr val="48587C"/>
+                      </a:gs>
+                      <a:gs pos="71000">
+                        <a:srgbClr val="48587C">
+                          <a:alpha val="0"/>
+                        </a:srgbClr>
+                      </a:gs>
+                    </a:gsLst>
+                    <a:lin ang="5400000" scaled="1"/>
+                  </a:gradFill>
+                </a:ln>
+                <a:noFill/>
+                <a:latin typeface="MiSans Heavy" panose="00000A00000000000000" pitchFamily="2" charset="-122"/>
+                <a:ea typeface="MiSans Heavy" panose="00000A00000000000000" pitchFamily="2" charset="-122"/>
+              </a:rPr>
+              <a:t>0</a:t>
+            </a:r>
+            <a:endParaRPr lang="zh-CN" altLang="en-US" sz="3600" dirty="0">
+              <a:ln>
+                <a:gradFill>
+                  <a:gsLst>
+                    <a:gs pos="21000">
+                      <a:srgbClr val="48587C"/>
+                    </a:gs>
+                    <a:gs pos="71000">
+                      <a:srgbClr val="48587C">
+                        <a:alpha val="0"/>
+                      </a:srgbClr>
+                    </a:gs>
+                  </a:gsLst>
+                  <a:lin ang="5400000" scaled="1"/>
+                </a:gradFill>
+              </a:ln>
+              <a:noFill/>
+              <a:latin typeface="MiSans Heavy" panose="00000A00000000000000" pitchFamily="2" charset="-122"/>
+              <a:ea typeface="MiSans Heavy" panose="00000A00000000000000" pitchFamily="2" charset="-122"/>
+            </a:endParaRPr>
+          </a:p>
+        </p:txBody>
+      </p:sp>
+      <p:sp>
+        <p:nvSpPr>
+          <p:cNvPr id="20" name="文本框 19"/>
+          <p:cNvSpPr txBox="1"/>
+          <p:nvPr/>
+        </p:nvSpPr>
+        <p:spPr>
+          <a:xfrm>
+            <a:off x="2035494" y="269634"/>
+            <a:ext cx="1102360" cy="368300"/>
+          </a:xfrm>
+          <a:prstGeom prst="rect">
+            <a:avLst/>
+          </a:prstGeom>
+          <a:noFill/>
+        </p:spPr>
+        <p:txBody>
+          <a:bodyPr wrap="none" rtlCol="0">
+            <a:spAutoFit/>
+          </a:bodyPr>
+          <a:lstStyle>
+            <a:defPPr>
+              <a:defRPr lang="zh-CN"/>
+            </a:defPPr>
+            <a:lvl1pPr>
+              <a:defRPr b="1">
+                <a:solidFill>
+                  <a:srgbClr val="4F628A"/>
+                </a:solidFill>
+              </a:defRPr>
+            </a:lvl1pPr>
+          </a:lstStyle>
+          <a:p>
+            <a:r>
+              <a:rPr lang="zh-CN" altLang="en-US" dirty="0"/>
+              <a:t>成果展示</a:t>
+            </a:r>
+            <a:endParaRPr lang="zh-CN" altLang="en-US" dirty="0"/>
+          </a:p>
+        </p:txBody>
+      </p:sp>
+      <p:grpSp>
+        <p:nvGrpSpPr>
+          <p:cNvPr id="5" name="组合 4"/>
+          <p:cNvGrpSpPr/>
+          <p:nvPr/>
+        </p:nvGrpSpPr>
+        <p:grpSpPr>
+          <a:xfrm>
+            <a:off x="1055689" y="1281896"/>
+            <a:ext cx="3176208" cy="4294207"/>
+            <a:chOff x="5213467" y="1694691"/>
+            <a:chExt cx="3176208" cy="4294207"/>
+          </a:xfrm>
+        </p:grpSpPr>
+        <p:grpSp>
+          <p:nvGrpSpPr>
+            <p:cNvPr id="6" name="îSľiḋe"/>
+            <p:cNvGrpSpPr/>
+            <p:nvPr/>
+          </p:nvGrpSpPr>
+          <p:grpSpPr>
+            <a:xfrm>
+              <a:off x="5213467" y="1709971"/>
+              <a:ext cx="3024000" cy="4278927"/>
+              <a:chOff x="4502149" y="3902328"/>
+              <a:chExt cx="3392532" cy="4278927"/>
+            </a:xfrm>
+          </p:grpSpPr>
+          <p:sp>
+            <p:nvSpPr>
+              <p:cNvPr id="7" name="íṣḻíḓè"/>
+              <p:cNvSpPr/>
+              <p:nvPr/>
+            </p:nvSpPr>
+            <p:spPr>
+              <a:xfrm>
+                <a:off x="4502149" y="3902328"/>
+                <a:ext cx="3392532" cy="4278927"/>
+              </a:xfrm>
+              <a:prstGeom prst="roundRect">
+                <a:avLst>
+                  <a:gd name="adj" fmla="val 0"/>
+                </a:avLst>
+              </a:prstGeom>
+              <a:solidFill>
+                <a:schemeClr val="bg1"/>
+              </a:solidFill>
+              <a:ln w="25400">
+                <a:solidFill>
+                  <a:srgbClr val="48587C"/>
+                </a:solidFill>
+              </a:ln>
+            </p:spPr>
+            <p:style>
+              <a:lnRef idx="2">
+                <a:schemeClr val="accent1">
+                  <a:shade val="15000"/>
+                </a:schemeClr>
+              </a:lnRef>
+              <a:fillRef idx="1">
+                <a:schemeClr val="accent1"/>
+              </a:fillRef>
+              <a:effectRef idx="0">
+                <a:schemeClr val="accent1"/>
+              </a:effectRef>
+              <a:fontRef idx="minor">
+                <a:schemeClr val="lt1"/>
+              </a:fontRef>
+            </p:style>
+            <p:txBody>
+              <a:bodyPr rtlCol="0" anchor="ctr"/>
+              <a:p>
+                <a:pPr algn="ctr"/>
+                <a:endParaRPr lang="en-US" altLang="zh-CN" dirty="0">
+                  <a:solidFill>
+                    <a:schemeClr val="lt1"/>
+                  </a:solidFill>
+                </a:endParaRPr>
+              </a:p>
+            </p:txBody>
+          </p:sp>
+          <p:sp>
+            <p:nvSpPr>
+              <p:cNvPr id="8" name="ïśļïḓe"/>
+              <p:cNvSpPr/>
+              <p:nvPr/>
+            </p:nvSpPr>
+            <p:spPr>
+              <a:xfrm>
+                <a:off x="4502150" y="3902328"/>
+                <a:ext cx="484632" cy="544956"/>
+              </a:xfrm>
+              <a:custGeom>
+                <a:avLst/>
+                <a:gdLst>
+                  <a:gd name="connsiteX0" fmla="*/ 0 w 484632"/>
+                  <a:gd name="connsiteY0" fmla="*/ 0 h 544956"/>
+                  <a:gd name="connsiteX1" fmla="*/ 484632 w 484632"/>
+                  <a:gd name="connsiteY1" fmla="*/ 0 h 544956"/>
+                  <a:gd name="connsiteX2" fmla="*/ 484632 w 484632"/>
+                  <a:gd name="connsiteY2" fmla="*/ 302640 h 544956"/>
+                  <a:gd name="connsiteX3" fmla="*/ 242316 w 484632"/>
+                  <a:gd name="connsiteY3" fmla="*/ 544956 h 544956"/>
+                  <a:gd name="connsiteX4" fmla="*/ 0 w 484632"/>
+                  <a:gd name="connsiteY4" fmla="*/ 302640 h 544956"/>
+                  <a:gd name="connsiteX5" fmla="*/ 0 w 484632"/>
+                  <a:gd name="connsiteY5" fmla="*/ 0 h 544956"/>
+                </a:gdLst>
+                <a:ahLst/>
+                <a:cxnLst>
+                  <a:cxn ang="0">
+                    <a:pos x="connsiteX0" y="connsiteY0"/>
+                  </a:cxn>
+                  <a:cxn ang="0">
+                    <a:pos x="connsiteX1" y="connsiteY1"/>
+                  </a:cxn>
+                  <a:cxn ang="0">
+                    <a:pos x="connsiteX2" y="connsiteY2"/>
+                  </a:cxn>
+                  <a:cxn ang="0">
+                    <a:pos x="connsiteX3" y="connsiteY3"/>
+                  </a:cxn>
+                  <a:cxn ang="0">
+                    <a:pos x="connsiteX4" y="connsiteY4"/>
+                  </a:cxn>
+                  <a:cxn ang="0">
+                    <a:pos x="connsiteX5" y="connsiteY5"/>
+                  </a:cxn>
+                </a:cxnLst>
+                <a:rect l="l" t="t" r="r" b="b"/>
+                <a:pathLst>
+                  <a:path w="484632" h="544956">
+                    <a:moveTo>
+                      <a:pt x="0" y="0"/>
+                    </a:moveTo>
+                    <a:lnTo>
+                      <a:pt x="484632" y="0"/>
+                    </a:lnTo>
+                    <a:lnTo>
+                      <a:pt x="484632" y="302640"/>
+                    </a:lnTo>
+                    <a:lnTo>
+                      <a:pt x="242316" y="544956"/>
+                    </a:lnTo>
+                    <a:lnTo>
+                      <a:pt x="0" y="302640"/>
+                    </a:lnTo>
+                    <a:lnTo>
+                      <a:pt x="0" y="0"/>
+                    </a:lnTo>
+                    <a:close/>
+                  </a:path>
+                </a:pathLst>
+              </a:custGeom>
+              <a:solidFill>
+                <a:srgbClr val="4F628A"/>
+              </a:solidFill>
+              <a:ln>
+                <a:noFill/>
+              </a:ln>
+            </p:spPr>
+            <p:style>
+              <a:lnRef idx="2">
+                <a:schemeClr val="accent1">
+                  <a:shade val="15000"/>
+                </a:schemeClr>
+              </a:lnRef>
+              <a:fillRef idx="1">
+                <a:schemeClr val="accent1"/>
+              </a:fillRef>
+              <a:effectRef idx="0">
+                <a:schemeClr val="accent1"/>
+              </a:effectRef>
+              <a:fontRef idx="minor">
+                <a:schemeClr val="lt1"/>
+              </a:fontRef>
+            </p:style>
+            <p:txBody>
+              <a:bodyPr rot="0" spcFirstLastPara="0" vertOverflow="overflow" horzOverflow="overflow" vert="horz" wrap="square" lIns="91440" tIns="45720" rIns="91440" bIns="45720" numCol="1" spcCol="0" rtlCol="0" fromWordArt="0" anchor="ctr" anchorCtr="0" forceAA="0" compatLnSpc="1">
+                <a:noAutofit/>
+              </a:bodyPr>
+              <a:p>
+                <a:pPr algn="ctr"/>
+                <a:endParaRPr lang="zh-CN" altLang="en-US" dirty="0"/>
+              </a:p>
+            </p:txBody>
+          </p:sp>
+        </p:grpSp>
+        <p:sp>
+          <p:nvSpPr>
+            <p:cNvPr id="9" name="ïslíḍè"/>
+            <p:cNvSpPr txBox="1"/>
+            <p:nvPr/>
+          </p:nvSpPr>
+          <p:spPr>
+            <a:xfrm>
+              <a:off x="5805344" y="1694691"/>
+              <a:ext cx="2584331" cy="491490"/>
+            </a:xfrm>
+            <a:prstGeom prst="rect">
+              <a:avLst/>
+            </a:prstGeom>
+            <a:noFill/>
+          </p:spPr>
+          <p:txBody>
+            <a:bodyPr wrap="square" rtlCol="0">
+              <a:spAutoFit/>
+            </a:bodyPr>
+            <a:p>
+              <a:pPr>
+                <a:lnSpc>
+                  <a:spcPct val="130000"/>
+                </a:lnSpc>
+              </a:pPr>
+              <a:r>
+                <a:rPr lang="zh-CN" altLang="en-US" sz="2000" b="1" dirty="0">
+                  <a:latin typeface="+mj-ea"/>
+                  <a:ea typeface="+mj-ea"/>
+                </a:rPr>
+                <a:t>管理员</a:t>
+              </a:r>
+              <a:endParaRPr lang="zh-CN" altLang="en-US" sz="2000" b="1" dirty="0">
+                <a:latin typeface="+mj-ea"/>
+                <a:ea typeface="+mj-ea"/>
+              </a:endParaRPr>
+            </a:p>
+          </p:txBody>
+        </p:sp>
+      </p:grpSp>
+      <p:sp>
+        <p:nvSpPr>
+          <p:cNvPr id="10" name="文本框 9"/>
+          <p:cNvSpPr txBox="1"/>
+          <p:nvPr/>
+        </p:nvSpPr>
+        <p:spPr>
+          <a:xfrm>
+            <a:off x="1462996" y="1705607"/>
+            <a:ext cx="2271616" cy="2353310"/>
+          </a:xfrm>
+          <a:prstGeom prst="rect">
+            <a:avLst/>
+          </a:prstGeom>
+          <a:noFill/>
+        </p:spPr>
+        <p:txBody>
+          <a:bodyPr wrap="square">
+            <a:spAutoFit/>
+          </a:bodyPr>
+          <a:p>
+            <a:pPr algn="ctr">
+              <a:lnSpc>
+                <a:spcPct val="150000"/>
+              </a:lnSpc>
+            </a:pPr>
+            <a:r>
+              <a:rPr sz="1400" b="1" dirty="0">
+                <a:solidFill>
+                  <a:schemeClr val="tx1">
+                    <a:lumMod val="50000"/>
+                    <a:lumOff val="50000"/>
+                  </a:schemeClr>
+                </a:solidFill>
+                <a:latin typeface="仿宋" panose="02010609060101010101" charset="-122"/>
+                <a:ea typeface="仿宋" panose="02010609060101010101" charset="-122"/>
+              </a:rPr>
+              <a:t>后台首页展示、个人信息展示和修改、用户管理、角色管理、班级管理、学生管理、课程管理、教师管理、班级科目成绩管理、班级科目成绩统计、班级科目对比统计等功能</a:t>
+            </a:r>
+            <a:endParaRPr sz="1400" b="1" dirty="0">
+              <a:solidFill>
+                <a:schemeClr val="tx1">
+                  <a:lumMod val="50000"/>
+                  <a:lumOff val="50000"/>
+                </a:schemeClr>
+              </a:solidFill>
+              <a:latin typeface="仿宋" panose="02010609060101010101" charset="-122"/>
+              <a:ea typeface="仿宋" panose="02010609060101010101" charset="-122"/>
+            </a:endParaRPr>
+          </a:p>
+        </p:txBody>
+      </p:sp>
+      <p:sp>
+        <p:nvSpPr>
+          <p:cNvPr id="11" name="矩形 10"/>
+          <p:cNvSpPr/>
+          <p:nvPr/>
+        </p:nvSpPr>
+        <p:spPr>
+          <a:xfrm>
+            <a:off x="1483316" y="4059000"/>
+            <a:ext cx="2271616" cy="1338536"/>
+          </a:xfrm>
+          <a:prstGeom prst="rect">
+            <a:avLst/>
+          </a:prstGeom>
+          <a:blipFill>
+            <a:blip r:embed="rId1" cstate="screen"/>
+            <a:stretch>
+              <a:fillRect/>
+            </a:stretch>
+          </a:blipFill>
+          <a:ln>
+            <a:noFill/>
+          </a:ln>
+        </p:spPr>
+        <p:style>
+          <a:lnRef idx="2">
+            <a:schemeClr val="accent1">
+              <a:shade val="15000"/>
+            </a:schemeClr>
+          </a:lnRef>
+          <a:fillRef idx="1">
+            <a:schemeClr val="accent1"/>
+          </a:fillRef>
+          <a:effectRef idx="0">
+            <a:schemeClr val="accent1"/>
+          </a:effectRef>
+          <a:fontRef idx="minor">
+            <a:schemeClr val="lt1"/>
+          </a:fontRef>
+        </p:style>
+        <p:txBody>
+          <a:bodyPr rtlCol="0" anchor="ctr"/>
+          <a:p>
+            <a:pPr algn="ctr"/>
+            <a:endParaRPr lang="zh-CN" altLang="en-US"/>
+          </a:p>
+        </p:txBody>
+      </p:sp>
+      <p:grpSp>
+        <p:nvGrpSpPr>
+          <p:cNvPr id="12" name="组合 11"/>
+          <p:cNvGrpSpPr/>
+          <p:nvPr/>
+        </p:nvGrpSpPr>
+        <p:grpSpPr>
+          <a:xfrm>
+            <a:off x="4584000" y="1281896"/>
+            <a:ext cx="3176208" cy="4294207"/>
+            <a:chOff x="5213467" y="1694691"/>
+            <a:chExt cx="3176208" cy="4294207"/>
+          </a:xfrm>
+        </p:grpSpPr>
+        <p:grpSp>
+          <p:nvGrpSpPr>
+            <p:cNvPr id="13" name="îSľiḋe"/>
+            <p:cNvGrpSpPr/>
+            <p:nvPr/>
+          </p:nvGrpSpPr>
+          <p:grpSpPr>
+            <a:xfrm>
+              <a:off x="5213467" y="1709971"/>
+              <a:ext cx="3024000" cy="4278927"/>
+              <a:chOff x="4502149" y="3902328"/>
+              <a:chExt cx="3392532" cy="4278927"/>
+            </a:xfrm>
+          </p:grpSpPr>
+          <p:sp>
+            <p:nvSpPr>
+              <p:cNvPr id="14" name="íṣḻíḓè"/>
+              <p:cNvSpPr/>
+              <p:nvPr/>
+            </p:nvSpPr>
+            <p:spPr>
+              <a:xfrm>
+                <a:off x="4502149" y="3902328"/>
+                <a:ext cx="3392532" cy="4278927"/>
+              </a:xfrm>
+              <a:prstGeom prst="roundRect">
+                <a:avLst>
+                  <a:gd name="adj" fmla="val 0"/>
+                </a:avLst>
+              </a:prstGeom>
+              <a:solidFill>
+                <a:schemeClr val="bg1"/>
+              </a:solidFill>
+              <a:ln w="25400">
+                <a:solidFill>
+                  <a:srgbClr val="48587C"/>
+                </a:solidFill>
+              </a:ln>
+            </p:spPr>
+            <p:style>
+              <a:lnRef idx="2">
+                <a:schemeClr val="accent1">
+                  <a:shade val="15000"/>
+                </a:schemeClr>
+              </a:lnRef>
+              <a:fillRef idx="1">
+                <a:schemeClr val="accent1"/>
+              </a:fillRef>
+              <a:effectRef idx="0">
+                <a:schemeClr val="accent1"/>
+              </a:effectRef>
+              <a:fontRef idx="minor">
+                <a:schemeClr val="lt1"/>
+              </a:fontRef>
+            </p:style>
+            <p:txBody>
+              <a:bodyPr rtlCol="0" anchor="ctr"/>
+              <a:p>
+                <a:pPr algn="ctr"/>
+                <a:endParaRPr lang="en-US" altLang="zh-CN" dirty="0"/>
+              </a:p>
+            </p:txBody>
+          </p:sp>
+          <p:sp>
+            <p:nvSpPr>
+              <p:cNvPr id="15" name="ïśļïḓe"/>
+              <p:cNvSpPr/>
+              <p:nvPr/>
+            </p:nvSpPr>
+            <p:spPr>
+              <a:xfrm>
+                <a:off x="4502150" y="3902328"/>
+                <a:ext cx="484632" cy="544956"/>
+              </a:xfrm>
+              <a:custGeom>
+                <a:avLst/>
+                <a:gdLst>
+                  <a:gd name="connsiteX0" fmla="*/ 0 w 484632"/>
+                  <a:gd name="connsiteY0" fmla="*/ 0 h 544956"/>
+                  <a:gd name="connsiteX1" fmla="*/ 484632 w 484632"/>
+                  <a:gd name="connsiteY1" fmla="*/ 0 h 544956"/>
+                  <a:gd name="connsiteX2" fmla="*/ 484632 w 484632"/>
+                  <a:gd name="connsiteY2" fmla="*/ 302640 h 544956"/>
+                  <a:gd name="connsiteX3" fmla="*/ 242316 w 484632"/>
+                  <a:gd name="connsiteY3" fmla="*/ 544956 h 544956"/>
+                  <a:gd name="connsiteX4" fmla="*/ 0 w 484632"/>
+                  <a:gd name="connsiteY4" fmla="*/ 302640 h 544956"/>
+                  <a:gd name="connsiteX5" fmla="*/ 0 w 484632"/>
+                  <a:gd name="connsiteY5" fmla="*/ 0 h 544956"/>
+                </a:gdLst>
+                <a:ahLst/>
+                <a:cxnLst>
+                  <a:cxn ang="0">
+                    <a:pos x="connsiteX0" y="connsiteY0"/>
+                  </a:cxn>
+                  <a:cxn ang="0">
+                    <a:pos x="connsiteX1" y="connsiteY1"/>
+                  </a:cxn>
+                  <a:cxn ang="0">
+                    <a:pos x="connsiteX2" y="connsiteY2"/>
+                  </a:cxn>
+                  <a:cxn ang="0">
+                    <a:pos x="connsiteX3" y="connsiteY3"/>
+                  </a:cxn>
+                  <a:cxn ang="0">
+                    <a:pos x="connsiteX4" y="connsiteY4"/>
+                  </a:cxn>
+                  <a:cxn ang="0">
+                    <a:pos x="connsiteX5" y="connsiteY5"/>
+                  </a:cxn>
+                </a:cxnLst>
+                <a:rect l="l" t="t" r="r" b="b"/>
+                <a:pathLst>
+                  <a:path w="484632" h="544956">
+                    <a:moveTo>
+                      <a:pt x="0" y="0"/>
+                    </a:moveTo>
+                    <a:lnTo>
+                      <a:pt x="484632" y="0"/>
+                    </a:lnTo>
+                    <a:lnTo>
+                      <a:pt x="484632" y="302640"/>
+                    </a:lnTo>
+                    <a:lnTo>
+                      <a:pt x="242316" y="544956"/>
+                    </a:lnTo>
+                    <a:lnTo>
+                      <a:pt x="0" y="302640"/>
+                    </a:lnTo>
+                    <a:lnTo>
+                      <a:pt x="0" y="0"/>
+                    </a:lnTo>
+                    <a:close/>
+                  </a:path>
+                </a:pathLst>
+              </a:custGeom>
+              <a:solidFill>
+                <a:srgbClr val="4F628A"/>
+              </a:solidFill>
+              <a:ln>
+                <a:noFill/>
+              </a:ln>
+            </p:spPr>
+            <p:style>
+              <a:lnRef idx="2">
+                <a:schemeClr val="accent1">
+                  <a:shade val="15000"/>
+                </a:schemeClr>
+              </a:lnRef>
+              <a:fillRef idx="1">
+                <a:schemeClr val="accent1"/>
+              </a:fillRef>
+              <a:effectRef idx="0">
+                <a:schemeClr val="accent1"/>
+              </a:effectRef>
+              <a:fontRef idx="minor">
+                <a:schemeClr val="lt1"/>
+              </a:fontRef>
+            </p:style>
+            <p:txBody>
+              <a:bodyPr rot="0" spcFirstLastPara="0" vertOverflow="overflow" horzOverflow="overflow" vert="horz" wrap="square" lIns="91440" tIns="45720" rIns="91440" bIns="45720" numCol="1" spcCol="0" rtlCol="0" fromWordArt="0" anchor="ctr" anchorCtr="0" forceAA="0" compatLnSpc="1">
+                <a:noAutofit/>
+              </a:bodyPr>
+              <a:p>
+                <a:pPr algn="ctr"/>
+                <a:endParaRPr lang="zh-CN" altLang="en-US" dirty="0"/>
+              </a:p>
+            </p:txBody>
+          </p:sp>
+        </p:grpSp>
+        <p:sp>
+          <p:nvSpPr>
+            <p:cNvPr id="16" name="ïslíḍè"/>
+            <p:cNvSpPr txBox="1"/>
+            <p:nvPr/>
+          </p:nvSpPr>
+          <p:spPr>
+            <a:xfrm>
+              <a:off x="5805344" y="1694691"/>
+              <a:ext cx="2584331" cy="491490"/>
+            </a:xfrm>
+            <a:prstGeom prst="rect">
+              <a:avLst/>
+            </a:prstGeom>
+            <a:noFill/>
+          </p:spPr>
+          <p:txBody>
+            <a:bodyPr wrap="square" rtlCol="0">
+              <a:spAutoFit/>
+            </a:bodyPr>
+            <a:p>
+              <a:pPr>
+                <a:lnSpc>
+                  <a:spcPct val="130000"/>
+                </a:lnSpc>
+              </a:pPr>
+              <a:r>
+                <a:rPr lang="zh-CN" altLang="en-US" sz="2000" b="1" dirty="0">
+                  <a:latin typeface="+mj-ea"/>
+                  <a:ea typeface="+mj-ea"/>
+                </a:rPr>
+                <a:t>学生</a:t>
+              </a:r>
+              <a:endParaRPr lang="zh-CN" altLang="en-US" sz="2000" b="1" dirty="0">
+                <a:latin typeface="+mj-ea"/>
+                <a:ea typeface="+mj-ea"/>
+              </a:endParaRPr>
+            </a:p>
+          </p:txBody>
+        </p:sp>
+      </p:grpSp>
+      <p:sp>
+        <p:nvSpPr>
+          <p:cNvPr id="17" name="文本框 16"/>
+          <p:cNvSpPr txBox="1"/>
+          <p:nvPr/>
+        </p:nvSpPr>
+        <p:spPr>
+          <a:xfrm>
+            <a:off x="4960192" y="1842132"/>
+            <a:ext cx="2271616" cy="1060450"/>
+          </a:xfrm>
+          <a:prstGeom prst="rect">
+            <a:avLst/>
+          </a:prstGeom>
+          <a:noFill/>
+        </p:spPr>
+        <p:txBody>
+          <a:bodyPr wrap="square">
+            <a:spAutoFit/>
+          </a:bodyPr>
+          <a:p>
+            <a:pPr algn="ctr">
+              <a:lnSpc>
+                <a:spcPct val="150000"/>
+              </a:lnSpc>
+            </a:pPr>
+            <a:r>
+              <a:rPr lang="zh-CN" altLang="en-US" sz="1400" b="1" dirty="0">
+                <a:solidFill>
+                  <a:schemeClr val="tx1">
+                    <a:lumMod val="50000"/>
+                    <a:lumOff val="50000"/>
+                  </a:schemeClr>
+                </a:solidFill>
+                <a:latin typeface="仿宋" panose="02010609060101010101" charset="-122"/>
+                <a:ea typeface="仿宋" panose="02010609060101010101" charset="-122"/>
+              </a:rPr>
+              <a:t>后台首页展示、个人信息展示和修改、课程选择，成绩查询等功能</a:t>
+            </a:r>
+            <a:endParaRPr lang="zh-CN" altLang="en-US" sz="1400" b="1" dirty="0">
+              <a:solidFill>
+                <a:schemeClr val="tx1">
+                  <a:lumMod val="50000"/>
+                  <a:lumOff val="50000"/>
+                </a:schemeClr>
+              </a:solidFill>
+              <a:latin typeface="仿宋" panose="02010609060101010101" charset="-122"/>
+              <a:ea typeface="仿宋" panose="02010609060101010101" charset="-122"/>
+            </a:endParaRPr>
+          </a:p>
+        </p:txBody>
+      </p:sp>
+      <p:sp>
+        <p:nvSpPr>
+          <p:cNvPr id="18" name="矩形 17" descr="D:\51PPT模板网\51pptmoban.com\图片.jpg"/>
+          <p:cNvSpPr/>
+          <p:nvPr/>
+        </p:nvSpPr>
+        <p:spPr>
+          <a:xfrm>
+            <a:off x="4960192" y="3853260"/>
+            <a:ext cx="2271616" cy="1338536"/>
+          </a:xfrm>
+          <a:prstGeom prst="rect">
+            <a:avLst/>
+          </a:prstGeom>
+          <a:blipFill>
+            <a:blip r:embed="rId2" cstate="screen"/>
+            <a:stretch>
+              <a:fillRect/>
+            </a:stretch>
+          </a:blipFill>
+          <a:ln>
+            <a:noFill/>
+          </a:ln>
+        </p:spPr>
+        <p:style>
+          <a:lnRef idx="2">
+            <a:schemeClr val="accent1">
+              <a:shade val="15000"/>
+            </a:schemeClr>
+          </a:lnRef>
+          <a:fillRef idx="1">
+            <a:schemeClr val="accent1"/>
+          </a:fillRef>
+          <a:effectRef idx="0">
+            <a:schemeClr val="accent1"/>
+          </a:effectRef>
+          <a:fontRef idx="minor">
+            <a:schemeClr val="lt1"/>
+          </a:fontRef>
+        </p:style>
+        <p:txBody>
+          <a:bodyPr rtlCol="0" anchor="ctr"/>
+          <a:p>
+            <a:pPr algn="ctr"/>
+            <a:endParaRPr lang="zh-CN" altLang="en-US"/>
+          </a:p>
+        </p:txBody>
+      </p:sp>
+      <p:grpSp>
+        <p:nvGrpSpPr>
+          <p:cNvPr id="21" name="组合 20"/>
+          <p:cNvGrpSpPr/>
+          <p:nvPr/>
+        </p:nvGrpSpPr>
+        <p:grpSpPr>
+          <a:xfrm>
+            <a:off x="8112311" y="1281896"/>
+            <a:ext cx="3176208" cy="4294207"/>
+            <a:chOff x="5213467" y="1694691"/>
+            <a:chExt cx="3176208" cy="4294207"/>
+          </a:xfrm>
+        </p:grpSpPr>
+        <p:grpSp>
+          <p:nvGrpSpPr>
+            <p:cNvPr id="22" name="îSľiḋe"/>
+            <p:cNvGrpSpPr/>
+            <p:nvPr/>
+          </p:nvGrpSpPr>
+          <p:grpSpPr>
+            <a:xfrm>
+              <a:off x="5213467" y="1709971"/>
+              <a:ext cx="3024000" cy="4278927"/>
+              <a:chOff x="4502149" y="3902328"/>
+              <a:chExt cx="3392532" cy="4278927"/>
+            </a:xfrm>
+          </p:grpSpPr>
+          <p:sp>
+            <p:nvSpPr>
+              <p:cNvPr id="23" name="íṣḻíḓè"/>
+              <p:cNvSpPr/>
+              <p:nvPr/>
+            </p:nvSpPr>
+            <p:spPr>
+              <a:xfrm>
+                <a:off x="4502149" y="3902328"/>
+                <a:ext cx="3392532" cy="4278927"/>
+              </a:xfrm>
+              <a:prstGeom prst="roundRect">
+                <a:avLst>
+                  <a:gd name="adj" fmla="val 0"/>
+                </a:avLst>
+              </a:prstGeom>
+              <a:solidFill>
+                <a:schemeClr val="bg1"/>
+              </a:solidFill>
+              <a:ln w="25400">
+                <a:solidFill>
+                  <a:srgbClr val="48587C"/>
+                </a:solidFill>
+              </a:ln>
+            </p:spPr>
+            <p:style>
+              <a:lnRef idx="2">
+                <a:schemeClr val="accent1">
+                  <a:shade val="15000"/>
+                </a:schemeClr>
+              </a:lnRef>
+              <a:fillRef idx="1">
+                <a:schemeClr val="accent1"/>
+              </a:fillRef>
+              <a:effectRef idx="0">
+                <a:schemeClr val="accent1"/>
+              </a:effectRef>
+              <a:fontRef idx="minor">
+                <a:schemeClr val="lt1"/>
+              </a:fontRef>
+            </p:style>
+            <p:txBody>
+              <a:bodyPr rtlCol="0" anchor="ctr"/>
+              <a:p>
+                <a:pPr algn="ctr"/>
+                <a:endParaRPr lang="en-US" altLang="zh-CN" dirty="0"/>
+              </a:p>
+            </p:txBody>
+          </p:sp>
+          <p:sp>
+            <p:nvSpPr>
+              <p:cNvPr id="24" name="ïśļïḓe"/>
+              <p:cNvSpPr/>
+              <p:nvPr/>
+            </p:nvSpPr>
+            <p:spPr>
+              <a:xfrm>
+                <a:off x="4502150" y="3902328"/>
+                <a:ext cx="484632" cy="544956"/>
+              </a:xfrm>
+              <a:custGeom>
+                <a:avLst/>
+                <a:gdLst>
+                  <a:gd name="connsiteX0" fmla="*/ 0 w 484632"/>
+                  <a:gd name="connsiteY0" fmla="*/ 0 h 544956"/>
+                  <a:gd name="connsiteX1" fmla="*/ 484632 w 484632"/>
+                  <a:gd name="connsiteY1" fmla="*/ 0 h 544956"/>
+                  <a:gd name="connsiteX2" fmla="*/ 484632 w 484632"/>
+                  <a:gd name="connsiteY2" fmla="*/ 302640 h 544956"/>
+                  <a:gd name="connsiteX3" fmla="*/ 242316 w 484632"/>
+                  <a:gd name="connsiteY3" fmla="*/ 544956 h 544956"/>
+                  <a:gd name="connsiteX4" fmla="*/ 0 w 484632"/>
+                  <a:gd name="connsiteY4" fmla="*/ 302640 h 544956"/>
+                  <a:gd name="connsiteX5" fmla="*/ 0 w 484632"/>
+                  <a:gd name="connsiteY5" fmla="*/ 0 h 544956"/>
+                </a:gdLst>
+                <a:ahLst/>
+                <a:cxnLst>
+                  <a:cxn ang="0">
+                    <a:pos x="connsiteX0" y="connsiteY0"/>
+                  </a:cxn>
+                  <a:cxn ang="0">
+                    <a:pos x="connsiteX1" y="connsiteY1"/>
+                  </a:cxn>
+                  <a:cxn ang="0">
+                    <a:pos x="connsiteX2" y="connsiteY2"/>
+                  </a:cxn>
+                  <a:cxn ang="0">
+                    <a:pos x="connsiteX3" y="connsiteY3"/>
+                  </a:cxn>
+                  <a:cxn ang="0">
+                    <a:pos x="connsiteX4" y="connsiteY4"/>
+                  </a:cxn>
+                  <a:cxn ang="0">
+                    <a:pos x="connsiteX5" y="connsiteY5"/>
+                  </a:cxn>
+                </a:cxnLst>
+                <a:rect l="l" t="t" r="r" b="b"/>
+                <a:pathLst>
+                  <a:path w="484632" h="544956">
+                    <a:moveTo>
+                      <a:pt x="0" y="0"/>
+                    </a:moveTo>
+                    <a:lnTo>
+                      <a:pt x="484632" y="0"/>
+                    </a:lnTo>
+                    <a:lnTo>
+                      <a:pt x="484632" y="302640"/>
+                    </a:lnTo>
+                    <a:lnTo>
+                      <a:pt x="242316" y="544956"/>
+                    </a:lnTo>
+                    <a:lnTo>
+                      <a:pt x="0" y="302640"/>
+                    </a:lnTo>
+                    <a:lnTo>
+                      <a:pt x="0" y="0"/>
+                    </a:lnTo>
+                    <a:close/>
+                  </a:path>
+                </a:pathLst>
+              </a:custGeom>
+              <a:solidFill>
+                <a:srgbClr val="4F628A"/>
+              </a:solidFill>
+              <a:ln>
+                <a:noFill/>
+              </a:ln>
+            </p:spPr>
+            <p:style>
+              <a:lnRef idx="2">
+                <a:schemeClr val="accent1">
+                  <a:shade val="15000"/>
+                </a:schemeClr>
+              </a:lnRef>
+              <a:fillRef idx="1">
+                <a:schemeClr val="accent1"/>
+              </a:fillRef>
+              <a:effectRef idx="0">
+                <a:schemeClr val="accent1"/>
+              </a:effectRef>
+              <a:fontRef idx="minor">
+                <a:schemeClr val="lt1"/>
+              </a:fontRef>
+            </p:style>
+            <p:txBody>
+              <a:bodyPr rot="0" spcFirstLastPara="0" vertOverflow="overflow" horzOverflow="overflow" vert="horz" wrap="square" lIns="91440" tIns="45720" rIns="91440" bIns="45720" numCol="1" spcCol="0" rtlCol="0" fromWordArt="0" anchor="ctr" anchorCtr="0" forceAA="0" compatLnSpc="1">
+                <a:noAutofit/>
+              </a:bodyPr>
+              <a:p>
+                <a:pPr algn="ctr"/>
+                <a:endParaRPr lang="zh-CN" altLang="en-US" dirty="0"/>
+              </a:p>
+            </p:txBody>
+          </p:sp>
+        </p:grpSp>
+        <p:sp>
+          <p:nvSpPr>
+            <p:cNvPr id="25" name="ïslíḍè"/>
+            <p:cNvSpPr txBox="1"/>
+            <p:nvPr/>
+          </p:nvSpPr>
+          <p:spPr>
+            <a:xfrm>
+              <a:off x="5805344" y="1694691"/>
+              <a:ext cx="2584331" cy="491490"/>
+            </a:xfrm>
+            <a:prstGeom prst="rect">
+              <a:avLst/>
+            </a:prstGeom>
+            <a:noFill/>
+          </p:spPr>
+          <p:txBody>
+            <a:bodyPr wrap="square" rtlCol="0">
+              <a:spAutoFit/>
+            </a:bodyPr>
+            <a:p>
+              <a:pPr>
+                <a:lnSpc>
+                  <a:spcPct val="130000"/>
+                </a:lnSpc>
+              </a:pPr>
+              <a:r>
+                <a:rPr lang="zh-CN" altLang="en-US" sz="2000" b="1" dirty="0">
+                  <a:latin typeface="+mj-ea"/>
+                  <a:ea typeface="+mj-ea"/>
+                </a:rPr>
+                <a:t>老师</a:t>
+              </a:r>
+              <a:endParaRPr lang="zh-CN" altLang="en-US" sz="2000" b="1" dirty="0">
+                <a:latin typeface="+mj-ea"/>
+                <a:ea typeface="+mj-ea"/>
+              </a:endParaRPr>
+            </a:p>
+          </p:txBody>
+        </p:sp>
+      </p:grpSp>
+      <p:sp>
+        <p:nvSpPr>
+          <p:cNvPr id="26" name="文本框 25"/>
+          <p:cNvSpPr txBox="1"/>
+          <p:nvPr/>
+        </p:nvSpPr>
+        <p:spPr>
+          <a:xfrm>
+            <a:off x="8488503" y="1842132"/>
+            <a:ext cx="2271616" cy="1706880"/>
+          </a:xfrm>
+          <a:prstGeom prst="rect">
+            <a:avLst/>
+          </a:prstGeom>
+          <a:noFill/>
+        </p:spPr>
+        <p:txBody>
+          <a:bodyPr wrap="square">
+            <a:spAutoFit/>
+          </a:bodyPr>
+          <a:p>
+            <a:pPr algn="ctr">
+              <a:lnSpc>
+                <a:spcPct val="150000"/>
+              </a:lnSpc>
+            </a:pPr>
+            <a:r>
+              <a:rPr lang="zh-CN" altLang="en-US" sz="1400" b="1" dirty="0">
+                <a:solidFill>
+                  <a:schemeClr val="tx1">
+                    <a:lumMod val="50000"/>
+                    <a:lumOff val="50000"/>
+                  </a:schemeClr>
+                </a:solidFill>
+                <a:latin typeface="仿宋" panose="02010609060101010101" charset="-122"/>
+                <a:ea typeface="仿宋" panose="02010609060101010101" charset="-122"/>
+              </a:rPr>
+              <a:t>后台首页展示、个人信息展示和修改、课程成绩批改班级科目成绩管理、班级科目成绩统计、班级科目对比统计等功能。</a:t>
+            </a:r>
+            <a:endParaRPr lang="zh-CN" altLang="en-US" sz="1400" b="1" dirty="0">
+              <a:solidFill>
+                <a:schemeClr val="tx1">
+                  <a:lumMod val="50000"/>
+                  <a:lumOff val="50000"/>
+                </a:schemeClr>
+              </a:solidFill>
+              <a:latin typeface="仿宋" panose="02010609060101010101" charset="-122"/>
+              <a:ea typeface="仿宋" panose="02010609060101010101" charset="-122"/>
+            </a:endParaRPr>
+          </a:p>
+        </p:txBody>
+      </p:sp>
+      <p:sp>
+        <p:nvSpPr>
+          <p:cNvPr id="27" name="矩形 26"/>
+          <p:cNvSpPr/>
+          <p:nvPr/>
+        </p:nvSpPr>
+        <p:spPr>
+          <a:xfrm>
+            <a:off x="8488503" y="3853260"/>
+            <a:ext cx="2271616" cy="1338536"/>
+          </a:xfrm>
+          <a:prstGeom prst="rect">
+            <a:avLst/>
+          </a:prstGeom>
+          <a:blipFill>
+            <a:blip r:embed="rId3" cstate="screen"/>
+            <a:stretch>
+              <a:fillRect/>
+            </a:stretch>
+          </a:blipFill>
+          <a:ln>
+            <a:noFill/>
+          </a:ln>
+        </p:spPr>
+        <p:style>
+          <a:lnRef idx="2">
+            <a:schemeClr val="accent1">
+              <a:shade val="15000"/>
+            </a:schemeClr>
+          </a:lnRef>
+          <a:fillRef idx="1">
+            <a:schemeClr val="accent1"/>
+          </a:fillRef>
+          <a:effectRef idx="0">
+            <a:schemeClr val="accent1"/>
+          </a:effectRef>
+          <a:fontRef idx="minor">
+            <a:schemeClr val="lt1"/>
+          </a:fontRef>
+        </p:style>
+        <p:txBody>
+          <a:bodyPr rtlCol="0" anchor="ctr"/>
+          <a:p>
+            <a:pPr algn="ctr"/>
+            <a:endParaRPr lang="zh-CN" altLang="en-US"/>
+          </a:p>
+        </p:txBody>
+      </p:sp>
+    </p:spTree>
+    <p:custDataLst>
+      <p:tags r:id="rId4"/>
+    </p:custDataLst>
+  </p:cSld>
+  <p:clrMapOvr>
+    <a:masterClrMapping/>
+  </p:clrMapOvr>
+  <mc:AlternateContent xmlns:mc="http://schemas.openxmlformats.org/markup-compatibility/2006">
+    <mc:Choice xmlns:p14="http://schemas.microsoft.com/office/powerpoint/2010/main" Requires="p14">
+      <p:transition spd="slow" p14:dur="900">
+        <p14:warp dir="in"/>
+      </p:transition>
+    </mc:Choice>
+    <mc:Fallback>
+      <p:transition spd="slow">
+        <p:fade/>
+      </p:transition>
+    </mc:Fallback>
+  </mc:AlternateContent>
+</p:sld>
+</file>
+
+<file path=ppt/slides/slide5.xml><?xml version="1.0" encoding="utf-8"?>
 <p:sld xmlns:a="http://schemas.openxmlformats.org/drawingml/2006/main" xmlns:r="http://schemas.openxmlformats.org/officeDocument/2006/relationships" xmlns:p="http://schemas.openxmlformats.org/presentationml/2006/main">
   <p:cSld>
     <p:spTree>
@@ -24563,7 +26045,7 @@
 </p:sld>
 </file>
 
-<file path=ppt/slides/slide5.xml><?xml version="1.0" encoding="utf-8"?>
+<file path=ppt/slides/slide6.xml><?xml version="1.0" encoding="utf-8"?>
 <p:sld xmlns:a="http://schemas.openxmlformats.org/drawingml/2006/main" xmlns:r="http://schemas.openxmlformats.org/officeDocument/2006/relationships" xmlns:p="http://schemas.openxmlformats.org/presentationml/2006/main">
   <p:cSld>
     <p:spTree>
@@ -25197,10 +26679,10 @@
         </p:nvGrpSpPr>
         <p:grpSpPr>
           <a:xfrm>
-            <a:off x="757950" y="1988989"/>
-            <a:ext cx="2089871" cy="1622123"/>
-            <a:chOff x="-630305" y="402115"/>
-            <a:chExt cx="2089871" cy="1622123"/>
+            <a:off x="716675" y="1082209"/>
+            <a:ext cx="2089871" cy="2528903"/>
+            <a:chOff x="-671580" y="-504665"/>
+            <a:chExt cx="2089871" cy="2528903"/>
           </a:xfrm>
         </p:grpSpPr>
         <p:sp>
@@ -25215,8 +26697,8 @@
           </p:nvSpPr>
           <p:spPr>
             <a:xfrm>
-              <a:off x="-630305" y="402115"/>
-              <a:ext cx="2089871" cy="783590"/>
+              <a:off x="-671580" y="-504665"/>
+              <a:ext cx="2089871" cy="1568450"/>
             </a:xfrm>
             <a:prstGeom prst="rect">
               <a:avLst/>
@@ -25250,14 +26732,14 @@
             </a:lstStyle>
             <a:p>
               <a:r>
-                <a:rPr sz="1000" b="1" dirty="0">
+                <a:rPr sz="1600" b="1" dirty="0">
                   <a:latin typeface="仿宋" panose="02010609060101010101" charset="-122"/>
                   <a:ea typeface="仿宋" panose="02010609060101010101" charset="-122"/>
                   <a:sym typeface="HarmonyOS Sans SC Light" panose="00000400000000000000" pitchFamily="2" charset="-122"/>
                 </a:rPr>
                 <a:t>需求分析，规划项目进度，撰写文档（需求规约、数据库设计、系统架构）</a:t>
               </a:r>
-              <a:endParaRPr sz="1000" b="1" dirty="0">
+              <a:endParaRPr sz="1600" b="1" dirty="0">
                 <a:latin typeface="仿宋" panose="02010609060101010101" charset="-122"/>
                 <a:ea typeface="仿宋" panose="02010609060101010101" charset="-122"/>
                 <a:sym typeface="HarmonyOS Sans SC Light" panose="00000400000000000000" pitchFamily="2" charset="-122"/>
@@ -25359,7 +26841,7 @@
           <p:spPr>
             <a:xfrm>
               <a:off x="249805" y="340520"/>
-              <a:ext cx="2089871" cy="321945"/>
+              <a:ext cx="2089871" cy="460375"/>
             </a:xfrm>
             <a:prstGeom prst="rect">
               <a:avLst/>
@@ -25393,7 +26875,7 @@
             </a:lstStyle>
             <a:p>
               <a:r>
-                <a:rPr lang="zh-CN" sz="1000" b="1" dirty="0">
+                <a:rPr lang="zh-CN" sz="1600" b="1" dirty="0">
                   <a:latin typeface="仿宋" panose="02010609060101010101" charset="-122"/>
                   <a:ea typeface="仿宋" panose="02010609060101010101" charset="-122"/>
                   <a:cs typeface="仿宋" panose="02010609060101010101" charset="-122"/>
@@ -25402,7 +26884,7 @@
                 <a:t>前端代码</a:t>
               </a:r>
               <a:r>
-                <a:rPr lang="en-US" altLang="zh-CN" sz="1000" b="1" dirty="0">
+                <a:rPr lang="en-US" altLang="zh-CN" sz="1600" b="1" dirty="0">
                   <a:latin typeface="仿宋" panose="02010609060101010101" charset="-122"/>
                   <a:ea typeface="仿宋" panose="02010609060101010101" charset="-122"/>
                   <a:cs typeface="仿宋" panose="02010609060101010101" charset="-122"/>
@@ -25410,7 +26892,7 @@
                 </a:rPr>
                 <a:t>2</a:t>
               </a:r>
-              <a:endParaRPr lang="en-US" altLang="zh-CN" sz="1000" b="1" dirty="0">
+              <a:endParaRPr lang="en-US" altLang="zh-CN" sz="1600" b="1" dirty="0">
                 <a:latin typeface="仿宋" panose="02010609060101010101" charset="-122"/>
                 <a:ea typeface="仿宋" panose="02010609060101010101" charset="-122"/>
                 <a:cs typeface="仿宋" panose="02010609060101010101" charset="-122"/>
@@ -25495,9 +26977,9 @@
         <p:grpSpPr>
           <a:xfrm>
             <a:off x="2906528" y="3254242"/>
-            <a:ext cx="2089871" cy="1233472"/>
+            <a:ext cx="2089871" cy="1371902"/>
             <a:chOff x="-900815" y="1667368"/>
-            <a:chExt cx="2089871" cy="1233472"/>
+            <a:chExt cx="2089871" cy="1371902"/>
           </a:xfrm>
         </p:grpSpPr>
         <p:sp>
@@ -25513,7 +26995,7 @@
           <p:spPr>
             <a:xfrm>
               <a:off x="-900815" y="2578895"/>
-              <a:ext cx="2089871" cy="321945"/>
+              <a:ext cx="2089871" cy="460375"/>
             </a:xfrm>
             <a:prstGeom prst="rect">
               <a:avLst/>
@@ -25547,7 +27029,7 @@
             </a:lstStyle>
             <a:p>
               <a:r>
-                <a:rPr lang="zh-CN" sz="1000" b="1" dirty="0">
+                <a:rPr lang="zh-CN" sz="1600" b="1" dirty="0">
                   <a:latin typeface="仿宋" panose="02010609060101010101" charset="-122"/>
                   <a:ea typeface="仿宋" panose="02010609060101010101" charset="-122"/>
                   <a:cs typeface="仿宋" panose="02010609060101010101" charset="-122"/>
@@ -25556,7 +27038,7 @@
                 <a:t>前端代码</a:t>
               </a:r>
               <a:r>
-                <a:rPr lang="en-US" altLang="zh-CN" sz="1000" b="1" dirty="0">
+                <a:rPr lang="en-US" altLang="zh-CN" sz="1600" b="1" dirty="0">
                   <a:latin typeface="仿宋" panose="02010609060101010101" charset="-122"/>
                   <a:ea typeface="仿宋" panose="02010609060101010101" charset="-122"/>
                   <a:cs typeface="仿宋" panose="02010609060101010101" charset="-122"/>
@@ -25564,7 +27046,7 @@
                 </a:rPr>
                 <a:t>1</a:t>
               </a:r>
-              <a:endParaRPr lang="en-US" altLang="zh-CN" sz="1000" b="1" dirty="0">
+              <a:endParaRPr lang="en-US" altLang="zh-CN" sz="1600" b="1" dirty="0">
                 <a:latin typeface="仿宋" panose="02010609060101010101" charset="-122"/>
                 <a:ea typeface="仿宋" panose="02010609060101010101" charset="-122"/>
                 <a:cs typeface="仿宋" panose="02010609060101010101" charset="-122"/>
@@ -25649,9 +27131,9 @@
         <p:grpSpPr>
           <a:xfrm>
             <a:off x="7225868" y="3254877"/>
-            <a:ext cx="2089871" cy="1223312"/>
+            <a:ext cx="2089871" cy="1361742"/>
             <a:chOff x="99945" y="1668003"/>
-            <a:chExt cx="2089871" cy="1223312"/>
+            <a:chExt cx="2089871" cy="1361742"/>
           </a:xfrm>
         </p:grpSpPr>
         <p:sp>
@@ -25667,7 +27149,7 @@
           <p:spPr>
             <a:xfrm>
               <a:off x="99945" y="2569370"/>
-              <a:ext cx="2089871" cy="321945"/>
+              <a:ext cx="2089871" cy="460375"/>
             </a:xfrm>
             <a:prstGeom prst="rect">
               <a:avLst/>
@@ -25701,7 +27183,7 @@
             </a:lstStyle>
             <a:p>
               <a:r>
-                <a:rPr lang="zh-CN" sz="1000" b="1" dirty="0">
+                <a:rPr lang="zh-CN" sz="1600" b="1" dirty="0">
                   <a:latin typeface="仿宋" panose="02010609060101010101" charset="-122"/>
                   <a:ea typeface="仿宋" panose="02010609060101010101" charset="-122"/>
                   <a:cs typeface="仿宋" panose="02010609060101010101" charset="-122"/>
@@ -25710,21 +27192,18 @@
                 <a:t>后端代码</a:t>
               </a:r>
               <a:r>
-                <a:rPr lang="en-US" altLang="zh-CN" sz="1000" b="1" dirty="0">
+                <a:rPr lang="en-US" altLang="zh-CN" sz="1600" b="1" dirty="0">
                   <a:latin typeface="仿宋" panose="02010609060101010101" charset="-122"/>
                   <a:ea typeface="仿宋" panose="02010609060101010101" charset="-122"/>
                   <a:cs typeface="仿宋" panose="02010609060101010101" charset="-122"/>
                   <a:sym typeface="HarmonyOS Sans SC Light" panose="00000400000000000000" pitchFamily="2" charset="-122"/>
                 </a:rPr>
-                <a:t>.</a:t>
+                <a:t>..</a:t>
               </a:r>
-              <a:r>
-                <a:rPr lang="en-US" altLang="zh-CN" sz="1000" dirty="0">
-                  <a:sym typeface="HarmonyOS Sans SC Light" panose="00000400000000000000" pitchFamily="2" charset="-122"/>
-                </a:rPr>
-                <a:t>.</a:t>
-              </a:r>
-              <a:endParaRPr lang="en-US" altLang="zh-CN" sz="1000" dirty="0">
+              <a:endParaRPr lang="en-US" altLang="zh-CN" sz="1600" b="1" dirty="0">
+                <a:latin typeface="仿宋" panose="02010609060101010101" charset="-122"/>
+                <a:ea typeface="仿宋" panose="02010609060101010101" charset="-122"/>
+                <a:cs typeface="仿宋" panose="02010609060101010101" charset="-122"/>
                 <a:sym typeface="HarmonyOS Sans SC Light" panose="00000400000000000000" pitchFamily="2" charset="-122"/>
               </a:endParaRPr>
             </a:p>
@@ -25742,7 +27221,7 @@
           </p:nvSpPr>
           <p:spPr>
             <a:xfrm>
-              <a:off x="508870" y="1668003"/>
+              <a:off x="364090" y="1668003"/>
               <a:ext cx="1680946" cy="337185"/>
             </a:xfrm>
             <a:prstGeom prst="rect">
@@ -25925,7 +27404,7 @@
         <p:spPr>
           <a:xfrm>
             <a:off x="9315278" y="2044869"/>
-            <a:ext cx="2089871" cy="553085"/>
+            <a:ext cx="2089871" cy="829945"/>
           </a:xfrm>
           <a:prstGeom prst="rect">
             <a:avLst/>
@@ -25959,14 +27438,14 @@
           </a:lstStyle>
           <a:p>
             <a:r>
-              <a:rPr sz="1000" b="1" dirty="0">
+              <a:rPr sz="1600" b="1" dirty="0">
                 <a:latin typeface="仿宋" panose="02010609060101010101" charset="-122"/>
                 <a:ea typeface="仿宋" panose="02010609060101010101" charset="-122"/>
                 <a:sym typeface="HarmonyOS Sans SC Light" panose="00000400000000000000" pitchFamily="2" charset="-122"/>
               </a:rPr>
               <a:t>编写测试用例，单元测试，集成测试</a:t>
             </a:r>
-            <a:endParaRPr sz="1000" b="1" dirty="0">
+            <a:endParaRPr sz="1600" b="1" dirty="0">
               <a:latin typeface="仿宋" panose="02010609060101010101" charset="-122"/>
               <a:ea typeface="仿宋" panose="02010609060101010101" charset="-122"/>
               <a:sym typeface="HarmonyOS Sans SC Light" panose="00000400000000000000" pitchFamily="2" charset="-122"/>
@@ -25997,7 +27476,7 @@
 </p:sld>
 </file>
 
-<file path=ppt/slides/slide6.xml><?xml version="1.0" encoding="utf-8"?>
+<file path=ppt/slides/slide7.xml><?xml version="1.0" encoding="utf-8"?>
 <p:sld xmlns:a="http://schemas.openxmlformats.org/drawingml/2006/main" xmlns:r="http://schemas.openxmlformats.org/officeDocument/2006/relationships" xmlns:p="http://schemas.openxmlformats.org/presentationml/2006/main">
   <p:cSld>
     <p:spTree>
@@ -27463,224 +28942,6 @@
       </p:sp>
       <p:grpSp>
         <p:nvGrpSpPr>
-          <p:cNvPr id="83" name="组合 82"/>
-          <p:cNvGrpSpPr/>
-          <p:nvPr/>
-        </p:nvGrpSpPr>
-        <p:grpSpPr>
-          <a:xfrm rot="5400000">
-            <a:off x="5818547" y="5098919"/>
-            <a:ext cx="554907" cy="221436"/>
-            <a:chOff x="7912113" y="5089645"/>
-            <a:chExt cx="907031" cy="361951"/>
-          </a:xfrm>
-        </p:grpSpPr>
-        <p:cxnSp>
-          <p:nvCxnSpPr>
-            <p:cNvPr id="84" name="直接连接符 83"/>
-            <p:cNvCxnSpPr/>
-            <p:nvPr/>
-          </p:nvCxnSpPr>
-          <p:spPr>
-            <a:xfrm rot="16200000">
-              <a:off x="8360416" y="4825439"/>
-              <a:ext cx="0" cy="896606"/>
-            </a:xfrm>
-            <a:prstGeom prst="line">
-              <a:avLst/>
-            </a:prstGeom>
-            <a:ln w="25400">
-              <a:solidFill>
-                <a:srgbClr val="D8B2A7"/>
-              </a:solidFill>
-            </a:ln>
-          </p:spPr>
-          <p:style>
-            <a:lnRef idx="1">
-              <a:schemeClr val="accent1"/>
-            </a:lnRef>
-            <a:fillRef idx="0">
-              <a:schemeClr val="accent1"/>
-            </a:fillRef>
-            <a:effectRef idx="0">
-              <a:schemeClr val="accent1"/>
-            </a:effectRef>
-            <a:fontRef idx="minor">
-              <a:schemeClr val="tx1"/>
-            </a:fontRef>
-          </p:style>
-        </p:cxnSp>
-        <p:sp>
-          <p:nvSpPr>
-            <p:cNvPr id="85" name="任意多边形: 形状 84"/>
-            <p:cNvSpPr/>
-            <p:nvPr/>
-          </p:nvSpPr>
-          <p:spPr>
-            <a:xfrm>
-              <a:off x="8519106" y="5089645"/>
-              <a:ext cx="300038" cy="180975"/>
-            </a:xfrm>
-            <a:custGeom>
-              <a:avLst/>
-              <a:gdLst>
-                <a:gd name="connsiteX0" fmla="*/ 0 w 300038"/>
-                <a:gd name="connsiteY0" fmla="*/ 0 h 180975"/>
-                <a:gd name="connsiteX1" fmla="*/ 123825 w 300038"/>
-                <a:gd name="connsiteY1" fmla="*/ 109538 h 180975"/>
-                <a:gd name="connsiteX2" fmla="*/ 300038 w 300038"/>
-                <a:gd name="connsiteY2" fmla="*/ 180975 h 180975"/>
-              </a:gdLst>
-              <a:ahLst/>
-              <a:cxnLst>
-                <a:cxn ang="0">
-                  <a:pos x="connsiteX0" y="connsiteY0"/>
-                </a:cxn>
-                <a:cxn ang="0">
-                  <a:pos x="connsiteX1" y="connsiteY1"/>
-                </a:cxn>
-                <a:cxn ang="0">
-                  <a:pos x="connsiteX2" y="connsiteY2"/>
-                </a:cxn>
-              </a:cxnLst>
-              <a:rect l="l" t="t" r="r" b="b"/>
-              <a:pathLst>
-                <a:path w="300038" h="180975">
-                  <a:moveTo>
-                    <a:pt x="0" y="0"/>
-                  </a:moveTo>
-                  <a:cubicBezTo>
-                    <a:pt x="36909" y="39688"/>
-                    <a:pt x="73819" y="79376"/>
-                    <a:pt x="123825" y="109538"/>
-                  </a:cubicBezTo>
-                  <a:cubicBezTo>
-                    <a:pt x="173831" y="139700"/>
-                    <a:pt x="236934" y="160337"/>
-                    <a:pt x="300038" y="180975"/>
-                  </a:cubicBezTo>
-                </a:path>
-              </a:pathLst>
-            </a:custGeom>
-            <a:noFill/>
-            <a:ln w="25400">
-              <a:solidFill>
-                <a:srgbClr val="D8B2A7"/>
-              </a:solidFill>
-            </a:ln>
-          </p:spPr>
-          <p:style>
-            <a:lnRef idx="2">
-              <a:schemeClr val="accent1">
-                <a:shade val="15000"/>
-              </a:schemeClr>
-            </a:lnRef>
-            <a:fillRef idx="1">
-              <a:schemeClr val="accent1"/>
-            </a:fillRef>
-            <a:effectRef idx="0">
-              <a:schemeClr val="accent1"/>
-            </a:effectRef>
-            <a:fontRef idx="minor">
-              <a:schemeClr val="lt1"/>
-            </a:fontRef>
-          </p:style>
-          <p:txBody>
-            <a:bodyPr rtlCol="0" anchor="ctr"/>
-            <a:lstStyle/>
-            <a:p>
-              <a:pPr algn="ctr"/>
-              <a:endParaRPr lang="zh-CN" altLang="en-US"/>
-            </a:p>
-          </p:txBody>
-        </p:sp>
-        <p:sp>
-          <p:nvSpPr>
-            <p:cNvPr id="86" name="任意多边形: 形状 85"/>
-            <p:cNvSpPr/>
-            <p:nvPr/>
-          </p:nvSpPr>
-          <p:spPr>
-            <a:xfrm flipV="1">
-              <a:off x="8519106" y="5270620"/>
-              <a:ext cx="300038" cy="180976"/>
-            </a:xfrm>
-            <a:custGeom>
-              <a:avLst/>
-              <a:gdLst>
-                <a:gd name="connsiteX0" fmla="*/ 0 w 300038"/>
-                <a:gd name="connsiteY0" fmla="*/ 0 h 180975"/>
-                <a:gd name="connsiteX1" fmla="*/ 123825 w 300038"/>
-                <a:gd name="connsiteY1" fmla="*/ 109538 h 180975"/>
-                <a:gd name="connsiteX2" fmla="*/ 300038 w 300038"/>
-                <a:gd name="connsiteY2" fmla="*/ 180975 h 180975"/>
-              </a:gdLst>
-              <a:ahLst/>
-              <a:cxnLst>
-                <a:cxn ang="0">
-                  <a:pos x="connsiteX0" y="connsiteY0"/>
-                </a:cxn>
-                <a:cxn ang="0">
-                  <a:pos x="connsiteX1" y="connsiteY1"/>
-                </a:cxn>
-                <a:cxn ang="0">
-                  <a:pos x="connsiteX2" y="connsiteY2"/>
-                </a:cxn>
-              </a:cxnLst>
-              <a:rect l="l" t="t" r="r" b="b"/>
-              <a:pathLst>
-                <a:path w="300038" h="180975">
-                  <a:moveTo>
-                    <a:pt x="0" y="0"/>
-                  </a:moveTo>
-                  <a:cubicBezTo>
-                    <a:pt x="36909" y="39688"/>
-                    <a:pt x="73819" y="79376"/>
-                    <a:pt x="123825" y="109538"/>
-                  </a:cubicBezTo>
-                  <a:cubicBezTo>
-                    <a:pt x="173831" y="139700"/>
-                    <a:pt x="236934" y="160337"/>
-                    <a:pt x="300038" y="180975"/>
-                  </a:cubicBezTo>
-                </a:path>
-              </a:pathLst>
-            </a:custGeom>
-            <a:noFill/>
-            <a:ln w="25400">
-              <a:solidFill>
-                <a:srgbClr val="D8B2A7"/>
-              </a:solidFill>
-            </a:ln>
-          </p:spPr>
-          <p:style>
-            <a:lnRef idx="2">
-              <a:schemeClr val="accent1">
-                <a:shade val="15000"/>
-              </a:schemeClr>
-            </a:lnRef>
-            <a:fillRef idx="1">
-              <a:schemeClr val="accent1"/>
-            </a:fillRef>
-            <a:effectRef idx="0">
-              <a:schemeClr val="accent1"/>
-            </a:effectRef>
-            <a:fontRef idx="minor">
-              <a:schemeClr val="lt1"/>
-            </a:fontRef>
-          </p:style>
-          <p:txBody>
-            <a:bodyPr rtlCol="0" anchor="ctr"/>
-            <a:lstStyle/>
-            <a:p>
-              <a:pPr algn="ctr"/>
-              <a:endParaRPr lang="zh-CN" altLang="en-US"/>
-            </a:p>
-          </p:txBody>
-        </p:sp>
-      </p:grpSp>
-      <p:grpSp>
-        <p:nvGrpSpPr>
           <p:cNvPr id="94" name="组合 93"/>
           <p:cNvGrpSpPr/>
           <p:nvPr/>
@@ -27944,8 +29205,8 @@
         </p:nvSpPr>
         <p:spPr>
           <a:xfrm>
-            <a:off x="5471346" y="2701923"/>
-            <a:ext cx="4906369" cy="1753235"/>
+            <a:off x="5471346" y="2689223"/>
+            <a:ext cx="4906369" cy="2676525"/>
           </a:xfrm>
           <a:prstGeom prst="rect">
             <a:avLst/>
@@ -27964,23 +29225,29 @@
               </a:lnSpc>
             </a:pPr>
             <a:r>
-              <a:rPr lang="zh-CN" altLang="en-US" sz="1200" b="1" dirty="0">
+              <a:rPr lang="zh-CN" altLang="en-US" sz="1600" b="1" dirty="0">
                 <a:solidFill>
                   <a:schemeClr val="tx1">
                     <a:lumMod val="50000"/>
                     <a:lumOff val="50000"/>
                   </a:schemeClr>
                 </a:solidFill>
+                <a:latin typeface="仿宋" panose="02010609060101010101" charset="-122"/>
+                <a:ea typeface="仿宋" panose="02010609060101010101" charset="-122"/>
+                <a:cs typeface="仿宋" panose="02010609060101010101" charset="-122"/>
               </a:rPr>
               <a:t>web框架：SpringBoot3.X</a:t>
             </a:r>
-            <a:endParaRPr lang="zh-CN" altLang="en-US" sz="1200" b="1" dirty="0">
+            <a:endParaRPr lang="zh-CN" altLang="en-US" sz="1600" b="1" dirty="0">
               <a:solidFill>
                 <a:schemeClr val="tx1">
                   <a:lumMod val="50000"/>
                   <a:lumOff val="50000"/>
                 </a:schemeClr>
               </a:solidFill>
+              <a:latin typeface="仿宋" panose="02010609060101010101" charset="-122"/>
+              <a:ea typeface="仿宋" panose="02010609060101010101" charset="-122"/>
+              <a:cs typeface="仿宋" panose="02010609060101010101" charset="-122"/>
             </a:endParaRPr>
           </a:p>
           <a:p>
@@ -27990,23 +29257,29 @@
               </a:lnSpc>
             </a:pPr>
             <a:r>
-              <a:rPr lang="zh-CN" altLang="en-US" sz="1200" b="1" dirty="0">
+              <a:rPr lang="zh-CN" altLang="en-US" sz="1600" b="1" dirty="0">
                 <a:solidFill>
                   <a:schemeClr val="tx1">
                     <a:lumMod val="50000"/>
                     <a:lumOff val="50000"/>
                   </a:schemeClr>
                 </a:solidFill>
+                <a:latin typeface="仿宋" panose="02010609060101010101" charset="-122"/>
+                <a:ea typeface="仿宋" panose="02010609060101010101" charset="-122"/>
+                <a:cs typeface="仿宋" panose="02010609060101010101" charset="-122"/>
               </a:rPr>
               <a:t>数据库框架：Sping Data JPA</a:t>
             </a:r>
-            <a:endParaRPr lang="zh-CN" altLang="en-US" sz="1200" b="1" dirty="0">
+            <a:endParaRPr lang="zh-CN" altLang="en-US" sz="1600" b="1" dirty="0">
               <a:solidFill>
                 <a:schemeClr val="tx1">
                   <a:lumMod val="50000"/>
                   <a:lumOff val="50000"/>
                 </a:schemeClr>
               </a:solidFill>
+              <a:latin typeface="仿宋" panose="02010609060101010101" charset="-122"/>
+              <a:ea typeface="仿宋" panose="02010609060101010101" charset="-122"/>
+              <a:cs typeface="仿宋" panose="02010609060101010101" charset="-122"/>
             </a:endParaRPr>
           </a:p>
           <a:p>
@@ -28016,23 +29289,29 @@
               </a:lnSpc>
             </a:pPr>
             <a:r>
-              <a:rPr lang="zh-CN" altLang="en-US" sz="1200" b="1" dirty="0">
+              <a:rPr lang="zh-CN" altLang="en-US" sz="1600" b="1" dirty="0">
                 <a:solidFill>
                   <a:schemeClr val="tx1">
                     <a:lumMod val="50000"/>
                     <a:lumOff val="50000"/>
                   </a:schemeClr>
                 </a:solidFill>
+                <a:latin typeface="仿宋" panose="02010609060101010101" charset="-122"/>
+                <a:ea typeface="仿宋" panose="02010609060101010101" charset="-122"/>
+                <a:cs typeface="仿宋" panose="02010609060101010101" charset="-122"/>
               </a:rPr>
               <a:t>数据库：MySql</a:t>
             </a:r>
-            <a:endParaRPr lang="zh-CN" altLang="en-US" sz="1200" b="1" dirty="0">
+            <a:endParaRPr lang="zh-CN" altLang="en-US" sz="1600" b="1" dirty="0">
               <a:solidFill>
                 <a:schemeClr val="tx1">
                   <a:lumMod val="50000"/>
                   <a:lumOff val="50000"/>
                 </a:schemeClr>
               </a:solidFill>
+              <a:latin typeface="仿宋" panose="02010609060101010101" charset="-122"/>
+              <a:ea typeface="仿宋" panose="02010609060101010101" charset="-122"/>
+              <a:cs typeface="仿宋" panose="02010609060101010101" charset="-122"/>
             </a:endParaRPr>
           </a:p>
           <a:p>
@@ -28042,23 +29321,29 @@
               </a:lnSpc>
             </a:pPr>
             <a:r>
-              <a:rPr lang="zh-CN" altLang="en-US" sz="1200" b="1" dirty="0">
+              <a:rPr lang="zh-CN" altLang="en-US" sz="1600" b="1" dirty="0">
                 <a:solidFill>
                   <a:schemeClr val="tx1">
                     <a:lumMod val="50000"/>
                     <a:lumOff val="50000"/>
                   </a:schemeClr>
                 </a:solidFill>
+                <a:latin typeface="仿宋" panose="02010609060101010101" charset="-122"/>
+                <a:ea typeface="仿宋" panose="02010609060101010101" charset="-122"/>
+                <a:cs typeface="仿宋" panose="02010609060101010101" charset="-122"/>
               </a:rPr>
               <a:t>项目构建工具：Maven、vite</a:t>
             </a:r>
-            <a:endParaRPr lang="zh-CN" altLang="en-US" sz="1200" b="1" dirty="0">
+            <a:endParaRPr lang="zh-CN" altLang="en-US" sz="1600" b="1" dirty="0">
               <a:solidFill>
                 <a:schemeClr val="tx1">
                   <a:lumMod val="50000"/>
                   <a:lumOff val="50000"/>
                 </a:schemeClr>
               </a:solidFill>
+              <a:latin typeface="仿宋" panose="02010609060101010101" charset="-122"/>
+              <a:ea typeface="仿宋" panose="02010609060101010101" charset="-122"/>
+              <a:cs typeface="仿宋" panose="02010609060101010101" charset="-122"/>
             </a:endParaRPr>
           </a:p>
           <a:p>
@@ -28068,23 +29353,29 @@
               </a:lnSpc>
             </a:pPr>
             <a:r>
-              <a:rPr lang="zh-CN" altLang="en-US" sz="1200" b="1" dirty="0">
+              <a:rPr lang="zh-CN" altLang="en-US" sz="1600" b="1" dirty="0">
                 <a:solidFill>
                   <a:schemeClr val="tx1">
                     <a:lumMod val="50000"/>
                     <a:lumOff val="50000"/>
                   </a:schemeClr>
                 </a:solidFill>
+                <a:latin typeface="仿宋" panose="02010609060101010101" charset="-122"/>
+                <a:ea typeface="仿宋" panose="02010609060101010101" charset="-122"/>
+                <a:cs typeface="仿宋" panose="02010609060101010101" charset="-122"/>
               </a:rPr>
               <a:t>前端框架：Vue3.X、element plus、pina、axios、Vue Router</a:t>
             </a:r>
-            <a:endParaRPr lang="zh-CN" altLang="en-US" sz="1200" b="1" dirty="0">
+            <a:endParaRPr lang="zh-CN" altLang="en-US" sz="1600" b="1" dirty="0">
               <a:solidFill>
                 <a:schemeClr val="tx1">
                   <a:lumMod val="50000"/>
                   <a:lumOff val="50000"/>
                 </a:schemeClr>
               </a:solidFill>
+              <a:latin typeface="仿宋" panose="02010609060101010101" charset="-122"/>
+              <a:ea typeface="仿宋" panose="02010609060101010101" charset="-122"/>
+              <a:cs typeface="仿宋" panose="02010609060101010101" charset="-122"/>
             </a:endParaRPr>
           </a:p>
           <a:p>
@@ -28094,23 +29385,29 @@
               </a:lnSpc>
             </a:pPr>
             <a:r>
-              <a:rPr lang="zh-CN" altLang="en-US" sz="1200" b="1" dirty="0">
+              <a:rPr lang="zh-CN" altLang="en-US" sz="1600" b="1" dirty="0">
                 <a:solidFill>
                   <a:schemeClr val="tx1">
                     <a:lumMod val="50000"/>
                     <a:lumOff val="50000"/>
                   </a:schemeClr>
                 </a:solidFill>
+                <a:latin typeface="仿宋" panose="02010609060101010101" charset="-122"/>
+                <a:ea typeface="仿宋" panose="02010609060101010101" charset="-122"/>
+                <a:cs typeface="仿宋" panose="02010609060101010101" charset="-122"/>
               </a:rPr>
               <a:t>数据图表：ECharts</a:t>
             </a:r>
-            <a:endParaRPr lang="zh-CN" altLang="en-US" sz="1200" b="1" dirty="0">
+            <a:endParaRPr lang="zh-CN" altLang="en-US" sz="1600" b="1" dirty="0">
               <a:solidFill>
                 <a:schemeClr val="tx1">
                   <a:lumMod val="50000"/>
                   <a:lumOff val="50000"/>
                 </a:schemeClr>
               </a:solidFill>
+              <a:latin typeface="仿宋" panose="02010609060101010101" charset="-122"/>
+              <a:ea typeface="仿宋" panose="02010609060101010101" charset="-122"/>
+              <a:cs typeface="仿宋" panose="02010609060101010101" charset="-122"/>
             </a:endParaRPr>
           </a:p>
         </p:txBody>
@@ -28138,7 +29435,7 @@
 </p:sld>
 </file>
 
-<file path=ppt/slides/slide7.xml><?xml version="1.0" encoding="utf-8"?>
+<file path=ppt/slides/slide8.xml><?xml version="1.0" encoding="utf-8"?>
 <p:sld xmlns:a="http://schemas.openxmlformats.org/drawingml/2006/main" xmlns:r="http://schemas.openxmlformats.org/officeDocument/2006/relationships" xmlns:p="http://schemas.openxmlformats.org/presentationml/2006/main">
   <p:cSld>
     <p:spTree>
@@ -30138,7 +31435,7 @@
 </p:sld>
 </file>
 
-<file path=ppt/slides/slide8.xml><?xml version="1.0" encoding="utf-8"?>
+<file path=ppt/slides/slide9.xml><?xml version="1.0" encoding="utf-8"?>
 <p:sld xmlns:a="http://schemas.openxmlformats.org/drawingml/2006/main" xmlns:r="http://schemas.openxmlformats.org/officeDocument/2006/relationships" xmlns:p="http://schemas.openxmlformats.org/presentationml/2006/main">
   <p:cSld>
     <p:bg>
@@ -30317,284 +31614,6 @@
 </p:sld>
 </file>
 
-<file path=ppt/slides/slide9.xml><?xml version="1.0" encoding="utf-8"?>
-<p:sld xmlns:a="http://schemas.openxmlformats.org/drawingml/2006/main" xmlns:r="http://schemas.openxmlformats.org/officeDocument/2006/relationships" xmlns:p="http://schemas.openxmlformats.org/presentationml/2006/main">
-  <p:cSld>
-    <p:bg>
-      <p:bgPr>
-        <a:noFill/>
-        <a:effectLst/>
-      </p:bgPr>
-    </p:bg>
-    <p:spTree>
-      <p:nvGrpSpPr>
-        <p:cNvPr id="1" name=""/>
-        <p:cNvGrpSpPr/>
-        <p:nvPr/>
-      </p:nvGrpSpPr>
-      <p:grpSpPr>
-        <a:xfrm>
-          <a:off x="0" y="0"/>
-          <a:ext cx="0" cy="0"/>
-          <a:chOff x="0" y="0"/>
-          <a:chExt cx="0" cy="0"/>
-        </a:xfrm>
-      </p:grpSpPr>
-      <p:sp>
-        <p:nvSpPr>
-          <p:cNvPr id="19" name="文本框 18"/>
-          <p:cNvSpPr txBox="1"/>
-          <p:nvPr/>
-        </p:nvSpPr>
-        <p:spPr>
-          <a:xfrm>
-            <a:off x="1259297" y="220238"/>
-            <a:ext cx="640080" cy="645160"/>
-          </a:xfrm>
-          <a:prstGeom prst="rect">
-            <a:avLst/>
-          </a:prstGeom>
-          <a:noFill/>
-        </p:spPr>
-        <p:txBody>
-          <a:bodyPr wrap="none" rtlCol="0">
-            <a:spAutoFit/>
-          </a:bodyPr>
-          <a:lstStyle/>
-          <a:p>
-            <a:r>
-              <a:rPr lang="en-US" altLang="zh-CN" sz="3600" dirty="0">
-                <a:ln>
-                  <a:gradFill>
-                    <a:gsLst>
-                      <a:gs pos="21000">
-                        <a:srgbClr val="48587C"/>
-                      </a:gs>
-                      <a:gs pos="71000">
-                        <a:srgbClr val="48587C">
-                          <a:alpha val="0"/>
-                        </a:srgbClr>
-                      </a:gs>
-                    </a:gsLst>
-                    <a:lin ang="5400000" scaled="1"/>
-                  </a:gradFill>
-                </a:ln>
-                <a:noFill/>
-                <a:latin typeface="MiSans Heavy" panose="00000A00000000000000" pitchFamily="2" charset="-122"/>
-                <a:ea typeface="MiSans Heavy" panose="00000A00000000000000" pitchFamily="2" charset="-122"/>
-              </a:rPr>
-              <a:t>04</a:t>
-            </a:r>
-            <a:endParaRPr lang="zh-CN" altLang="en-US" sz="3600" dirty="0">
-              <a:ln>
-                <a:gradFill>
-                  <a:gsLst>
-                    <a:gs pos="21000">
-                      <a:srgbClr val="48587C"/>
-                    </a:gs>
-                    <a:gs pos="71000">
-                      <a:srgbClr val="48587C">
-                        <a:alpha val="0"/>
-                      </a:srgbClr>
-                    </a:gs>
-                  </a:gsLst>
-                  <a:lin ang="5400000" scaled="1"/>
-                </a:gradFill>
-              </a:ln>
-              <a:noFill/>
-              <a:latin typeface="MiSans Heavy" panose="00000A00000000000000" pitchFamily="2" charset="-122"/>
-              <a:ea typeface="MiSans Heavy" panose="00000A00000000000000" pitchFamily="2" charset="-122"/>
-            </a:endParaRPr>
-          </a:p>
-        </p:txBody>
-      </p:sp>
-      <p:sp>
-        <p:nvSpPr>
-          <p:cNvPr id="20" name="文本框 19"/>
-          <p:cNvSpPr txBox="1"/>
-          <p:nvPr/>
-        </p:nvSpPr>
-        <p:spPr>
-          <a:xfrm>
-            <a:off x="2035494" y="269634"/>
-            <a:ext cx="1102360" cy="368300"/>
-          </a:xfrm>
-          <a:prstGeom prst="rect">
-            <a:avLst/>
-          </a:prstGeom>
-          <a:noFill/>
-        </p:spPr>
-        <p:txBody>
-          <a:bodyPr wrap="none" rtlCol="0">
-            <a:spAutoFit/>
-          </a:bodyPr>
-          <a:lstStyle>
-            <a:defPPr>
-              <a:defRPr lang="zh-CN"/>
-            </a:defPPr>
-            <a:lvl1pPr>
-              <a:defRPr b="1">
-                <a:solidFill>
-                  <a:srgbClr val="4F628A"/>
-                </a:solidFill>
-              </a:defRPr>
-            </a:lvl1pPr>
-          </a:lstStyle>
-          <a:p>
-            <a:r>
-              <a:rPr lang="zh-CN" altLang="en-US" dirty="0"/>
-              <a:t>成果展示</a:t>
-            </a:r>
-            <a:endParaRPr lang="zh-CN" altLang="en-US" dirty="0"/>
-          </a:p>
-        </p:txBody>
-      </p:sp>
-      <p:sp>
-        <p:nvSpPr>
-          <p:cNvPr id="100" name="文本框 99"/>
-          <p:cNvSpPr txBox="1"/>
-          <p:nvPr/>
-        </p:nvSpPr>
-        <p:spPr>
-          <a:xfrm>
-            <a:off x="2573020" y="865505"/>
-            <a:ext cx="7846060" cy="542925"/>
-          </a:xfrm>
-          <a:prstGeom prst="rect">
-            <a:avLst/>
-          </a:prstGeom>
-          <a:noFill/>
-          <a:ln w="9525">
-            <a:noFill/>
-          </a:ln>
-        </p:spPr>
-        <p:txBody>
-          <a:bodyPr wrap="square">
-            <a:noAutofit/>
-          </a:bodyPr>
-          <a:p>
-            <a:pPr marL="6350" indent="-6350"/>
-            <a:r>
-              <a:rPr lang="zh-CN" b="0">
-                <a:solidFill>
-                  <a:srgbClr val="000000"/>
-                </a:solidFill>
-                <a:ea typeface="宋体" panose="02010600030101010101" pitchFamily="2" charset="-122"/>
-              </a:rPr>
-              <a:t>如果需要注册用户也可以点击我要注册</a:t>
-            </a:r>
-            <a:endParaRPr lang="zh-CN" altLang="en-US" b="0">
-              <a:solidFill>
-                <a:srgbClr val="000000"/>
-              </a:solidFill>
-              <a:ea typeface="宋体" panose="02010600030101010101" pitchFamily="2" charset="-122"/>
-            </a:endParaRPr>
-          </a:p>
-        </p:txBody>
-      </p:sp>
-      <p:pic>
-        <p:nvPicPr>
-          <p:cNvPr id="2" name="图片 1"/>
-          <p:cNvPicPr/>
-          <p:nvPr/>
-        </p:nvPicPr>
-        <p:blipFill>
-          <a:blip r:embed="rId1"/>
-          <a:stretch>
-            <a:fillRect/>
-          </a:stretch>
-        </p:blipFill>
-        <p:spPr>
-          <a:xfrm>
-            <a:off x="2573020" y="1554480"/>
-            <a:ext cx="7297420" cy="3526790"/>
-          </a:xfrm>
-          <a:prstGeom prst="rect">
-            <a:avLst/>
-          </a:prstGeom>
-          <a:noFill/>
-          <a:ln w="9525">
-            <a:noFill/>
-          </a:ln>
-        </p:spPr>
-      </p:pic>
-      <p:sp>
-        <p:nvSpPr>
-          <p:cNvPr id="101" name="文本框 100"/>
-          <p:cNvSpPr txBox="1"/>
-          <p:nvPr/>
-        </p:nvSpPr>
-        <p:spPr>
-          <a:xfrm>
-            <a:off x="2573020" y="4824095"/>
-            <a:ext cx="7846060" cy="1358900"/>
-          </a:xfrm>
-          <a:prstGeom prst="rect">
-            <a:avLst/>
-          </a:prstGeom>
-          <a:noFill/>
-          <a:ln w="9525">
-            <a:noFill/>
-          </a:ln>
-        </p:spPr>
-        <p:txBody>
-          <a:bodyPr wrap="square">
-            <a:noAutofit/>
-          </a:bodyPr>
-          <a:p>
-            <a:pPr marL="6350" indent="-6350"/>
-            <a:r>
-              <a:rPr lang="en-US" b="0">
-                <a:solidFill>
-                  <a:srgbClr val="000000"/>
-                </a:solidFill>
-                <a:latin typeface="宋体" panose="02010600030101010101" pitchFamily="2" charset="-122"/>
-              </a:rPr>
-              <a:t>- </a:t>
-            </a:r>
-            <a:r>
-              <a:rPr lang="zh-CN" b="0">
-                <a:solidFill>
-                  <a:srgbClr val="000000"/>
-                </a:solidFill>
-                <a:ea typeface="宋体" panose="02010600030101010101" pitchFamily="2" charset="-122"/>
-              </a:rPr>
-              <a:t>-输入姓名性别身份电子邮箱账号密码后即可注册成功</a:t>
-            </a:r>
-            <a:endParaRPr lang="zh-CN" altLang="en-US" b="0">
-              <a:solidFill>
-                <a:srgbClr val="000000"/>
-              </a:solidFill>
-              <a:ea typeface="宋体" panose="02010600030101010101" pitchFamily="2" charset="-122"/>
-            </a:endParaRPr>
-          </a:p>
-        </p:txBody>
-      </p:sp>
-    </p:spTree>
-    <p:custDataLst>
-      <p:tags r:id="rId2"/>
-    </p:custDataLst>
-  </p:cSld>
-  <p:clrMapOvr>
-    <a:masterClrMapping/>
-  </p:clrMapOvr>
-  <mc:AlternateContent xmlns:mc="http://schemas.openxmlformats.org/markup-compatibility/2006">
-    <mc:Choice xmlns:p14="http://schemas.microsoft.com/office/powerpoint/2010/main" Requires="p14">
-      <p:transition spd="slow" p14:dur="900">
-        <p14:warp dir="in"/>
-      </p:transition>
-    </mc:Choice>
-    <mc:Fallback>
-      <p:transition spd="slow">
-        <p:fade/>
-      </p:transition>
-    </mc:Fallback>
-  </mc:AlternateContent>
-</p:sld>
-</file>
-
 <file path=ppt/tags/tag1.xml><?xml version="1.0" encoding="utf-8"?>
 <p:tagLst xmlns:p="http://schemas.openxmlformats.org/presentationml/2006/main">
   <p:tag name="ISLIDE.ICON" val="#157818;#35668;#170281;"/>
@@ -30699,7 +31718,7 @@
 
 <file path=ppt/tags/tag25.xml><?xml version="1.0" encoding="utf-8"?>
 <p:tagLst xmlns:p="http://schemas.openxmlformats.org/presentationml/2006/main">
-  <p:tag name="KSO_WM_DIAGRAM_VIRTUALLY_FRAME" val="{&quot;height&quot;:238.69999999999996,&quot;left&quot;:45.98110236220474,&quot;top&quot;:151.01330708661416,&quot;width&quot;:802.641653543307}"/>
+  <p:tag name="ISLIDE.ICON" val="#157818;#35668;#170281;"/>
 </p:tagLst>
 </file>
 
@@ -30807,25 +31826,25 @@
 
 <file path=ppt/tags/tag41.xml><?xml version="1.0" encoding="utf-8"?>
 <p:tagLst xmlns:p="http://schemas.openxmlformats.org/presentationml/2006/main">
-  <p:tag name="KSO_WM_DIAGRAM_VIRTUALLY_FRAME" val="{&quot;height&quot;:235.60125984251968,&quot;left&quot;:45.98110236220474,&quot;top&quot;:151.76330708661416,&quot;width&quot;:802.641653543307}"/>
+  <p:tag name="KSO_WM_DIAGRAM_VIRTUALLY_FRAME" val="{&quot;height&quot;:238.69999999999996,&quot;left&quot;:45.98110236220474,&quot;top&quot;:151.01330708661416,&quot;width&quot;:802.641653543307}"/>
 </p:tagLst>
 </file>
 
 <file path=ppt/tags/tag42.xml><?xml version="1.0" encoding="utf-8"?>
 <p:tagLst xmlns:p="http://schemas.openxmlformats.org/presentationml/2006/main">
-  <p:tag name="KSO_WM_DIAGRAM_VIRTUALLY_FRAME" val="{&quot;height&quot;:236.35125984251968,&quot;left&quot;:45.98110236220474,&quot;top&quot;:151.01330708661416,&quot;width&quot;:802.641653543307}"/>
+  <p:tag name="KSO_WM_DIAGRAM_VIRTUALLY_FRAME" val="{&quot;height&quot;:235.60125984251968,&quot;left&quot;:45.98110236220474,&quot;top&quot;:151.76330708661416,&quot;width&quot;:802.641653543307}"/>
 </p:tagLst>
 </file>
 
 <file path=ppt/tags/tag43.xml><?xml version="1.0" encoding="utf-8"?>
 <p:tagLst xmlns:p="http://schemas.openxmlformats.org/presentationml/2006/main">
-  <p:tag name="KSO_WM_DIAGRAM_VIRTUALLY_FRAME" val="{&quot;height&quot;:237.10125984251962,&quot;left&quot;:45.98110236220474,&quot;top&quot;:151.01330708661416,&quot;width&quot;:802.641653543307}"/>
+  <p:tag name="KSO_WM_DIAGRAM_VIRTUALLY_FRAME" val="{&quot;height&quot;:236.35125984251968,&quot;left&quot;:45.98110236220474,&quot;top&quot;:151.01330708661416,&quot;width&quot;:802.641653543307}"/>
 </p:tagLst>
 </file>
 
 <file path=ppt/tags/tag44.xml><?xml version="1.0" encoding="utf-8"?>
 <p:tagLst xmlns:p="http://schemas.openxmlformats.org/presentationml/2006/main">
-  <p:tag name="ISLIDE.ICON" val="#157818;#35668;#170281;"/>
+  <p:tag name="KSO_WM_DIAGRAM_VIRTUALLY_FRAME" val="{&quot;height&quot;:237.10125984251962,&quot;left&quot;:45.98110236220474,&quot;top&quot;:151.01330708661416,&quot;width&quot;:802.641653543307}"/>
 </p:tagLst>
 </file>
 
@@ -30878,6 +31897,12 @@
 </file>
 
 <file path=ppt/tags/tag52.xml><?xml version="1.0" encoding="utf-8"?>
+<p:tagLst xmlns:p="http://schemas.openxmlformats.org/presentationml/2006/main">
+  <p:tag name="ISLIDE.ICON" val="#157818;#35668;#170281;"/>
+</p:tagLst>
+</file>
+
+<file path=ppt/tags/tag53.xml><?xml version="1.0" encoding="utf-8"?>
 <p:tagLst xmlns:p="http://schemas.openxmlformats.org/presentationml/2006/main">
   <p:tag name="commondata" val="eyJoZGlkIjoiNWQ3YmFhYWQ4NDA2YmNjMTdkODA3YWI1YTM3MDU4ZGYifQ=="/>
 </p:tagLst>

--- a/文档/学生信息管理系统答辩.pptx
+++ b/文档/学生信息管理系统答辩.pptx
@@ -5,27 +5,27 @@
     <p:sldMasterId id="2147483648" r:id="rId1"/>
   </p:sldMasterIdLst>
   <p:notesMasterIdLst>
-    <p:notesMasterId r:id="rId4"/>
+    <p:notesMasterId r:id="rId15"/>
   </p:notesMasterIdLst>
   <p:sldIdLst>
-    <p:sldId id="297" r:id="rId3"/>
-    <p:sldId id="300" r:id="rId5"/>
-    <p:sldId id="301" r:id="rId6"/>
-    <p:sldId id="11089805" r:id="rId7"/>
-    <p:sldId id="307" r:id="rId8"/>
-    <p:sldId id="306" r:id="rId9"/>
-    <p:sldId id="313" r:id="rId10"/>
-    <p:sldId id="320" r:id="rId11"/>
-    <p:sldId id="11089800" r:id="rId12"/>
-    <p:sldId id="11089801" r:id="rId13"/>
-    <p:sldId id="11089802" r:id="rId14"/>
-    <p:sldId id="11089803" r:id="rId15"/>
-    <p:sldId id="324" r:id="rId16"/>
+    <p:sldId id="297" r:id="rId2"/>
+    <p:sldId id="300" r:id="rId3"/>
+    <p:sldId id="301" r:id="rId4"/>
+    <p:sldId id="11089805" r:id="rId5"/>
+    <p:sldId id="307" r:id="rId6"/>
+    <p:sldId id="306" r:id="rId7"/>
+    <p:sldId id="313" r:id="rId8"/>
+    <p:sldId id="320" r:id="rId9"/>
+    <p:sldId id="11089800" r:id="rId10"/>
+    <p:sldId id="11089801" r:id="rId11"/>
+    <p:sldId id="11089802" r:id="rId12"/>
+    <p:sldId id="11089803" r:id="rId13"/>
+    <p:sldId id="324" r:id="rId14"/>
   </p:sldIdLst>
   <p:sldSz cx="12192000" cy="6858000"/>
   <p:notesSz cx="6858000" cy="9144000"/>
   <p:custDataLst>
-    <p:tags r:id="rId20"/>
+    <p:tags r:id="rId16"/>
   </p:custDataLst>
   <p:defaultTextStyle>
     <a:defPPr>
@@ -243,6 +243,7 @@
           <a:p>
             <a:fld id="{C892413E-DA99-44DD-B5AA-7B895AA0CA16}" type="datetimeFigureOut">
               <a:rPr lang="zh-CN" altLang="en-US" smtClean="0"/>
+              <a:t>2024-03-16</a:t>
             </a:fld>
             <a:endParaRPr lang="zh-CN" altLang="en-US"/>
           </a:p>
@@ -309,7 +310,6 @@
               <a:rPr lang="zh-CN" altLang="en-US"/>
               <a:t>单击此处编辑母版文本样式</a:t>
             </a:r>
-            <a:endParaRPr lang="zh-CN" altLang="en-US"/>
           </a:p>
           <a:p>
             <a:pPr lvl="1"/>
@@ -317,7 +317,6 @@
               <a:rPr lang="zh-CN" altLang="en-US"/>
               <a:t>二级</a:t>
             </a:r>
-            <a:endParaRPr lang="zh-CN" altLang="en-US"/>
           </a:p>
           <a:p>
             <a:pPr lvl="2"/>
@@ -325,7 +324,6 @@
               <a:rPr lang="zh-CN" altLang="en-US"/>
               <a:t>三级</a:t>
             </a:r>
-            <a:endParaRPr lang="zh-CN" altLang="en-US"/>
           </a:p>
           <a:p>
             <a:pPr lvl="3"/>
@@ -333,7 +331,6 @@
               <a:rPr lang="zh-CN" altLang="en-US"/>
               <a:t>四级</a:t>
             </a:r>
-            <a:endParaRPr lang="zh-CN" altLang="en-US"/>
           </a:p>
           <a:p>
             <a:pPr lvl="4"/>
@@ -341,7 +338,6 @@
               <a:rPr lang="zh-CN" altLang="en-US"/>
               <a:t>五级</a:t>
             </a:r>
-            <a:endParaRPr lang="zh-CN" altLang="en-US"/>
           </a:p>
         </p:txBody>
       </p:sp>
@@ -405,6 +401,7 @@
           <a:p>
             <a:fld id="{1600352C-F0B5-42D4-824B-F57CCC22DE70}" type="slidenum">
               <a:rPr lang="zh-CN" altLang="en-US" smtClean="0"/>
+              <a:t>‹#›</a:t>
             </a:fld>
             <a:endParaRPr lang="zh-CN" altLang="en-US"/>
           </a:p>
@@ -840,7 +837,6 @@
               <a:rPr lang="zh-CN" altLang="en-US" dirty="0"/>
               <a:t>模板网，幻灯片演示模板及素材免费下载！</a:t>
             </a:r>
-            <a:endParaRPr lang="zh-CN" altLang="en-US" dirty="0"/>
           </a:p>
           <a:p>
             <a:r>
@@ -1304,7 +1300,6 @@
               <a:rPr lang="zh-CN" altLang="en-US"/>
               <a:t>单击此处编辑母版标题样式</a:t>
             </a:r>
-            <a:endParaRPr lang="zh-CN" altLang="en-US"/>
           </a:p>
         </p:txBody>
       </p:sp>
@@ -1369,7 +1364,6 @@
               <a:rPr lang="zh-CN" altLang="en-US"/>
               <a:t>单击此处编辑母版副标题样式</a:t>
             </a:r>
-            <a:endParaRPr lang="zh-CN" altLang="en-US"/>
           </a:p>
         </p:txBody>
       </p:sp>
@@ -1390,6 +1384,7 @@
           <a:p>
             <a:fld id="{914C14D4-A36E-4EA1-A548-4558891AAAC0}" type="datetimeFigureOut">
               <a:rPr lang="zh-CN" altLang="en-US" smtClean="0"/>
+              <a:t>2024-03-16</a:t>
             </a:fld>
             <a:endParaRPr lang="zh-CN" altLang="en-US"/>
           </a:p>
@@ -1431,6 +1426,7 @@
           <a:p>
             <a:fld id="{398B94F6-887E-407A-AA43-527A825A65E8}" type="slidenum">
               <a:rPr lang="zh-CN" altLang="en-US" smtClean="0"/>
+              <a:t>‹#›</a:t>
             </a:fld>
             <a:endParaRPr lang="zh-CN" altLang="en-US"/>
           </a:p>
@@ -1480,7 +1476,6 @@
               <a:rPr lang="zh-CN" altLang="en-US"/>
               <a:t>单击此处编辑母版标题样式</a:t>
             </a:r>
-            <a:endParaRPr lang="zh-CN" altLang="en-US"/>
           </a:p>
         </p:txBody>
       </p:sp>
@@ -1501,6 +1496,7 @@
           <a:p>
             <a:fld id="{914C14D4-A36E-4EA1-A548-4558891AAAC0}" type="datetimeFigureOut">
               <a:rPr lang="zh-CN" altLang="en-US" smtClean="0"/>
+              <a:t>2024-03-16</a:t>
             </a:fld>
             <a:endParaRPr lang="zh-CN" altLang="en-US"/>
           </a:p>
@@ -1542,6 +1538,7 @@
           <a:p>
             <a:fld id="{398B94F6-887E-407A-AA43-527A825A65E8}" type="slidenum">
               <a:rPr lang="zh-CN" altLang="en-US" smtClean="0"/>
+              <a:t>‹#›</a:t>
             </a:fld>
             <a:endParaRPr lang="zh-CN" altLang="en-US"/>
           </a:p>
@@ -1589,6 +1586,7 @@
           <a:p>
             <a:fld id="{914C14D4-A36E-4EA1-A548-4558891AAAC0}" type="datetimeFigureOut">
               <a:rPr lang="zh-CN" altLang="en-US" smtClean="0"/>
+              <a:t>2024-03-16</a:t>
             </a:fld>
             <a:endParaRPr lang="zh-CN" altLang="en-US"/>
           </a:p>
@@ -1630,6 +1628,7 @@
           <a:p>
             <a:fld id="{398B94F6-887E-407A-AA43-527A825A65E8}" type="slidenum">
               <a:rPr lang="zh-CN" altLang="en-US" smtClean="0"/>
+              <a:t>‹#›</a:t>
             </a:fld>
             <a:endParaRPr lang="zh-CN" altLang="en-US"/>
           </a:p>
@@ -1677,6 +1676,7 @@
           <a:p>
             <a:fld id="{914C14D4-A36E-4EA1-A548-4558891AAAC0}" type="datetimeFigureOut">
               <a:rPr lang="zh-CN" altLang="en-US" smtClean="0"/>
+              <a:t>2024-03-16</a:t>
             </a:fld>
             <a:endParaRPr lang="zh-CN" altLang="en-US"/>
           </a:p>
@@ -1718,6 +1718,7 @@
           <a:p>
             <a:fld id="{398B94F6-887E-407A-AA43-527A825A65E8}" type="slidenum">
               <a:rPr lang="zh-CN" altLang="en-US" smtClean="0"/>
+              <a:t>‹#›</a:t>
             </a:fld>
             <a:endParaRPr lang="zh-CN" altLang="en-US"/>
           </a:p>
@@ -10441,7 +10442,6 @@
               <a:rPr lang="zh-CN" altLang="en-US"/>
               <a:t>单击此处编辑母版标题样式</a:t>
             </a:r>
-            <a:endParaRPr lang="zh-CN" altLang="en-US"/>
           </a:p>
         </p:txBody>
       </p:sp>
@@ -10475,7 +10475,6 @@
               <a:rPr lang="zh-CN" altLang="en-US"/>
               <a:t>单击此处编辑母版文本样式</a:t>
             </a:r>
-            <a:endParaRPr lang="zh-CN" altLang="en-US"/>
           </a:p>
           <a:p>
             <a:pPr lvl="1"/>
@@ -10483,7 +10482,6 @@
               <a:rPr lang="zh-CN" altLang="en-US"/>
               <a:t>二级</a:t>
             </a:r>
-            <a:endParaRPr lang="zh-CN" altLang="en-US"/>
           </a:p>
           <a:p>
             <a:pPr lvl="2"/>
@@ -10491,7 +10489,6 @@
               <a:rPr lang="zh-CN" altLang="en-US"/>
               <a:t>三级</a:t>
             </a:r>
-            <a:endParaRPr lang="zh-CN" altLang="en-US"/>
           </a:p>
           <a:p>
             <a:pPr lvl="3"/>
@@ -10499,7 +10496,6 @@
               <a:rPr lang="zh-CN" altLang="en-US"/>
               <a:t>四级</a:t>
             </a:r>
-            <a:endParaRPr lang="zh-CN" altLang="en-US"/>
           </a:p>
           <a:p>
             <a:pPr lvl="4"/>
@@ -10507,7 +10503,6 @@
               <a:rPr lang="zh-CN" altLang="en-US"/>
               <a:t>五级</a:t>
             </a:r>
-            <a:endParaRPr lang="zh-CN" altLang="en-US"/>
           </a:p>
         </p:txBody>
       </p:sp>
@@ -10546,6 +10541,7 @@
           <a:p>
             <a:fld id="{914C14D4-A36E-4EA1-A548-4558891AAAC0}" type="datetimeFigureOut">
               <a:rPr lang="zh-CN" altLang="en-US" smtClean="0"/>
+              <a:t>2024-03-16</a:t>
             </a:fld>
             <a:endParaRPr lang="zh-CN" altLang="en-US"/>
           </a:p>
@@ -10623,6 +10619,7 @@
           <a:p>
             <a:fld id="{398B94F6-887E-407A-AA43-527A825A65E8}" type="slidenum">
               <a:rPr lang="zh-CN" altLang="en-US" smtClean="0"/>
+              <a:t>‹#›</a:t>
             </a:fld>
             <a:endParaRPr lang="zh-CN" altLang="en-US"/>
           </a:p>
@@ -12236,15 +12233,6 @@
                   </a:rPr>
                   <a:t>答辩学生：姜钧域</a:t>
                 </a:r>
-                <a:endParaRPr lang="zh-CN" altLang="en-US" sz="1400" dirty="0">
-                  <a:solidFill>
-                    <a:schemeClr val="accent5">
-                      <a:lumMod val="20000"/>
-                      <a:lumOff val="80000"/>
-                    </a:schemeClr>
-                  </a:solidFill>
-                  <a:sym typeface="+mn-lt"/>
-                </a:endParaRPr>
               </a:p>
             </p:txBody>
           </p:sp>
@@ -13336,10 +13324,6 @@
               </a:rPr>
               <a:t>学生信息管理系统</a:t>
             </a:r>
-            <a:endParaRPr lang="zh-CN" altLang="en-US" sz="7200" dirty="0">
-              <a:latin typeface="思源宋体 CN Heavy" panose="02020900000000000000" pitchFamily="18" charset="-122"/>
-              <a:ea typeface="思源宋体 CN Heavy" panose="02020900000000000000" pitchFamily="18" charset="-122"/>
-            </a:endParaRPr>
           </a:p>
         </p:txBody>
       </p:sp>
@@ -13386,13 +13370,6 @@
               </a:rPr>
               <a:t>组</a:t>
             </a:r>
-            <a:endParaRPr lang="zh-CN" altLang="en-US" sz="1400" b="1" dirty="0">
-              <a:solidFill>
-                <a:schemeClr val="bg1"/>
-              </a:solidFill>
-              <a:latin typeface="+mj-ea"/>
-              <a:ea typeface="+mj-ea"/>
-            </a:endParaRPr>
           </a:p>
         </p:txBody>
       </p:sp>
@@ -14034,13 +14011,13 @@
   <p:clrMapOvr>
     <a:masterClrMapping/>
   </p:clrMapOvr>
-  <mc:AlternateContent xmlns:mc="http://schemas.openxmlformats.org/markup-compatibility/2006">
-    <mc:Choice xmlns:p14="http://schemas.microsoft.com/office/powerpoint/2010/main" Requires="p14">
+  <mc:AlternateContent xmlns:mc="http://schemas.openxmlformats.org/markup-compatibility/2006" xmlns:p14="http://schemas.microsoft.com/office/powerpoint/2010/main">
+    <mc:Choice Requires="p14">
       <p:transition spd="slow" p14:dur="900">
         <p14:warp dir="in"/>
       </p:transition>
     </mc:Choice>
-    <mc:Fallback>
+    <mc:Fallback xmlns="">
       <p:transition spd="slow">
         <p:fade/>
       </p:transition>
@@ -14177,7 +14154,6 @@
               <a:rPr lang="zh-CN" altLang="en-US" dirty="0"/>
               <a:t>成果展示</a:t>
             </a:r>
-            <a:endParaRPr lang="zh-CN" altLang="en-US" dirty="0"/>
           </a:p>
         </p:txBody>
       </p:sp>
@@ -14204,6 +14180,7 @@
           <a:bodyPr wrap="square">
             <a:noAutofit/>
           </a:bodyPr>
+          <a:lstStyle/>
           <a:p>
             <a:pPr marL="6350" indent="-6350"/>
             <a:r>
@@ -14231,7 +14208,7 @@
           <p:nvPr/>
         </p:nvPicPr>
         <p:blipFill>
-          <a:blip r:embed="rId1"/>
+          <a:blip r:embed="rId4"/>
           <a:stretch>
             <a:fillRect/>
           </a:stretch>
@@ -14273,6 +14250,16 @@
           <a:bodyPr wrap="square">
             <a:noAutofit/>
           </a:bodyPr>
+          <a:lstStyle/>
+          <a:p>
+            <a:pPr marL="6350" indent="-6350"/>
+            <a:endParaRPr lang="en-US" b="0">
+              <a:solidFill>
+                <a:srgbClr val="000000"/>
+              </a:solidFill>
+              <a:latin typeface="宋体" panose="02010600030101010101" pitchFamily="2" charset="-122"/>
+            </a:endParaRPr>
+          </a:p>
           <a:p>
             <a:pPr marL="6350" indent="-6350"/>
             <a:r>
@@ -14282,9 +14269,17 @@
                 </a:solidFill>
                 <a:latin typeface="宋体" panose="02010600030101010101" pitchFamily="2" charset="-122"/>
               </a:rPr>
-              <a:t>- </a:t>
+              <a:t> </a:t>
             </a:r>
+            <a:endParaRPr lang="zh-CN" b="0">
+              <a:solidFill>
+                <a:srgbClr val="000000"/>
+              </a:solidFill>
+              <a:ea typeface="宋体" panose="02010600030101010101" pitchFamily="2" charset="-122"/>
+            </a:endParaRPr>
+          </a:p>
+          <a:p>
+            <a:pPr marL="6350" indent="-6350"/>
             <a:r>
               <a:rPr lang="zh-CN" b="0">
                 <a:solidFill>
@@ -14292,8 +14287,7 @@
                 </a:solidFill>
                 <a:ea typeface="宋体" panose="02010600030101010101" pitchFamily="2" charset="-122"/>
               </a:rPr>
-              <a:t>-输入姓名性别身份电子邮箱账号密码后即可注册成功</a:t>
+              <a:t>输入姓名性别身份电子邮箱账号密码后即可注册成功</a:t>
             </a:r>
             <a:endParaRPr lang="zh-CN" altLang="en-US" b="0">
               <a:solidFill>
@@ -14306,19 +14300,19 @@
       </p:sp>
     </p:spTree>
     <p:custDataLst>
-      <p:tags r:id="rId2"/>
+      <p:tags r:id="rId1"/>
     </p:custDataLst>
   </p:cSld>
   <p:clrMapOvr>
     <a:masterClrMapping/>
   </p:clrMapOvr>
-  <mc:AlternateContent xmlns:mc="http://schemas.openxmlformats.org/markup-compatibility/2006">
-    <mc:Choice xmlns:p14="http://schemas.microsoft.com/office/powerpoint/2010/main" Requires="p14">
+  <mc:AlternateContent xmlns:mc="http://schemas.openxmlformats.org/markup-compatibility/2006" xmlns:p14="http://schemas.microsoft.com/office/powerpoint/2010/main">
+    <mc:Choice Requires="p14">
       <p:transition spd="slow" p14:dur="900">
         <p14:warp dir="in"/>
       </p:transition>
     </mc:Choice>
-    <mc:Fallback>
+    <mc:Fallback xmlns="">
       <p:transition spd="slow">
         <p:fade/>
       </p:transition>
@@ -14455,7 +14449,6 @@
               <a:rPr lang="zh-CN" altLang="en-US" dirty="0"/>
               <a:t>成果展示</a:t>
             </a:r>
-            <a:endParaRPr lang="zh-CN" altLang="en-US" dirty="0"/>
           </a:p>
         </p:txBody>
       </p:sp>
@@ -14482,6 +14475,7 @@
           <a:bodyPr>
             <a:noAutofit/>
           </a:bodyPr>
+          <a:lstStyle/>
           <a:p>
             <a:pPr marL="6350" indent="-6350"/>
             <a:r>
@@ -14518,7 +14512,7 @@
           <p:nvPr/>
         </p:nvPicPr>
         <p:blipFill>
-          <a:blip r:embed="rId1"/>
+          <a:blip r:embed="rId4"/>
           <a:stretch>
             <a:fillRect/>
           </a:stretch>
@@ -14560,6 +14554,16 @@
           <a:bodyPr>
             <a:noAutofit/>
           </a:bodyPr>
+          <a:lstStyle/>
+          <a:p>
+            <a:pPr marL="6350" indent="-6350"/>
+            <a:endParaRPr lang="en-US" b="0">
+              <a:solidFill>
+                <a:srgbClr val="000000"/>
+              </a:solidFill>
+              <a:latin typeface="宋体" panose="02010600030101010101" pitchFamily="2" charset="-122"/>
+            </a:endParaRPr>
+          </a:p>
           <a:p>
             <a:pPr marL="6350" indent="-6350"/>
             <a:r>
@@ -14569,10 +14573,29 @@
                 </a:solidFill>
                 <a:latin typeface="宋体" panose="02010600030101010101" pitchFamily="2" charset="-122"/>
               </a:rPr>
-              <a:t>- - </a:t>
+              <a:t> </a:t>
             </a:r>
+          </a:p>
+          <a:p>
+            <a:pPr marL="6350" indent="-6350"/>
+            <a:r>
+              <a:rPr lang="en-US" b="0">
+                <a:solidFill>
+                  <a:srgbClr val="000000"/>
+                </a:solidFill>
+                <a:latin typeface="宋体" panose="02010600030101010101" pitchFamily="2" charset="-122"/>
+              </a:rPr>
+              <a:t> </a:t>
+            </a:r>
+            <a:endParaRPr lang="zh-CN" b="0">
+              <a:solidFill>
+                <a:srgbClr val="000000"/>
+              </a:solidFill>
+              <a:ea typeface="宋体" panose="02010600030101010101" pitchFamily="2" charset="-122"/>
+            </a:endParaRPr>
+          </a:p>
+          <a:p>
+            <a:pPr marL="6350" indent="-6350"/>
             <a:r>
               <a:rPr lang="zh-CN" b="0">
                 <a:solidFill>
@@ -14580,9 +14603,17 @@
                 </a:solidFill>
                 <a:ea typeface="宋体" panose="02010600030101010101" pitchFamily="2" charset="-122"/>
               </a:rPr>
-              <a:t>-分别是：</a:t>
+              <a:t>分别是：</a:t>
             </a:r>
+            <a:endParaRPr lang="en-US" b="0">
+              <a:solidFill>
+                <a:srgbClr val="000000"/>
+              </a:solidFill>
+              <a:latin typeface="Arial" panose="020B0604020202020204" pitchFamily="34" charset="0"/>
+            </a:endParaRPr>
+          </a:p>
+          <a:p>
+            <a:pPr marL="6350" indent="-6350"/>
             <a:r>
               <a:rPr lang="en-US" b="0">
                 <a:solidFill>
@@ -14590,8 +14621,7 @@
                 </a:solidFill>
                 <a:latin typeface="Arial" panose="020B0604020202020204" pitchFamily="34" charset="0"/>
               </a:rPr>
-              <a:t>-(1) </a:t>
+              <a:t>(1) </a:t>
             </a:r>
             <a:r>
               <a:rPr lang="zh-CN" b="0">
@@ -14602,6 +14632,15 @@
               </a:rPr>
               <a:t>个人设置</a:t>
             </a:r>
+            <a:endParaRPr lang="en-US" b="0">
+              <a:solidFill>
+                <a:srgbClr val="000000"/>
+              </a:solidFill>
+              <a:latin typeface="Arial" panose="020B0604020202020204" pitchFamily="34" charset="0"/>
+            </a:endParaRPr>
+          </a:p>
+          <a:p>
+            <a:pPr marL="6350" indent="-6350"/>
             <a:r>
               <a:rPr lang="en-US" b="0">
                 <a:solidFill>
@@ -14609,8 +14648,7 @@
                 </a:solidFill>
                 <a:latin typeface="Arial" panose="020B0604020202020204" pitchFamily="34" charset="0"/>
               </a:rPr>
-              <a:t>-(2) </a:t>
+              <a:t>(2) </a:t>
             </a:r>
             <a:r>
               <a:rPr lang="zh-CN" b="0">
@@ -14621,6 +14659,15 @@
               </a:rPr>
               <a:t>系统管理</a:t>
             </a:r>
+            <a:endParaRPr lang="en-US" b="0">
+              <a:solidFill>
+                <a:srgbClr val="000000"/>
+              </a:solidFill>
+              <a:latin typeface="Arial" panose="020B0604020202020204" pitchFamily="34" charset="0"/>
+            </a:endParaRPr>
+          </a:p>
+          <a:p>
+            <a:pPr marL="6350" indent="-6350"/>
             <a:r>
               <a:rPr lang="en-US" b="0">
                 <a:solidFill>
@@ -14628,8 +14675,7 @@
                 </a:solidFill>
                 <a:latin typeface="Arial" panose="020B0604020202020204" pitchFamily="34" charset="0"/>
               </a:rPr>
-              <a:t>-(3) </a:t>
+              <a:t>(3) </a:t>
             </a:r>
             <a:r>
               <a:rPr lang="zh-CN" b="0">
@@ -14640,6 +14686,15 @@
               </a:rPr>
               <a:t>数据管理</a:t>
             </a:r>
+            <a:endParaRPr lang="en-US" b="0">
+              <a:solidFill>
+                <a:srgbClr val="000000"/>
+              </a:solidFill>
+              <a:latin typeface="Arial" panose="020B0604020202020204" pitchFamily="34" charset="0"/>
+            </a:endParaRPr>
+          </a:p>
+          <a:p>
+            <a:pPr marL="6350" indent="-6350"/>
             <a:r>
               <a:rPr lang="en-US" b="0">
                 <a:solidFill>
@@ -14647,8 +14702,7 @@
                 </a:solidFill>
                 <a:latin typeface="Arial" panose="020B0604020202020204" pitchFamily="34" charset="0"/>
               </a:rPr>
-              <a:t>-(4) </a:t>
+              <a:t>(4) </a:t>
             </a:r>
             <a:r>
               <a:rPr lang="zh-CN" b="0">
@@ -14659,6 +14713,15 @@
               </a:rPr>
               <a:t>成绩管理</a:t>
             </a:r>
+            <a:endParaRPr lang="en-US" b="0">
+              <a:solidFill>
+                <a:srgbClr val="000000"/>
+              </a:solidFill>
+              <a:latin typeface="Arial" panose="020B0604020202020204" pitchFamily="34" charset="0"/>
+            </a:endParaRPr>
+          </a:p>
+          <a:p>
+            <a:pPr marL="6350" indent="-6350"/>
             <a:r>
               <a:rPr lang="en-US" b="0">
                 <a:solidFill>
@@ -14666,8 +14729,7 @@
                 </a:solidFill>
                 <a:latin typeface="Arial" panose="020B0604020202020204" pitchFamily="34" charset="0"/>
               </a:rPr>
-              <a:t>-(5) </a:t>
+              <a:t>(5) </a:t>
             </a:r>
             <a:r>
               <a:rPr lang="zh-CN" b="0">
@@ -14689,19 +14751,19 @@
       </p:sp>
     </p:spTree>
     <p:custDataLst>
-      <p:tags r:id="rId2"/>
+      <p:tags r:id="rId1"/>
     </p:custDataLst>
   </p:cSld>
   <p:clrMapOvr>
     <a:masterClrMapping/>
   </p:clrMapOvr>
-  <mc:AlternateContent xmlns:mc="http://schemas.openxmlformats.org/markup-compatibility/2006">
-    <mc:Choice xmlns:p14="http://schemas.microsoft.com/office/powerpoint/2010/main" Requires="p14">
+  <mc:AlternateContent xmlns:mc="http://schemas.openxmlformats.org/markup-compatibility/2006" xmlns:p14="http://schemas.microsoft.com/office/powerpoint/2010/main">
+    <mc:Choice Requires="p14">
       <p:transition spd="slow" p14:dur="900">
         <p14:warp dir="in"/>
       </p:transition>
     </mc:Choice>
-    <mc:Fallback>
+    <mc:Fallback xmlns="">
       <p:transition spd="slow">
         <p:fade/>
       </p:transition>
@@ -14838,7 +14900,6 @@
               <a:rPr lang="zh-CN" altLang="en-US" dirty="0"/>
               <a:t>成果展示</a:t>
             </a:r>
-            <a:endParaRPr lang="zh-CN" altLang="en-US" dirty="0"/>
           </a:p>
         </p:txBody>
       </p:sp>
@@ -14865,6 +14926,7 @@
           <a:bodyPr>
             <a:noAutofit/>
           </a:bodyPr>
+          <a:lstStyle/>
           <a:p>
             <a:pPr marL="492125" indent="-492125"/>
             <a:r>
@@ -14901,7 +14963,7 @@
           <p:nvPr/>
         </p:nvPicPr>
         <p:blipFill>
-          <a:blip r:embed="rId1"/>
+          <a:blip r:embed="rId4"/>
           <a:stretch>
             <a:fillRect/>
           </a:stretch>
@@ -14922,19 +14984,19 @@
       </p:pic>
     </p:spTree>
     <p:custDataLst>
-      <p:tags r:id="rId2"/>
+      <p:tags r:id="rId1"/>
     </p:custDataLst>
   </p:cSld>
   <p:clrMapOvr>
     <a:masterClrMapping/>
   </p:clrMapOvr>
-  <mc:AlternateContent xmlns:mc="http://schemas.openxmlformats.org/markup-compatibility/2006">
-    <mc:Choice xmlns:p14="http://schemas.microsoft.com/office/powerpoint/2010/main" Requires="p14">
+  <mc:AlternateContent xmlns:mc="http://schemas.openxmlformats.org/markup-compatibility/2006" xmlns:p14="http://schemas.microsoft.com/office/powerpoint/2010/main">
+    <mc:Choice Requires="p14">
       <p:transition spd="slow" p14:dur="900">
         <p14:warp dir="in"/>
       </p:transition>
     </mc:Choice>
-    <mc:Fallback>
+    <mc:Fallback xmlns="">
       <p:transition spd="slow">
         <p:fade/>
       </p:transition>
@@ -16146,15 +16208,6 @@
                   </a:rPr>
                   <a:t>答辩学生：姜钧域</a:t>
                 </a:r>
-                <a:endParaRPr lang="zh-CN" altLang="en-US" sz="1400" dirty="0">
-                  <a:solidFill>
-                    <a:schemeClr val="accent5">
-                      <a:lumMod val="20000"/>
-                      <a:lumOff val="80000"/>
-                    </a:schemeClr>
-                  </a:solidFill>
-                  <a:sym typeface="+mn-lt"/>
-                </a:endParaRPr>
               </a:p>
             </p:txBody>
           </p:sp>
@@ -17195,10 +17248,6 @@
               </a:rPr>
               <a:t>感谢您的聆听，恳请批评指正！</a:t>
             </a:r>
-            <a:endParaRPr lang="zh-CN" altLang="en-US" sz="5400" dirty="0">
-              <a:latin typeface="思源宋体 CN Heavy" panose="02020900000000000000" pitchFamily="18" charset="-122"/>
-              <a:ea typeface="思源宋体 CN Heavy" panose="02020900000000000000" pitchFamily="18" charset="-122"/>
-            </a:endParaRPr>
           </a:p>
         </p:txBody>
       </p:sp>
@@ -17245,13 +17294,6 @@
               </a:rPr>
               <a:t>组</a:t>
             </a:r>
-            <a:endParaRPr lang="zh-CN" altLang="en-US" sz="1400" b="1" dirty="0">
-              <a:solidFill>
-                <a:schemeClr val="bg1"/>
-              </a:solidFill>
-              <a:latin typeface="+mj-ea"/>
-              <a:ea typeface="+mj-ea"/>
-            </a:endParaRPr>
           </a:p>
         </p:txBody>
       </p:sp>
@@ -17893,13 +17935,13 @@
   <p:clrMapOvr>
     <a:masterClrMapping/>
   </p:clrMapOvr>
-  <mc:AlternateContent xmlns:mc="http://schemas.openxmlformats.org/markup-compatibility/2006">
-    <mc:Choice xmlns:p14="http://schemas.microsoft.com/office/powerpoint/2010/main" Requires="p14">
+  <mc:AlternateContent xmlns:mc="http://schemas.openxmlformats.org/markup-compatibility/2006" xmlns:p14="http://schemas.microsoft.com/office/powerpoint/2010/main">
+    <mc:Choice Requires="p14">
       <p:transition spd="slow" p14:dur="900">
         <p14:warp dir="in"/>
       </p:transition>
     </mc:Choice>
-    <mc:Fallback>
+    <mc:Fallback xmlns="">
       <p:transition spd="slow">
         <p:fade/>
       </p:transition>
@@ -18462,10 +18504,6 @@
               </a:rPr>
               <a:t>目录</a:t>
             </a:r>
-            <a:endParaRPr lang="zh-CN" altLang="en-US" sz="5400" dirty="0">
-              <a:latin typeface="思源宋体 CN Heavy" panose="02020900000000000000" pitchFamily="18" charset="-122"/>
-              <a:ea typeface="思源宋体 CN Heavy" panose="02020900000000000000" pitchFamily="18" charset="-122"/>
-            </a:endParaRPr>
           </a:p>
         </p:txBody>
       </p:sp>
@@ -19632,7 +19670,7 @@
           <p:cNvGrpSpPr/>
           <p:nvPr>
             <p:custDataLst>
-              <p:tags r:id="rId1"/>
+              <p:tags r:id="rId2"/>
             </p:custDataLst>
           </p:nvPr>
         </p:nvGrpSpPr>
@@ -19664,7 +19702,7 @@
               <p:cNvSpPr/>
               <p:nvPr>
                 <p:custDataLst>
-                  <p:tags r:id="rId2"/>
+                  <p:tags r:id="rId19"/>
                 </p:custDataLst>
               </p:nvPr>
             </p:nvSpPr>
@@ -19716,7 +19754,7 @@
               <p:cNvSpPr txBox="1"/>
               <p:nvPr>
                 <p:custDataLst>
-                  <p:tags r:id="rId3"/>
+                  <p:tags r:id="rId20"/>
                 </p:custDataLst>
               </p:nvPr>
             </p:nvSpPr>
@@ -19762,7 +19800,7 @@
               <p:cNvSpPr txBox="1"/>
               <p:nvPr>
                 <p:custDataLst>
-                  <p:tags r:id="rId4"/>
+                  <p:tags r:id="rId21"/>
                 </p:custDataLst>
               </p:nvPr>
             </p:nvSpPr>
@@ -19790,11 +19828,6 @@
                   </a:rPr>
                   <a:t>项目介绍</a:t>
                 </a:r>
-                <a:endParaRPr lang="zh-CN" altLang="en-US" b="1" dirty="0">
-                  <a:solidFill>
-                    <a:schemeClr val="bg1"/>
-                  </a:solidFill>
-                </a:endParaRPr>
               </a:p>
             </p:txBody>
           </p:sp>
@@ -19805,7 +19838,7 @@
             <p:cNvSpPr/>
             <p:nvPr>
               <p:custDataLst>
-                <p:tags r:id="rId5"/>
+                <p:tags r:id="rId18"/>
               </p:custDataLst>
             </p:nvPr>
           </p:nvSpPr>
@@ -19951,7 +19984,7 @@
           <p:cNvGrpSpPr/>
           <p:nvPr>
             <p:custDataLst>
-              <p:tags r:id="rId6"/>
+              <p:tags r:id="rId3"/>
             </p:custDataLst>
           </p:nvPr>
         </p:nvGrpSpPr>
@@ -19983,7 +20016,7 @@
               <p:cNvSpPr/>
               <p:nvPr>
                 <p:custDataLst>
-                  <p:tags r:id="rId7"/>
+                  <p:tags r:id="rId15"/>
                 </p:custDataLst>
               </p:nvPr>
             </p:nvSpPr>
@@ -20035,7 +20068,7 @@
               <p:cNvSpPr txBox="1"/>
               <p:nvPr>
                 <p:custDataLst>
-                  <p:tags r:id="rId8"/>
+                  <p:tags r:id="rId16"/>
                 </p:custDataLst>
               </p:nvPr>
             </p:nvSpPr>
@@ -20081,7 +20114,7 @@
               <p:cNvSpPr txBox="1"/>
               <p:nvPr>
                 <p:custDataLst>
-                  <p:tags r:id="rId9"/>
+                  <p:tags r:id="rId17"/>
                 </p:custDataLst>
               </p:nvPr>
             </p:nvSpPr>
@@ -20109,11 +20142,6 @@
                   </a:rPr>
                   <a:t>项目分工</a:t>
                 </a:r>
-                <a:endParaRPr lang="zh-CN" altLang="en-US" b="1" dirty="0">
-                  <a:solidFill>
-                    <a:schemeClr val="bg1"/>
-                  </a:solidFill>
-                </a:endParaRPr>
               </a:p>
             </p:txBody>
           </p:sp>
@@ -20121,6 +20149,320 @@
         <p:sp>
           <p:nvSpPr>
             <p:cNvPr id="97" name="任意多边形: 形状 96"/>
+            <p:cNvSpPr/>
+            <p:nvPr>
+              <p:custDataLst>
+                <p:tags r:id="rId14"/>
+              </p:custDataLst>
+            </p:nvPr>
+          </p:nvSpPr>
+          <p:spPr>
+            <a:xfrm rot="16200000">
+              <a:off x="2704682" y="2063732"/>
+              <a:ext cx="579354" cy="159530"/>
+            </a:xfrm>
+            <a:custGeom>
+              <a:avLst/>
+              <a:gdLst>
+                <a:gd name="connsiteX0" fmla="*/ 126805 w 921017"/>
+                <a:gd name="connsiteY0" fmla="*/ 0 h 253610"/>
+                <a:gd name="connsiteX1" fmla="*/ 921017 w 921017"/>
+                <a:gd name="connsiteY1" fmla="*/ 0 h 253610"/>
+                <a:gd name="connsiteX2" fmla="*/ 905224 w 921017"/>
+                <a:gd name="connsiteY2" fmla="*/ 29096 h 253610"/>
+                <a:gd name="connsiteX3" fmla="*/ 885498 w 921017"/>
+                <a:gd name="connsiteY3" fmla="*/ 126805 h 253610"/>
+                <a:gd name="connsiteX4" fmla="*/ 905224 w 921017"/>
+                <a:gd name="connsiteY4" fmla="*/ 224514 h 253610"/>
+                <a:gd name="connsiteX5" fmla="*/ 921017 w 921017"/>
+                <a:gd name="connsiteY5" fmla="*/ 253610 h 253610"/>
+                <a:gd name="connsiteX6" fmla="*/ 126805 w 921017"/>
+                <a:gd name="connsiteY6" fmla="*/ 253610 h 253610"/>
+                <a:gd name="connsiteX7" fmla="*/ 0 w 921017"/>
+                <a:gd name="connsiteY7" fmla="*/ 126805 h 253610"/>
+                <a:gd name="connsiteX8" fmla="*/ 126805 w 921017"/>
+                <a:gd name="connsiteY8" fmla="*/ 0 h 253610"/>
+              </a:gdLst>
+              <a:ahLst/>
+              <a:cxnLst>
+                <a:cxn ang="0">
+                  <a:pos x="connsiteX0" y="connsiteY0"/>
+                </a:cxn>
+                <a:cxn ang="0">
+                  <a:pos x="connsiteX1" y="connsiteY1"/>
+                </a:cxn>
+                <a:cxn ang="0">
+                  <a:pos x="connsiteX2" y="connsiteY2"/>
+                </a:cxn>
+                <a:cxn ang="0">
+                  <a:pos x="connsiteX3" y="connsiteY3"/>
+                </a:cxn>
+                <a:cxn ang="0">
+                  <a:pos x="connsiteX4" y="connsiteY4"/>
+                </a:cxn>
+                <a:cxn ang="0">
+                  <a:pos x="connsiteX5" y="connsiteY5"/>
+                </a:cxn>
+                <a:cxn ang="0">
+                  <a:pos x="connsiteX6" y="connsiteY6"/>
+                </a:cxn>
+                <a:cxn ang="0">
+                  <a:pos x="connsiteX7" y="connsiteY7"/>
+                </a:cxn>
+                <a:cxn ang="0">
+                  <a:pos x="connsiteX8" y="connsiteY8"/>
+                </a:cxn>
+              </a:cxnLst>
+              <a:rect l="l" t="t" r="r" b="b"/>
+              <a:pathLst>
+                <a:path w="921017" h="253610">
+                  <a:moveTo>
+                    <a:pt x="126805" y="0"/>
+                  </a:moveTo>
+                  <a:lnTo>
+                    <a:pt x="921017" y="0"/>
+                  </a:lnTo>
+                  <a:lnTo>
+                    <a:pt x="905224" y="29096"/>
+                  </a:lnTo>
+                  <a:cubicBezTo>
+                    <a:pt x="892522" y="59128"/>
+                    <a:pt x="885498" y="92146"/>
+                    <a:pt x="885498" y="126805"/>
+                  </a:cubicBezTo>
+                  <a:cubicBezTo>
+                    <a:pt x="885498" y="161464"/>
+                    <a:pt x="892522" y="194482"/>
+                    <a:pt x="905224" y="224514"/>
+                  </a:cubicBezTo>
+                  <a:lnTo>
+                    <a:pt x="921017" y="253610"/>
+                  </a:lnTo>
+                  <a:lnTo>
+                    <a:pt x="126805" y="253610"/>
+                  </a:lnTo>
+                  <a:cubicBezTo>
+                    <a:pt x="56773" y="253610"/>
+                    <a:pt x="0" y="196837"/>
+                    <a:pt x="0" y="126805"/>
+                  </a:cubicBezTo>
+                  <a:cubicBezTo>
+                    <a:pt x="0" y="56773"/>
+                    <a:pt x="56773" y="0"/>
+                    <a:pt x="126805" y="0"/>
+                  </a:cubicBezTo>
+                  <a:close/>
+                </a:path>
+              </a:pathLst>
+            </a:custGeom>
+            <a:solidFill>
+              <a:srgbClr val="D8B2A7"/>
+            </a:solidFill>
+            <a:ln>
+              <a:solidFill>
+                <a:schemeClr val="bg1"/>
+              </a:solidFill>
+            </a:ln>
+          </p:spPr>
+          <p:style>
+            <a:lnRef idx="2">
+              <a:schemeClr val="accent1">
+                <a:shade val="15000"/>
+              </a:schemeClr>
+            </a:lnRef>
+            <a:fillRef idx="1">
+              <a:schemeClr val="accent1"/>
+            </a:fillRef>
+            <a:effectRef idx="0">
+              <a:schemeClr val="accent1"/>
+            </a:effectRef>
+            <a:fontRef idx="minor">
+              <a:schemeClr val="lt1"/>
+            </a:fontRef>
+          </p:style>
+          <p:txBody>
+            <a:bodyPr wrap="square" rtlCol="0" anchor="ctr">
+              <a:noAutofit/>
+            </a:bodyPr>
+            <a:lstStyle/>
+            <a:p>
+              <a:pPr algn="ctr"/>
+              <a:endParaRPr lang="zh-CN" altLang="en-US"/>
+            </a:p>
+          </p:txBody>
+        </p:sp>
+      </p:grpSp>
+      <p:grpSp>
+        <p:nvGrpSpPr>
+          <p:cNvPr id="101" name="组合 100"/>
+          <p:cNvGrpSpPr/>
+          <p:nvPr>
+            <p:custDataLst>
+              <p:tags r:id="rId4"/>
+            </p:custDataLst>
+          </p:nvPr>
+        </p:nvGrpSpPr>
+        <p:grpSpPr>
+          <a:xfrm>
+            <a:off x="2159108" y="3280631"/>
+            <a:ext cx="3581934" cy="692723"/>
+            <a:chOff x="2014729" y="1853820"/>
+            <a:chExt cx="3581934" cy="692723"/>
+          </a:xfrm>
+        </p:grpSpPr>
+        <p:grpSp>
+          <p:nvGrpSpPr>
+            <p:cNvPr id="102" name="组合 101"/>
+            <p:cNvGrpSpPr/>
+            <p:nvPr/>
+          </p:nvGrpSpPr>
+          <p:grpSpPr>
+            <a:xfrm>
+              <a:off x="2014729" y="2006045"/>
+              <a:ext cx="3581934" cy="540498"/>
+              <a:chOff x="2014729" y="2006045"/>
+              <a:chExt cx="3581934" cy="540498"/>
+            </a:xfrm>
+          </p:grpSpPr>
+          <p:sp>
+            <p:nvSpPr>
+              <p:cNvPr id="104" name="矩形: 圆角 103"/>
+              <p:cNvSpPr/>
+              <p:nvPr>
+                <p:custDataLst>
+                  <p:tags r:id="rId11"/>
+                </p:custDataLst>
+              </p:nvPr>
+            </p:nvSpPr>
+            <p:spPr>
+              <a:xfrm>
+                <a:off x="2014729" y="2006045"/>
+                <a:ext cx="3581934" cy="538467"/>
+              </a:xfrm>
+              <a:prstGeom prst="roundRect">
+                <a:avLst>
+                  <a:gd name="adj" fmla="val 50000"/>
+                </a:avLst>
+              </a:prstGeom>
+              <a:solidFill>
+                <a:srgbClr val="4F628A"/>
+              </a:solidFill>
+              <a:ln>
+                <a:noFill/>
+              </a:ln>
+            </p:spPr>
+            <p:style>
+              <a:lnRef idx="2">
+                <a:schemeClr val="accent1">
+                  <a:shade val="15000"/>
+                </a:schemeClr>
+              </a:lnRef>
+              <a:fillRef idx="1">
+                <a:schemeClr val="accent1"/>
+              </a:fillRef>
+              <a:effectRef idx="0">
+                <a:schemeClr val="accent1"/>
+              </a:effectRef>
+              <a:fontRef idx="minor">
+                <a:schemeClr val="lt1"/>
+              </a:fontRef>
+            </p:style>
+            <p:txBody>
+              <a:bodyPr rtlCol="0" anchor="ctr"/>
+              <a:lstStyle/>
+              <a:p>
+                <a:pPr algn="ctr"/>
+                <a:endParaRPr lang="zh-CN" altLang="en-US"/>
+              </a:p>
+            </p:txBody>
+          </p:sp>
+          <p:sp>
+            <p:nvSpPr>
+              <p:cNvPr id="105" name="文本框 104"/>
+              <p:cNvSpPr txBox="1"/>
+              <p:nvPr>
+                <p:custDataLst>
+                  <p:tags r:id="rId12"/>
+                </p:custDataLst>
+              </p:nvPr>
+            </p:nvSpPr>
+            <p:spPr>
+              <a:xfrm>
+                <a:off x="2179200" y="2023323"/>
+                <a:ext cx="662361" cy="523220"/>
+              </a:xfrm>
+              <a:prstGeom prst="rect">
+                <a:avLst/>
+              </a:prstGeom>
+              <a:noFill/>
+            </p:spPr>
+            <p:txBody>
+              <a:bodyPr wrap="none" rtlCol="0">
+                <a:spAutoFit/>
+              </a:bodyPr>
+              <a:lstStyle/>
+              <a:p>
+                <a:r>
+                  <a:rPr lang="en-US" altLang="zh-CN" sz="2800" dirty="0">
+                    <a:solidFill>
+                      <a:schemeClr val="bg1"/>
+                    </a:solidFill>
+                    <a:latin typeface="MiSans Heavy" panose="00000A00000000000000" pitchFamily="2" charset="-122"/>
+                    <a:ea typeface="MiSans Heavy" panose="00000A00000000000000" pitchFamily="2" charset="-122"/>
+                  </a:rPr>
+                  <a:t>03</a:t>
+                </a:r>
+                <a:endParaRPr lang="zh-CN" altLang="en-US" sz="2800" dirty="0">
+                  <a:solidFill>
+                    <a:schemeClr val="bg1"/>
+                  </a:solidFill>
+                  <a:latin typeface="MiSans Heavy" panose="00000A00000000000000" pitchFamily="2" charset="-122"/>
+                  <a:ea typeface="MiSans Heavy" panose="00000A00000000000000" pitchFamily="2" charset="-122"/>
+                </a:endParaRPr>
+              </a:p>
+            </p:txBody>
+          </p:sp>
+          <p:sp>
+            <p:nvSpPr>
+              <p:cNvPr id="106" name="文本框 105"/>
+              <p:cNvSpPr txBox="1"/>
+              <p:nvPr>
+                <p:custDataLst>
+                  <p:tags r:id="rId13"/>
+                </p:custDataLst>
+              </p:nvPr>
+            </p:nvSpPr>
+            <p:spPr>
+              <a:xfrm>
+                <a:off x="3230514" y="2090612"/>
+                <a:ext cx="1102360" cy="368300"/>
+              </a:xfrm>
+              <a:prstGeom prst="rect">
+                <a:avLst/>
+              </a:prstGeom>
+              <a:noFill/>
+            </p:spPr>
+            <p:txBody>
+              <a:bodyPr wrap="none" rtlCol="0">
+                <a:spAutoFit/>
+              </a:bodyPr>
+              <a:lstStyle/>
+              <a:p>
+                <a:r>
+                  <a:rPr lang="zh-CN" altLang="en-US" b="1" dirty="0">
+                    <a:solidFill>
+                      <a:schemeClr val="bg1"/>
+                    </a:solidFill>
+                  </a:rPr>
+                  <a:t>项目技术</a:t>
+                </a:r>
+              </a:p>
+            </p:txBody>
+          </p:sp>
+        </p:grpSp>
+        <p:sp>
+          <p:nvSpPr>
+            <p:cNvPr id="103" name="任意多边形: 形状 102"/>
             <p:cNvSpPr/>
             <p:nvPr>
               <p:custDataLst>
@@ -20266,330 +20608,11 @@
       </p:grpSp>
       <p:grpSp>
         <p:nvGrpSpPr>
-          <p:cNvPr id="101" name="组合 100"/>
-          <p:cNvGrpSpPr/>
-          <p:nvPr>
-            <p:custDataLst>
-              <p:tags r:id="rId11"/>
-            </p:custDataLst>
-          </p:nvPr>
-        </p:nvGrpSpPr>
-        <p:grpSpPr>
-          <a:xfrm>
-            <a:off x="2159108" y="3280631"/>
-            <a:ext cx="3581934" cy="692723"/>
-            <a:chOff x="2014729" y="1853820"/>
-            <a:chExt cx="3581934" cy="692723"/>
-          </a:xfrm>
-        </p:grpSpPr>
-        <p:grpSp>
-          <p:nvGrpSpPr>
-            <p:cNvPr id="102" name="组合 101"/>
-            <p:cNvGrpSpPr/>
-            <p:nvPr/>
-          </p:nvGrpSpPr>
-          <p:grpSpPr>
-            <a:xfrm>
-              <a:off x="2014729" y="2006045"/>
-              <a:ext cx="3581934" cy="540498"/>
-              <a:chOff x="2014729" y="2006045"/>
-              <a:chExt cx="3581934" cy="540498"/>
-            </a:xfrm>
-          </p:grpSpPr>
-          <p:sp>
-            <p:nvSpPr>
-              <p:cNvPr id="104" name="矩形: 圆角 103"/>
-              <p:cNvSpPr/>
-              <p:nvPr>
-                <p:custDataLst>
-                  <p:tags r:id="rId12"/>
-                </p:custDataLst>
-              </p:nvPr>
-            </p:nvSpPr>
-            <p:spPr>
-              <a:xfrm>
-                <a:off x="2014729" y="2006045"/>
-                <a:ext cx="3581934" cy="538467"/>
-              </a:xfrm>
-              <a:prstGeom prst="roundRect">
-                <a:avLst>
-                  <a:gd name="adj" fmla="val 50000"/>
-                </a:avLst>
-              </a:prstGeom>
-              <a:solidFill>
-                <a:srgbClr val="4F628A"/>
-              </a:solidFill>
-              <a:ln>
-                <a:noFill/>
-              </a:ln>
-            </p:spPr>
-            <p:style>
-              <a:lnRef idx="2">
-                <a:schemeClr val="accent1">
-                  <a:shade val="15000"/>
-                </a:schemeClr>
-              </a:lnRef>
-              <a:fillRef idx="1">
-                <a:schemeClr val="accent1"/>
-              </a:fillRef>
-              <a:effectRef idx="0">
-                <a:schemeClr val="accent1"/>
-              </a:effectRef>
-              <a:fontRef idx="minor">
-                <a:schemeClr val="lt1"/>
-              </a:fontRef>
-            </p:style>
-            <p:txBody>
-              <a:bodyPr rtlCol="0" anchor="ctr"/>
-              <a:lstStyle/>
-              <a:p>
-                <a:pPr algn="ctr"/>
-                <a:endParaRPr lang="zh-CN" altLang="en-US"/>
-              </a:p>
-            </p:txBody>
-          </p:sp>
-          <p:sp>
-            <p:nvSpPr>
-              <p:cNvPr id="105" name="文本框 104"/>
-              <p:cNvSpPr txBox="1"/>
-              <p:nvPr>
-                <p:custDataLst>
-                  <p:tags r:id="rId13"/>
-                </p:custDataLst>
-              </p:nvPr>
-            </p:nvSpPr>
-            <p:spPr>
-              <a:xfrm>
-                <a:off x="2179200" y="2023323"/>
-                <a:ext cx="662361" cy="523220"/>
-              </a:xfrm>
-              <a:prstGeom prst="rect">
-                <a:avLst/>
-              </a:prstGeom>
-              <a:noFill/>
-            </p:spPr>
-            <p:txBody>
-              <a:bodyPr wrap="none" rtlCol="0">
-                <a:spAutoFit/>
-              </a:bodyPr>
-              <a:lstStyle/>
-              <a:p>
-                <a:r>
-                  <a:rPr lang="en-US" altLang="zh-CN" sz="2800" dirty="0">
-                    <a:solidFill>
-                      <a:schemeClr val="bg1"/>
-                    </a:solidFill>
-                    <a:latin typeface="MiSans Heavy" panose="00000A00000000000000" pitchFamily="2" charset="-122"/>
-                    <a:ea typeface="MiSans Heavy" panose="00000A00000000000000" pitchFamily="2" charset="-122"/>
-                  </a:rPr>
-                  <a:t>03</a:t>
-                </a:r>
-                <a:endParaRPr lang="zh-CN" altLang="en-US" sz="2800" dirty="0">
-                  <a:solidFill>
-                    <a:schemeClr val="bg1"/>
-                  </a:solidFill>
-                  <a:latin typeface="MiSans Heavy" panose="00000A00000000000000" pitchFamily="2" charset="-122"/>
-                  <a:ea typeface="MiSans Heavy" panose="00000A00000000000000" pitchFamily="2" charset="-122"/>
-                </a:endParaRPr>
-              </a:p>
-            </p:txBody>
-          </p:sp>
-          <p:sp>
-            <p:nvSpPr>
-              <p:cNvPr id="106" name="文本框 105"/>
-              <p:cNvSpPr txBox="1"/>
-              <p:nvPr>
-                <p:custDataLst>
-                  <p:tags r:id="rId14"/>
-                </p:custDataLst>
-              </p:nvPr>
-            </p:nvSpPr>
-            <p:spPr>
-              <a:xfrm>
-                <a:off x="3230514" y="2090612"/>
-                <a:ext cx="1102360" cy="368300"/>
-              </a:xfrm>
-              <a:prstGeom prst="rect">
-                <a:avLst/>
-              </a:prstGeom>
-              <a:noFill/>
-            </p:spPr>
-            <p:txBody>
-              <a:bodyPr wrap="none" rtlCol="0">
-                <a:spAutoFit/>
-              </a:bodyPr>
-              <a:lstStyle/>
-              <a:p>
-                <a:r>
-                  <a:rPr lang="zh-CN" altLang="en-US" b="1" dirty="0">
-                    <a:solidFill>
-                      <a:schemeClr val="bg1"/>
-                    </a:solidFill>
-                  </a:rPr>
-                  <a:t>项目技术</a:t>
-                </a:r>
-                <a:endParaRPr lang="zh-CN" altLang="en-US" b="1" dirty="0">
-                  <a:solidFill>
-                    <a:schemeClr val="bg1"/>
-                  </a:solidFill>
-                </a:endParaRPr>
-              </a:p>
-            </p:txBody>
-          </p:sp>
-        </p:grpSp>
-        <p:sp>
-          <p:nvSpPr>
-            <p:cNvPr id="103" name="任意多边形: 形状 102"/>
-            <p:cNvSpPr/>
-            <p:nvPr>
-              <p:custDataLst>
-                <p:tags r:id="rId15"/>
-              </p:custDataLst>
-            </p:nvPr>
-          </p:nvSpPr>
-          <p:spPr>
-            <a:xfrm rot="16200000">
-              <a:off x="2704682" y="2063732"/>
-              <a:ext cx="579354" cy="159530"/>
-            </a:xfrm>
-            <a:custGeom>
-              <a:avLst/>
-              <a:gdLst>
-                <a:gd name="connsiteX0" fmla="*/ 126805 w 921017"/>
-                <a:gd name="connsiteY0" fmla="*/ 0 h 253610"/>
-                <a:gd name="connsiteX1" fmla="*/ 921017 w 921017"/>
-                <a:gd name="connsiteY1" fmla="*/ 0 h 253610"/>
-                <a:gd name="connsiteX2" fmla="*/ 905224 w 921017"/>
-                <a:gd name="connsiteY2" fmla="*/ 29096 h 253610"/>
-                <a:gd name="connsiteX3" fmla="*/ 885498 w 921017"/>
-                <a:gd name="connsiteY3" fmla="*/ 126805 h 253610"/>
-                <a:gd name="connsiteX4" fmla="*/ 905224 w 921017"/>
-                <a:gd name="connsiteY4" fmla="*/ 224514 h 253610"/>
-                <a:gd name="connsiteX5" fmla="*/ 921017 w 921017"/>
-                <a:gd name="connsiteY5" fmla="*/ 253610 h 253610"/>
-                <a:gd name="connsiteX6" fmla="*/ 126805 w 921017"/>
-                <a:gd name="connsiteY6" fmla="*/ 253610 h 253610"/>
-                <a:gd name="connsiteX7" fmla="*/ 0 w 921017"/>
-                <a:gd name="connsiteY7" fmla="*/ 126805 h 253610"/>
-                <a:gd name="connsiteX8" fmla="*/ 126805 w 921017"/>
-                <a:gd name="connsiteY8" fmla="*/ 0 h 253610"/>
-              </a:gdLst>
-              <a:ahLst/>
-              <a:cxnLst>
-                <a:cxn ang="0">
-                  <a:pos x="connsiteX0" y="connsiteY0"/>
-                </a:cxn>
-                <a:cxn ang="0">
-                  <a:pos x="connsiteX1" y="connsiteY1"/>
-                </a:cxn>
-                <a:cxn ang="0">
-                  <a:pos x="connsiteX2" y="connsiteY2"/>
-                </a:cxn>
-                <a:cxn ang="0">
-                  <a:pos x="connsiteX3" y="connsiteY3"/>
-                </a:cxn>
-                <a:cxn ang="0">
-                  <a:pos x="connsiteX4" y="connsiteY4"/>
-                </a:cxn>
-                <a:cxn ang="0">
-                  <a:pos x="connsiteX5" y="connsiteY5"/>
-                </a:cxn>
-                <a:cxn ang="0">
-                  <a:pos x="connsiteX6" y="connsiteY6"/>
-                </a:cxn>
-                <a:cxn ang="0">
-                  <a:pos x="connsiteX7" y="connsiteY7"/>
-                </a:cxn>
-                <a:cxn ang="0">
-                  <a:pos x="connsiteX8" y="connsiteY8"/>
-                </a:cxn>
-              </a:cxnLst>
-              <a:rect l="l" t="t" r="r" b="b"/>
-              <a:pathLst>
-                <a:path w="921017" h="253610">
-                  <a:moveTo>
-                    <a:pt x="126805" y="0"/>
-                  </a:moveTo>
-                  <a:lnTo>
-                    <a:pt x="921017" y="0"/>
-                  </a:lnTo>
-                  <a:lnTo>
-                    <a:pt x="905224" y="29096"/>
-                  </a:lnTo>
-                  <a:cubicBezTo>
-                    <a:pt x="892522" y="59128"/>
-                    <a:pt x="885498" y="92146"/>
-                    <a:pt x="885498" y="126805"/>
-                  </a:cubicBezTo>
-                  <a:cubicBezTo>
-                    <a:pt x="885498" y="161464"/>
-                    <a:pt x="892522" y="194482"/>
-                    <a:pt x="905224" y="224514"/>
-                  </a:cubicBezTo>
-                  <a:lnTo>
-                    <a:pt x="921017" y="253610"/>
-                  </a:lnTo>
-                  <a:lnTo>
-                    <a:pt x="126805" y="253610"/>
-                  </a:lnTo>
-                  <a:cubicBezTo>
-                    <a:pt x="56773" y="253610"/>
-                    <a:pt x="0" y="196837"/>
-                    <a:pt x="0" y="126805"/>
-                  </a:cubicBezTo>
-                  <a:cubicBezTo>
-                    <a:pt x="0" y="56773"/>
-                    <a:pt x="56773" y="0"/>
-                    <a:pt x="126805" y="0"/>
-                  </a:cubicBezTo>
-                  <a:close/>
-                </a:path>
-              </a:pathLst>
-            </a:custGeom>
-            <a:solidFill>
-              <a:srgbClr val="D8B2A7"/>
-            </a:solidFill>
-            <a:ln>
-              <a:solidFill>
-                <a:schemeClr val="bg1"/>
-              </a:solidFill>
-            </a:ln>
-          </p:spPr>
-          <p:style>
-            <a:lnRef idx="2">
-              <a:schemeClr val="accent1">
-                <a:shade val="15000"/>
-              </a:schemeClr>
-            </a:lnRef>
-            <a:fillRef idx="1">
-              <a:schemeClr val="accent1"/>
-            </a:fillRef>
-            <a:effectRef idx="0">
-              <a:schemeClr val="accent1"/>
-            </a:effectRef>
-            <a:fontRef idx="minor">
-              <a:schemeClr val="lt1"/>
-            </a:fontRef>
-          </p:style>
-          <p:txBody>
-            <a:bodyPr wrap="square" rtlCol="0" anchor="ctr">
-              <a:noAutofit/>
-            </a:bodyPr>
-            <a:lstStyle/>
-            <a:p>
-              <a:pPr algn="ctr"/>
-              <a:endParaRPr lang="zh-CN" altLang="en-US"/>
-            </a:p>
-          </p:txBody>
-        </p:sp>
-      </p:grpSp>
-      <p:grpSp>
-        <p:nvGrpSpPr>
           <p:cNvPr id="107" name="组合 106"/>
           <p:cNvGrpSpPr/>
           <p:nvPr>
             <p:custDataLst>
-              <p:tags r:id="rId16"/>
+              <p:tags r:id="rId5"/>
             </p:custDataLst>
           </p:nvPr>
         </p:nvGrpSpPr>
@@ -20621,7 +20644,7 @@
               <p:cNvSpPr/>
               <p:nvPr>
                 <p:custDataLst>
-                  <p:tags r:id="rId17"/>
+                  <p:tags r:id="rId7"/>
                 </p:custDataLst>
               </p:nvPr>
             </p:nvSpPr>
@@ -20673,7 +20696,7 @@
               <p:cNvSpPr txBox="1"/>
               <p:nvPr>
                 <p:custDataLst>
-                  <p:tags r:id="rId18"/>
+                  <p:tags r:id="rId8"/>
                 </p:custDataLst>
               </p:nvPr>
             </p:nvSpPr>
@@ -20719,7 +20742,7 @@
               <p:cNvSpPr txBox="1"/>
               <p:nvPr>
                 <p:custDataLst>
-                  <p:tags r:id="rId19"/>
+                  <p:tags r:id="rId9"/>
                 </p:custDataLst>
               </p:nvPr>
             </p:nvSpPr>
@@ -20747,11 +20770,6 @@
                   </a:rPr>
                   <a:t>成果展示</a:t>
                 </a:r>
-                <a:endParaRPr lang="zh-CN" altLang="en-US" b="1" dirty="0">
-                  <a:solidFill>
-                    <a:schemeClr val="bg1"/>
-                  </a:solidFill>
-                </a:endParaRPr>
               </a:p>
             </p:txBody>
           </p:sp>
@@ -20762,7 +20780,7 @@
             <p:cNvSpPr/>
             <p:nvPr>
               <p:custDataLst>
-                <p:tags r:id="rId20"/>
+                <p:tags r:id="rId6"/>
               </p:custDataLst>
             </p:nvPr>
           </p:nvSpPr>
@@ -20904,19 +20922,19 @@
       </p:grpSp>
     </p:spTree>
     <p:custDataLst>
-      <p:tags r:id="rId21"/>
+      <p:tags r:id="rId1"/>
     </p:custDataLst>
   </p:cSld>
   <p:clrMapOvr>
     <a:masterClrMapping/>
   </p:clrMapOvr>
-  <mc:AlternateContent xmlns:mc="http://schemas.openxmlformats.org/markup-compatibility/2006">
-    <mc:Choice xmlns:p14="http://schemas.microsoft.com/office/powerpoint/2010/main" Requires="p14">
+  <mc:AlternateContent xmlns:mc="http://schemas.openxmlformats.org/markup-compatibility/2006" xmlns:p14="http://schemas.microsoft.com/office/powerpoint/2010/main">
+    <mc:Choice Requires="p14">
       <p:transition spd="slow" p14:dur="900">
         <p14:warp dir="in"/>
       </p:transition>
     </mc:Choice>
-    <mc:Fallback>
+    <mc:Fallback xmlns="">
       <p:transition spd="slow">
         <p:fade/>
       </p:transition>
@@ -22713,11 +22731,6 @@
                   </a:rPr>
                   <a:t>项目介绍</a:t>
                 </a:r>
-                <a:endParaRPr lang="zh-CN" altLang="en-US" b="1" dirty="0">
-                  <a:solidFill>
-                    <a:schemeClr val="bg1"/>
-                  </a:solidFill>
-                </a:endParaRPr>
               </a:p>
             </p:txBody>
           </p:sp>
@@ -22915,14 +22928,6 @@
               </a:rPr>
               <a:t>，</a:t>
             </a:r>
-            <a:endParaRPr lang="zh-CN" altLang="en-US" sz="1200" b="1" dirty="0">
-              <a:solidFill>
-                <a:schemeClr val="tx1">
-                  <a:lumMod val="50000"/>
-                  <a:lumOff val="50000"/>
-                </a:schemeClr>
-              </a:solidFill>
-            </a:endParaRPr>
           </a:p>
         </p:txBody>
       </p:sp>
@@ -22934,13 +22939,13 @@
   <p:clrMapOvr>
     <a:masterClrMapping/>
   </p:clrMapOvr>
-  <mc:AlternateContent xmlns:mc="http://schemas.openxmlformats.org/markup-compatibility/2006">
-    <mc:Choice xmlns:p14="http://schemas.microsoft.com/office/powerpoint/2010/main" Requires="p14">
+  <mc:AlternateContent xmlns:mc="http://schemas.openxmlformats.org/markup-compatibility/2006" xmlns:p14="http://schemas.microsoft.com/office/powerpoint/2010/main">
+    <mc:Choice Requires="p14">
       <p:transition spd="slow" p14:dur="900">
         <p14:warp dir="in"/>
       </p:transition>
     </mc:Choice>
-    <mc:Fallback>
+    <mc:Fallback xmlns="">
       <p:transition spd="slow">
         <p:fade/>
       </p:transition>
@@ -23077,7 +23082,6 @@
               <a:rPr lang="zh-CN" altLang="en-US" dirty="0"/>
               <a:t>成果展示</a:t>
             </a:r>
-            <a:endParaRPr lang="zh-CN" altLang="en-US" dirty="0"/>
           </a:p>
         </p:txBody>
       </p:sp>
@@ -23152,6 +23156,7 @@
             </p:style>
             <p:txBody>
               <a:bodyPr rtlCol="0" anchor="ctr"/>
+              <a:lstStyle/>
               <a:p>
                 <a:pPr algn="ctr"/>
                 <a:endParaRPr lang="en-US" altLang="zh-CN" dirty="0">
@@ -23262,6 +23267,7 @@
               <a:bodyPr rot="0" spcFirstLastPara="0" vertOverflow="overflow" horzOverflow="overflow" vert="horz" wrap="square" lIns="91440" tIns="45720" rIns="91440" bIns="45720" numCol="1" spcCol="0" rtlCol="0" fromWordArt="0" anchor="ctr" anchorCtr="0" forceAA="0" compatLnSpc="1">
                 <a:noAutofit/>
               </a:bodyPr>
+              <a:lstStyle/>
               <a:p>
                 <a:pPr algn="ctr"/>
                 <a:endParaRPr lang="zh-CN" altLang="en-US" dirty="0"/>
@@ -23289,6 +23295,7 @@
             <a:bodyPr wrap="square" rtlCol="0">
               <a:spAutoFit/>
             </a:bodyPr>
+            <a:lstStyle/>
             <a:p>
               <a:pPr>
                 <a:lnSpc>
@@ -23302,10 +23309,6 @@
                 </a:rPr>
                 <a:t>管理员</a:t>
               </a:r>
-              <a:endParaRPr lang="zh-CN" altLang="en-US" sz="2000" b="1" dirty="0">
-                <a:latin typeface="+mj-ea"/>
-                <a:ea typeface="+mj-ea"/>
-              </a:endParaRPr>
             </a:p>
           </p:txBody>
         </p:sp>
@@ -23330,6 +23333,7 @@
           <a:bodyPr wrap="square">
             <a:spAutoFit/>
           </a:bodyPr>
+          <a:lstStyle/>
           <a:p>
             <a:pPr algn="ctr">
               <a:lnSpc>
@@ -23349,16 +23353,6 @@
               </a:rPr>
               <a:t>后台首页展示、个人信息展示和修改、用户管理、角色管理、班级管理、学生管理、课程管理、教师管理、班级科目成绩管理、班级科目成绩统计、班级科目对比统计等功能</a:t>
             </a:r>
-            <a:endParaRPr sz="1400" b="1" dirty="0">
-              <a:solidFill>
-                <a:schemeClr val="tx1">
-                  <a:lumMod val="50000"/>
-                  <a:lumOff val="50000"/>
-                </a:schemeClr>
-              </a:solidFill>
-              <a:latin typeface="仿宋" panose="02010609060101010101" charset="-122"/>
-              <a:ea typeface="仿宋" panose="02010609060101010101" charset="-122"/>
-            </a:endParaRPr>
           </a:p>
         </p:txBody>
       </p:sp>
@@ -23377,7 +23371,7 @@
             <a:avLst/>
           </a:prstGeom>
           <a:blipFill>
-            <a:blip r:embed="rId1" cstate="screen"/>
+            <a:blip r:embed="rId4" cstate="screen"/>
             <a:stretch>
               <a:fillRect/>
             </a:stretch>
@@ -23404,6 +23398,7 @@
         </p:style>
         <p:txBody>
           <a:bodyPr rtlCol="0" anchor="ctr"/>
+          <a:lstStyle/>
           <a:p>
             <a:pPr algn="ctr"/>
             <a:endParaRPr lang="zh-CN" altLang="en-US"/>
@@ -23481,6 +23476,7 @@
             </p:style>
             <p:txBody>
               <a:bodyPr rtlCol="0" anchor="ctr"/>
+              <a:lstStyle/>
               <a:p>
                 <a:pPr algn="ctr"/>
                 <a:endParaRPr lang="en-US" altLang="zh-CN" dirty="0"/>
@@ -23587,6 +23583,7 @@
               <a:bodyPr rot="0" spcFirstLastPara="0" vertOverflow="overflow" horzOverflow="overflow" vert="horz" wrap="square" lIns="91440" tIns="45720" rIns="91440" bIns="45720" numCol="1" spcCol="0" rtlCol="0" fromWordArt="0" anchor="ctr" anchorCtr="0" forceAA="0" compatLnSpc="1">
                 <a:noAutofit/>
               </a:bodyPr>
+              <a:lstStyle/>
               <a:p>
                 <a:pPr algn="ctr"/>
                 <a:endParaRPr lang="zh-CN" altLang="en-US" dirty="0"/>
@@ -23614,6 +23611,7 @@
             <a:bodyPr wrap="square" rtlCol="0">
               <a:spAutoFit/>
             </a:bodyPr>
+            <a:lstStyle/>
             <a:p>
               <a:pPr>
                 <a:lnSpc>
@@ -23627,10 +23625,6 @@
                 </a:rPr>
                 <a:t>学生</a:t>
               </a:r>
-              <a:endParaRPr lang="zh-CN" altLang="en-US" sz="2000" b="1" dirty="0">
-                <a:latin typeface="+mj-ea"/>
-                <a:ea typeface="+mj-ea"/>
-              </a:endParaRPr>
             </a:p>
           </p:txBody>
         </p:sp>
@@ -23655,6 +23649,7 @@
           <a:bodyPr wrap="square">
             <a:spAutoFit/>
           </a:bodyPr>
+          <a:lstStyle/>
           <a:p>
             <a:pPr algn="ctr">
               <a:lnSpc>
@@ -23674,16 +23669,6 @@
               </a:rPr>
               <a:t>后台首页展示、个人信息展示和修改、课程选择，成绩查询等功能</a:t>
             </a:r>
-            <a:endParaRPr lang="zh-CN" altLang="en-US" sz="1400" b="1" dirty="0">
-              <a:solidFill>
-                <a:schemeClr val="tx1">
-                  <a:lumMod val="50000"/>
-                  <a:lumOff val="50000"/>
-                </a:schemeClr>
-              </a:solidFill>
-              <a:latin typeface="仿宋" panose="02010609060101010101" charset="-122"/>
-              <a:ea typeface="仿宋" panose="02010609060101010101" charset="-122"/>
-            </a:endParaRPr>
           </a:p>
         </p:txBody>
       </p:sp>
@@ -23702,7 +23687,7 @@
             <a:avLst/>
           </a:prstGeom>
           <a:blipFill>
-            <a:blip r:embed="rId2" cstate="screen"/>
+            <a:blip r:embed="rId5" cstate="screen"/>
             <a:stretch>
               <a:fillRect/>
             </a:stretch>
@@ -23729,6 +23714,7 @@
         </p:style>
         <p:txBody>
           <a:bodyPr rtlCol="0" anchor="ctr"/>
+          <a:lstStyle/>
           <a:p>
             <a:pPr algn="ctr"/>
             <a:endParaRPr lang="zh-CN" altLang="en-US"/>
@@ -23806,6 +23792,7 @@
             </p:style>
             <p:txBody>
               <a:bodyPr rtlCol="0" anchor="ctr"/>
+              <a:lstStyle/>
               <a:p>
                 <a:pPr algn="ctr"/>
                 <a:endParaRPr lang="en-US" altLang="zh-CN" dirty="0"/>
@@ -23912,6 +23899,7 @@
               <a:bodyPr rot="0" spcFirstLastPara="0" vertOverflow="overflow" horzOverflow="overflow" vert="horz" wrap="square" lIns="91440" tIns="45720" rIns="91440" bIns="45720" numCol="1" spcCol="0" rtlCol="0" fromWordArt="0" anchor="ctr" anchorCtr="0" forceAA="0" compatLnSpc="1">
                 <a:noAutofit/>
               </a:bodyPr>
+              <a:lstStyle/>
               <a:p>
                 <a:pPr algn="ctr"/>
                 <a:endParaRPr lang="zh-CN" altLang="en-US" dirty="0"/>
@@ -23939,6 +23927,7 @@
             <a:bodyPr wrap="square" rtlCol="0">
               <a:spAutoFit/>
             </a:bodyPr>
+            <a:lstStyle/>
             <a:p>
               <a:pPr>
                 <a:lnSpc>
@@ -23952,10 +23941,6 @@
                 </a:rPr>
                 <a:t>老师</a:t>
               </a:r>
-              <a:endParaRPr lang="zh-CN" altLang="en-US" sz="2000" b="1" dirty="0">
-                <a:latin typeface="+mj-ea"/>
-                <a:ea typeface="+mj-ea"/>
-              </a:endParaRPr>
             </a:p>
           </p:txBody>
         </p:sp>
@@ -23969,7 +23954,7 @@
         <p:spPr>
           <a:xfrm>
             <a:off x="8488503" y="1842132"/>
-            <a:ext cx="2271616" cy="1706880"/>
+            <a:ext cx="2271616" cy="1334533"/>
           </a:xfrm>
           <a:prstGeom prst="rect">
             <a:avLst/>
@@ -23980,6 +23965,7 @@
           <a:bodyPr wrap="square">
             <a:spAutoFit/>
           </a:bodyPr>
+          <a:lstStyle/>
           <a:p>
             <a:pPr algn="ctr">
               <a:lnSpc>
@@ -23997,18 +23983,8 @@
                 <a:latin typeface="仿宋" panose="02010609060101010101" charset="-122"/>
                 <a:ea typeface="仿宋" panose="02010609060101010101" charset="-122"/>
               </a:rPr>
-              <a:t>后台首页展示、个人信息展示和修改、课程成绩批改班级科目成绩管理、班级科目成绩统计、班级科目对比统计等功能。</a:t>
+              <a:t>后台首页展示、个人信息展示和修改、课程成绩批改班级科目成绩管理等功能。</a:t>
             </a:r>
-            <a:endParaRPr lang="zh-CN" altLang="en-US" sz="1400" b="1" dirty="0">
-              <a:solidFill>
-                <a:schemeClr val="tx1">
-                  <a:lumMod val="50000"/>
-                  <a:lumOff val="50000"/>
-                </a:schemeClr>
-              </a:solidFill>
-              <a:latin typeface="仿宋" panose="02010609060101010101" charset="-122"/>
-              <a:ea typeface="仿宋" panose="02010609060101010101" charset="-122"/>
-            </a:endParaRPr>
           </a:p>
         </p:txBody>
       </p:sp>
@@ -24027,7 +24003,7 @@
             <a:avLst/>
           </a:prstGeom>
           <a:blipFill>
-            <a:blip r:embed="rId3" cstate="screen"/>
+            <a:blip r:embed="rId6" cstate="screen"/>
             <a:stretch>
               <a:fillRect/>
             </a:stretch>
@@ -24054,6 +24030,7 @@
         </p:style>
         <p:txBody>
           <a:bodyPr rtlCol="0" anchor="ctr"/>
+          <a:lstStyle/>
           <a:p>
             <a:pPr algn="ctr"/>
             <a:endParaRPr lang="zh-CN" altLang="en-US"/>
@@ -24062,19 +24039,19 @@
       </p:sp>
     </p:spTree>
     <p:custDataLst>
-      <p:tags r:id="rId4"/>
+      <p:tags r:id="rId1"/>
     </p:custDataLst>
   </p:cSld>
   <p:clrMapOvr>
     <a:masterClrMapping/>
   </p:clrMapOvr>
-  <mc:AlternateContent xmlns:mc="http://schemas.openxmlformats.org/markup-compatibility/2006">
-    <mc:Choice xmlns:p14="http://schemas.microsoft.com/office/powerpoint/2010/main" Requires="p14">
+  <mc:AlternateContent xmlns:mc="http://schemas.openxmlformats.org/markup-compatibility/2006" xmlns:p14="http://schemas.microsoft.com/office/powerpoint/2010/main">
+    <mc:Choice Requires="p14">
       <p:transition spd="slow" p14:dur="900">
         <p14:warp dir="in"/>
       </p:transition>
     </mc:Choice>
-    <mc:Fallback>
+    <mc:Fallback xmlns="">
       <p:transition spd="slow">
         <p:fade/>
       </p:transition>
@@ -25871,11 +25848,6 @@
                   </a:rPr>
                   <a:t>项目分工</a:t>
                 </a:r>
-                <a:endParaRPr lang="zh-CN" altLang="en-US" b="1" dirty="0">
-                  <a:solidFill>
-                    <a:schemeClr val="bg1"/>
-                  </a:solidFill>
-                </a:endParaRPr>
               </a:p>
             </p:txBody>
           </p:sp>
@@ -26030,13 +26002,13 @@
   <p:clrMapOvr>
     <a:masterClrMapping/>
   </p:clrMapOvr>
-  <mc:AlternateContent xmlns:mc="http://schemas.openxmlformats.org/markup-compatibility/2006">
-    <mc:Choice xmlns:p14="http://schemas.microsoft.com/office/powerpoint/2010/main" Requires="p14">
+  <mc:AlternateContent xmlns:mc="http://schemas.openxmlformats.org/markup-compatibility/2006" xmlns:p14="http://schemas.microsoft.com/office/powerpoint/2010/main">
+    <mc:Choice Requires="p14">
       <p:transition spd="slow" p14:dur="900">
         <p14:warp dir="in"/>
       </p:transition>
     </mc:Choice>
-    <mc:Fallback>
+    <mc:Fallback xmlns="">
       <p:transition spd="slow">
         <p:fade/>
       </p:transition>
@@ -26167,7 +26139,6 @@
               <a:rPr lang="zh-CN" altLang="en-US" dirty="0"/>
               <a:t>项目分工</a:t>
             </a:r>
-            <a:endParaRPr lang="zh-CN" altLang="en-US" dirty="0"/>
           </a:p>
         </p:txBody>
       </p:sp>
@@ -26177,7 +26148,7 @@
           <p:cNvSpPr/>
           <p:nvPr>
             <p:custDataLst>
-              <p:tags r:id="rId1"/>
+              <p:tags r:id="rId2"/>
             </p:custDataLst>
           </p:nvPr>
         </p:nvSpPr>
@@ -26235,7 +26206,7 @@
           <p:cNvSpPr/>
           <p:nvPr>
             <p:custDataLst>
-              <p:tags r:id="rId2"/>
+              <p:tags r:id="rId3"/>
             </p:custDataLst>
           </p:nvPr>
         </p:nvSpPr>
@@ -26425,7 +26396,7 @@
           <p:cNvSpPr/>
           <p:nvPr>
             <p:custDataLst>
-              <p:tags r:id="rId3"/>
+              <p:tags r:id="rId4"/>
             </p:custDataLst>
           </p:nvPr>
         </p:nvSpPr>
@@ -26483,7 +26454,7 @@
           <p:cNvSpPr/>
           <p:nvPr>
             <p:custDataLst>
-              <p:tags r:id="rId4"/>
+              <p:tags r:id="rId5"/>
             </p:custDataLst>
           </p:nvPr>
         </p:nvSpPr>
@@ -26673,7 +26644,7 @@
           <p:cNvGrpSpPr/>
           <p:nvPr>
             <p:custDataLst>
-              <p:tags r:id="rId5"/>
+              <p:tags r:id="rId6"/>
             </p:custDataLst>
           </p:nvPr>
         </p:nvGrpSpPr>
@@ -26691,7 +26662,7 @@
             <p:cNvSpPr txBox="1"/>
             <p:nvPr>
               <p:custDataLst>
-                <p:tags r:id="rId6"/>
+                <p:tags r:id="rId19"/>
               </p:custDataLst>
             </p:nvPr>
           </p:nvSpPr>
@@ -26739,11 +26710,6 @@
                 </a:rPr>
                 <a:t>需求分析，规划项目进度，撰写文档（需求规约、数据库设计、系统架构）</a:t>
               </a:r>
-              <a:endParaRPr sz="1600" b="1" dirty="0">
-                <a:latin typeface="仿宋" panose="02010609060101010101" charset="-122"/>
-                <a:ea typeface="仿宋" panose="02010609060101010101" charset="-122"/>
-                <a:sym typeface="HarmonyOS Sans SC Light" panose="00000400000000000000" pitchFamily="2" charset="-122"/>
-              </a:endParaRPr>
             </a:p>
           </p:txBody>
         </p:sp>
@@ -26753,7 +26719,7 @@
             <p:cNvSpPr txBox="1"/>
             <p:nvPr>
               <p:custDataLst>
-                <p:tags r:id="rId7"/>
+                <p:tags r:id="rId20"/>
               </p:custDataLst>
             </p:nvPr>
           </p:nvSpPr>
@@ -26800,12 +26766,6 @@
                 </a:rPr>
                 <a:t>翟开盛</a:t>
               </a:r>
-              <a:endParaRPr lang="zh-CN" altLang="en-US" dirty="0">
-                <a:solidFill>
-                  <a:schemeClr val="bg1"/>
-                </a:solidFill>
-                <a:sym typeface="HarmonyOS Sans SC Light" panose="00000400000000000000" pitchFamily="2" charset="-122"/>
-              </a:endParaRPr>
             </a:p>
           </p:txBody>
         </p:sp>
@@ -26816,7 +26776,7 @@
           <p:cNvGrpSpPr/>
           <p:nvPr>
             <p:custDataLst>
-              <p:tags r:id="rId8"/>
+              <p:tags r:id="rId7"/>
             </p:custDataLst>
           </p:nvPr>
         </p:nvGrpSpPr>
@@ -26834,7 +26794,7 @@
             <p:cNvSpPr txBox="1"/>
             <p:nvPr>
               <p:custDataLst>
-                <p:tags r:id="rId9"/>
+                <p:tags r:id="rId17"/>
               </p:custDataLst>
             </p:nvPr>
           </p:nvSpPr>
@@ -26892,12 +26852,6 @@
                 </a:rPr>
                 <a:t>2</a:t>
               </a:r>
-              <a:endParaRPr lang="en-US" altLang="zh-CN" sz="1600" b="1" dirty="0">
-                <a:latin typeface="仿宋" panose="02010609060101010101" charset="-122"/>
-                <a:ea typeface="仿宋" panose="02010609060101010101" charset="-122"/>
-                <a:cs typeface="仿宋" panose="02010609060101010101" charset="-122"/>
-                <a:sym typeface="HarmonyOS Sans SC Light" panose="00000400000000000000" pitchFamily="2" charset="-122"/>
-              </a:endParaRPr>
             </a:p>
           </p:txBody>
         </p:sp>
@@ -26907,7 +26861,7 @@
             <p:cNvSpPr txBox="1"/>
             <p:nvPr>
               <p:custDataLst>
-                <p:tags r:id="rId10"/>
+                <p:tags r:id="rId18"/>
               </p:custDataLst>
             </p:nvPr>
           </p:nvSpPr>
@@ -26954,12 +26908,6 @@
                 </a:rPr>
                 <a:t>陈柏源</a:t>
               </a:r>
-              <a:endParaRPr lang="zh-CN" altLang="en-US" dirty="0">
-                <a:solidFill>
-                  <a:schemeClr val="bg1"/>
-                </a:solidFill>
-                <a:sym typeface="HarmonyOS Sans SC Light" panose="00000400000000000000" pitchFamily="2" charset="-122"/>
-              </a:endParaRPr>
             </a:p>
           </p:txBody>
         </p:sp>
@@ -26970,7 +26918,7 @@
           <p:cNvGrpSpPr/>
           <p:nvPr>
             <p:custDataLst>
-              <p:tags r:id="rId11"/>
+              <p:tags r:id="rId8"/>
             </p:custDataLst>
           </p:nvPr>
         </p:nvGrpSpPr>
@@ -26988,7 +26936,7 @@
             <p:cNvSpPr txBox="1"/>
             <p:nvPr>
               <p:custDataLst>
-                <p:tags r:id="rId12"/>
+                <p:tags r:id="rId15"/>
               </p:custDataLst>
             </p:nvPr>
           </p:nvSpPr>
@@ -27046,12 +26994,6 @@
                 </a:rPr>
                 <a:t>1</a:t>
               </a:r>
-              <a:endParaRPr lang="en-US" altLang="zh-CN" sz="1600" b="1" dirty="0">
-                <a:latin typeface="仿宋" panose="02010609060101010101" charset="-122"/>
-                <a:ea typeface="仿宋" panose="02010609060101010101" charset="-122"/>
-                <a:cs typeface="仿宋" panose="02010609060101010101" charset="-122"/>
-                <a:sym typeface="HarmonyOS Sans SC Light" panose="00000400000000000000" pitchFamily="2" charset="-122"/>
-              </a:endParaRPr>
             </a:p>
           </p:txBody>
         </p:sp>
@@ -27061,7 +27003,7 @@
             <p:cNvSpPr txBox="1"/>
             <p:nvPr>
               <p:custDataLst>
-                <p:tags r:id="rId13"/>
+                <p:tags r:id="rId16"/>
               </p:custDataLst>
             </p:nvPr>
           </p:nvSpPr>
@@ -27108,12 +27050,6 @@
                 </a:rPr>
                 <a:t>姜钧域</a:t>
               </a:r>
-              <a:endParaRPr lang="zh-CN" altLang="en-US" dirty="0">
-                <a:solidFill>
-                  <a:schemeClr val="bg1"/>
-                </a:solidFill>
-                <a:sym typeface="HarmonyOS Sans SC Light" panose="00000400000000000000" pitchFamily="2" charset="-122"/>
-              </a:endParaRPr>
             </a:p>
           </p:txBody>
         </p:sp>
@@ -27124,16 +27060,16 @@
           <p:cNvGrpSpPr/>
           <p:nvPr>
             <p:custDataLst>
-              <p:tags r:id="rId14"/>
+              <p:tags r:id="rId9"/>
             </p:custDataLst>
           </p:nvPr>
         </p:nvGrpSpPr>
         <p:grpSpPr>
           <a:xfrm>
             <a:off x="7225868" y="3254877"/>
-            <a:ext cx="2089871" cy="1361742"/>
+            <a:ext cx="2089871" cy="1305324"/>
             <a:chOff x="99945" y="1668003"/>
-            <a:chExt cx="2089871" cy="1361742"/>
+            <a:chExt cx="2089871" cy="1305324"/>
           </a:xfrm>
         </p:grpSpPr>
         <p:sp>
@@ -27142,14 +27078,14 @@
             <p:cNvSpPr txBox="1"/>
             <p:nvPr>
               <p:custDataLst>
-                <p:tags r:id="rId15"/>
+                <p:tags r:id="rId13"/>
               </p:custDataLst>
             </p:nvPr>
           </p:nvSpPr>
           <p:spPr>
             <a:xfrm>
               <a:off x="99945" y="2569370"/>
-              <a:ext cx="2089871" cy="460375"/>
+              <a:ext cx="2089871" cy="403957"/>
             </a:xfrm>
             <a:prstGeom prst="rect">
               <a:avLst/>
@@ -27191,15 +27127,6 @@
                 </a:rPr>
                 <a:t>后端代码</a:t>
               </a:r>
-              <a:r>
-                <a:rPr lang="en-US" altLang="zh-CN" sz="1600" b="1" dirty="0">
-                  <a:latin typeface="仿宋" panose="02010609060101010101" charset="-122"/>
-                  <a:ea typeface="仿宋" panose="02010609060101010101" charset="-122"/>
-                  <a:cs typeface="仿宋" panose="02010609060101010101" charset="-122"/>
-                  <a:sym typeface="HarmonyOS Sans SC Light" panose="00000400000000000000" pitchFamily="2" charset="-122"/>
-                </a:rPr>
-                <a:t>..</a:t>
-              </a:r>
               <a:endParaRPr lang="en-US" altLang="zh-CN" sz="1600" b="1" dirty="0">
                 <a:latin typeface="仿宋" panose="02010609060101010101" charset="-122"/>
                 <a:ea typeface="仿宋" panose="02010609060101010101" charset="-122"/>
@@ -27215,7 +27142,7 @@
             <p:cNvSpPr txBox="1"/>
             <p:nvPr>
               <p:custDataLst>
-                <p:tags r:id="rId16"/>
+                <p:tags r:id="rId14"/>
               </p:custDataLst>
             </p:nvPr>
           </p:nvSpPr>
@@ -27262,12 +27189,6 @@
                 </a:rPr>
                 <a:t>王彦哲</a:t>
               </a:r>
-              <a:endParaRPr lang="zh-CN" altLang="en-US" dirty="0">
-                <a:solidFill>
-                  <a:schemeClr val="bg1"/>
-                </a:solidFill>
-                <a:sym typeface="HarmonyOS Sans SC Light" panose="00000400000000000000" pitchFamily="2" charset="-122"/>
-              </a:endParaRPr>
             </a:p>
           </p:txBody>
         </p:sp>
@@ -27278,7 +27199,7 @@
           <p:cNvSpPr/>
           <p:nvPr>
             <p:custDataLst>
-              <p:tags r:id="rId17"/>
+              <p:tags r:id="rId10"/>
             </p:custDataLst>
           </p:nvPr>
         </p:nvSpPr>
@@ -27319,6 +27240,7 @@
         </p:style>
         <p:txBody>
           <a:bodyPr rtlCol="0" anchor="ctr"/>
+          <a:lstStyle/>
           <a:p>
             <a:pPr algn="ctr"/>
             <a:endParaRPr lang="zh-CN" altLang="en-US" sz="1600" dirty="0">
@@ -27335,7 +27257,7 @@
           <p:cNvSpPr txBox="1"/>
           <p:nvPr>
             <p:custDataLst>
-              <p:tags r:id="rId18"/>
+              <p:tags r:id="rId11"/>
             </p:custDataLst>
           </p:nvPr>
         </p:nvSpPr>
@@ -27382,12 +27304,6 @@
               </a:rPr>
               <a:t>罗博才</a:t>
             </a:r>
-            <a:endParaRPr lang="zh-CN" altLang="en-US" dirty="0">
-              <a:solidFill>
-                <a:schemeClr val="bg1"/>
-              </a:solidFill>
-              <a:sym typeface="HarmonyOS Sans SC Light" panose="00000400000000000000" pitchFamily="2" charset="-122"/>
-            </a:endParaRPr>
           </a:p>
         </p:txBody>
       </p:sp>
@@ -27397,7 +27313,7 @@
           <p:cNvSpPr txBox="1"/>
           <p:nvPr>
             <p:custDataLst>
-              <p:tags r:id="rId19"/>
+              <p:tags r:id="rId12"/>
             </p:custDataLst>
           </p:nvPr>
         </p:nvSpPr>
@@ -27445,29 +27361,24 @@
               </a:rPr>
               <a:t>编写测试用例，单元测试，集成测试</a:t>
             </a:r>
-            <a:endParaRPr sz="1600" b="1" dirty="0">
-              <a:latin typeface="仿宋" panose="02010609060101010101" charset="-122"/>
-              <a:ea typeface="仿宋" panose="02010609060101010101" charset="-122"/>
-              <a:sym typeface="HarmonyOS Sans SC Light" panose="00000400000000000000" pitchFamily="2" charset="-122"/>
-            </a:endParaRPr>
           </a:p>
         </p:txBody>
       </p:sp>
     </p:spTree>
     <p:custDataLst>
-      <p:tags r:id="rId20"/>
+      <p:tags r:id="rId1"/>
     </p:custDataLst>
   </p:cSld>
   <p:clrMapOvr>
     <a:masterClrMapping/>
   </p:clrMapOvr>
-  <mc:AlternateContent xmlns:mc="http://schemas.openxmlformats.org/markup-compatibility/2006">
-    <mc:Choice xmlns:p14="http://schemas.microsoft.com/office/powerpoint/2010/main" Requires="p14">
+  <mc:AlternateContent xmlns:mc="http://schemas.openxmlformats.org/markup-compatibility/2006" xmlns:p14="http://schemas.microsoft.com/office/powerpoint/2010/main">
+    <mc:Choice Requires="p14">
       <p:transition spd="slow" p14:dur="900">
         <p14:warp dir="in"/>
       </p:transition>
     </mc:Choice>
-    <mc:Fallback>
+    <mc:Fallback xmlns="">
       <p:transition spd="slow">
         <p:fade/>
       </p:transition>
@@ -29046,11 +28957,6 @@
                   </a:rPr>
                   <a:t>项目技术</a:t>
                 </a:r>
-                <a:endParaRPr lang="zh-CN" altLang="en-US" b="1" dirty="0">
-                  <a:solidFill>
-                    <a:schemeClr val="bg1"/>
-                  </a:solidFill>
-                </a:endParaRPr>
               </a:p>
             </p:txBody>
           </p:sp>
@@ -29238,17 +29144,6 @@
               </a:rPr>
               <a:t>web框架：SpringBoot3.X</a:t>
             </a:r>
-            <a:endParaRPr lang="zh-CN" altLang="en-US" sz="1600" b="1" dirty="0">
-              <a:solidFill>
-                <a:schemeClr val="tx1">
-                  <a:lumMod val="50000"/>
-                  <a:lumOff val="50000"/>
-                </a:schemeClr>
-              </a:solidFill>
-              <a:latin typeface="仿宋" panose="02010609060101010101" charset="-122"/>
-              <a:ea typeface="仿宋" panose="02010609060101010101" charset="-122"/>
-              <a:cs typeface="仿宋" panose="02010609060101010101" charset="-122"/>
-            </a:endParaRPr>
           </a:p>
           <a:p>
             <a:pPr>
@@ -29270,17 +29165,6 @@
               </a:rPr>
               <a:t>数据库框架：Sping Data JPA</a:t>
             </a:r>
-            <a:endParaRPr lang="zh-CN" altLang="en-US" sz="1600" b="1" dirty="0">
-              <a:solidFill>
-                <a:schemeClr val="tx1">
-                  <a:lumMod val="50000"/>
-                  <a:lumOff val="50000"/>
-                </a:schemeClr>
-              </a:solidFill>
-              <a:latin typeface="仿宋" panose="02010609060101010101" charset="-122"/>
-              <a:ea typeface="仿宋" panose="02010609060101010101" charset="-122"/>
-              <a:cs typeface="仿宋" panose="02010609060101010101" charset="-122"/>
-            </a:endParaRPr>
           </a:p>
           <a:p>
             <a:pPr>
@@ -29302,17 +29186,6 @@
               </a:rPr>
               <a:t>数据库：MySql</a:t>
             </a:r>
-            <a:endParaRPr lang="zh-CN" altLang="en-US" sz="1600" b="1" dirty="0">
-              <a:solidFill>
-                <a:schemeClr val="tx1">
-                  <a:lumMod val="50000"/>
-                  <a:lumOff val="50000"/>
-                </a:schemeClr>
-              </a:solidFill>
-              <a:latin typeface="仿宋" panose="02010609060101010101" charset="-122"/>
-              <a:ea typeface="仿宋" panose="02010609060101010101" charset="-122"/>
-              <a:cs typeface="仿宋" panose="02010609060101010101" charset="-122"/>
-            </a:endParaRPr>
           </a:p>
           <a:p>
             <a:pPr>
@@ -29334,17 +29207,6 @@
               </a:rPr>
               <a:t>项目构建工具：Maven、vite</a:t>
             </a:r>
-            <a:endParaRPr lang="zh-CN" altLang="en-US" sz="1600" b="1" dirty="0">
-              <a:solidFill>
-                <a:schemeClr val="tx1">
-                  <a:lumMod val="50000"/>
-                  <a:lumOff val="50000"/>
-                </a:schemeClr>
-              </a:solidFill>
-              <a:latin typeface="仿宋" panose="02010609060101010101" charset="-122"/>
-              <a:ea typeface="仿宋" panose="02010609060101010101" charset="-122"/>
-              <a:cs typeface="仿宋" panose="02010609060101010101" charset="-122"/>
-            </a:endParaRPr>
           </a:p>
           <a:p>
             <a:pPr>
@@ -29364,19 +29226,36 @@
                 <a:ea typeface="仿宋" panose="02010609060101010101" charset="-122"/>
                 <a:cs typeface="仿宋" panose="02010609060101010101" charset="-122"/>
               </a:rPr>
-              <a:t>前端框架：Vue3.X、element plus、pina、axios、Vue Router</a:t>
+              <a:t>前端框架：Vue3.X、element plus、pin</a:t>
             </a:r>
-            <a:endParaRPr lang="zh-CN" altLang="en-US" sz="1600" b="1" dirty="0">
-              <a:solidFill>
-                <a:schemeClr val="tx1">
-                  <a:lumMod val="50000"/>
-                  <a:lumOff val="50000"/>
-                </a:schemeClr>
-              </a:solidFill>
-              <a:latin typeface="仿宋" panose="02010609060101010101" charset="-122"/>
-              <a:ea typeface="仿宋" panose="02010609060101010101" charset="-122"/>
-              <a:cs typeface="仿宋" panose="02010609060101010101" charset="-122"/>
-            </a:endParaRPr>
+            <a:r>
+              <a:rPr lang="en-US" altLang="zh-CN" sz="1600" b="1" dirty="0" err="1">
+                <a:solidFill>
+                  <a:schemeClr val="tx1">
+                    <a:lumMod val="50000"/>
+                    <a:lumOff val="50000"/>
+                  </a:schemeClr>
+                </a:solidFill>
+                <a:latin typeface="仿宋" panose="02010609060101010101" charset="-122"/>
+                <a:ea typeface="仿宋" panose="02010609060101010101" charset="-122"/>
+                <a:cs typeface="仿宋" panose="02010609060101010101" charset="-122"/>
+              </a:rPr>
+              <a:t>i</a:t>
+            </a:r>
+            <a:r>
+              <a:rPr lang="zh-CN" altLang="en-US" sz="1600" b="1" dirty="0">
+                <a:solidFill>
+                  <a:schemeClr val="tx1">
+                    <a:lumMod val="50000"/>
+                    <a:lumOff val="50000"/>
+                  </a:schemeClr>
+                </a:solidFill>
+                <a:latin typeface="仿宋" panose="02010609060101010101" charset="-122"/>
+                <a:ea typeface="仿宋" panose="02010609060101010101" charset="-122"/>
+                <a:cs typeface="仿宋" panose="02010609060101010101" charset="-122"/>
+              </a:rPr>
+              <a:t>a、axios、Vue Router</a:t>
+            </a:r>
           </a:p>
           <a:p>
             <a:pPr>
@@ -29398,17 +29277,6 @@
               </a:rPr>
               <a:t>数据图表：ECharts</a:t>
             </a:r>
-            <a:endParaRPr lang="zh-CN" altLang="en-US" sz="1600" b="1" dirty="0">
-              <a:solidFill>
-                <a:schemeClr val="tx1">
-                  <a:lumMod val="50000"/>
-                  <a:lumOff val="50000"/>
-                </a:schemeClr>
-              </a:solidFill>
-              <a:latin typeface="仿宋" panose="02010609060101010101" charset="-122"/>
-              <a:ea typeface="仿宋" panose="02010609060101010101" charset="-122"/>
-              <a:cs typeface="仿宋" panose="02010609060101010101" charset="-122"/>
-            </a:endParaRPr>
           </a:p>
         </p:txBody>
       </p:sp>
@@ -29420,13 +29288,13 @@
   <p:clrMapOvr>
     <a:masterClrMapping/>
   </p:clrMapOvr>
-  <mc:AlternateContent xmlns:mc="http://schemas.openxmlformats.org/markup-compatibility/2006">
-    <mc:Choice xmlns:p14="http://schemas.microsoft.com/office/powerpoint/2010/main" Requires="p14">
+  <mc:AlternateContent xmlns:mc="http://schemas.openxmlformats.org/markup-compatibility/2006" xmlns:p14="http://schemas.microsoft.com/office/powerpoint/2010/main">
+    <mc:Choice Requires="p14">
       <p:transition spd="slow" p14:dur="900">
         <p14:warp dir="in"/>
       </p:transition>
     </mc:Choice>
-    <mc:Fallback>
+    <mc:Fallback xmlns="">
       <p:transition spd="slow">
         <p:fade/>
       </p:transition>
@@ -31223,11 +31091,6 @@
                   </a:rPr>
                   <a:t>成果展示</a:t>
                 </a:r>
-                <a:endParaRPr lang="zh-CN" altLang="en-US" b="1" dirty="0">
-                  <a:solidFill>
-                    <a:schemeClr val="bg1"/>
-                  </a:solidFill>
-                </a:endParaRPr>
               </a:p>
             </p:txBody>
           </p:sp>
@@ -31420,13 +31283,13 @@
   <p:clrMapOvr>
     <a:masterClrMapping/>
   </p:clrMapOvr>
-  <mc:AlternateContent xmlns:mc="http://schemas.openxmlformats.org/markup-compatibility/2006">
-    <mc:Choice xmlns:p14="http://schemas.microsoft.com/office/powerpoint/2010/main" Requires="p14">
+  <mc:AlternateContent xmlns:mc="http://schemas.openxmlformats.org/markup-compatibility/2006" xmlns:p14="http://schemas.microsoft.com/office/powerpoint/2010/main">
+    <mc:Choice Requires="p14">
       <p:transition spd="slow" p14:dur="900">
         <p14:warp dir="in"/>
       </p:transition>
     </mc:Choice>
-    <mc:Fallback>
+    <mc:Fallback xmlns="">
       <p:transition spd="slow">
         <p:fade/>
       </p:transition>
@@ -31563,7 +31426,6 @@
               <a:rPr lang="zh-CN" altLang="en-US" dirty="0"/>
               <a:t>成果展示</a:t>
             </a:r>
-            <a:endParaRPr lang="zh-CN" altLang="en-US" dirty="0"/>
           </a:p>
         </p:txBody>
       </p:sp>
@@ -31576,7 +31438,7 @@
           <p:nvPr/>
         </p:nvPicPr>
         <p:blipFill>
-          <a:blip r:embed="rId1"/>
+          <a:blip r:embed="rId4"/>
           <a:stretch>
             <a:fillRect/>
           </a:stretch>
@@ -31593,19 +31455,19 @@
       </p:pic>
     </p:spTree>
     <p:custDataLst>
-      <p:tags r:id="rId2"/>
+      <p:tags r:id="rId1"/>
     </p:custDataLst>
   </p:cSld>
   <p:clrMapOvr>
     <a:masterClrMapping/>
   </p:clrMapOvr>
-  <mc:AlternateContent xmlns:mc="http://schemas.openxmlformats.org/markup-compatibility/2006">
-    <mc:Choice xmlns:p14="http://schemas.microsoft.com/office/powerpoint/2010/main" Requires="p14">
+  <mc:AlternateContent xmlns:mc="http://schemas.openxmlformats.org/markup-compatibility/2006" xmlns:p14="http://schemas.microsoft.com/office/powerpoint/2010/main">
+    <mc:Choice Requires="p14">
       <p:transition spd="slow" p14:dur="900">
         <p14:warp dir="in"/>
       </p:transition>
     </mc:Choice>
-    <mc:Fallback>
+    <mc:Fallback xmlns="">
       <p:transition spd="slow">
         <p:fade/>
       </p:transition>
@@ -31615,319 +31477,319 @@
 </file>
 
 <file path=ppt/tags/tag1.xml><?xml version="1.0" encoding="utf-8"?>
-<p:tagLst xmlns:p="http://schemas.openxmlformats.org/presentationml/2006/main">
-  <p:tag name="ISLIDE.ICON" val="#157818;#35668;#170281;"/>
+<p:tagLst xmlns:a="http://schemas.openxmlformats.org/drawingml/2006/main" xmlns:r="http://schemas.openxmlformats.org/officeDocument/2006/relationships" xmlns:p="http://schemas.openxmlformats.org/presentationml/2006/main">
+  <p:tag name="COMMONDATA" val="eyJoZGlkIjoiNWQ3YmFhYWQ4NDA2YmNjMTdkODA3YWI1YTM3MDU4ZGYifQ=="/>
 </p:tagLst>
 </file>
 
 <file path=ppt/tags/tag10.xml><?xml version="1.0" encoding="utf-8"?>
-<p:tagLst xmlns:p="http://schemas.openxmlformats.org/presentationml/2006/main">
+<p:tagLst xmlns:a="http://schemas.openxmlformats.org/drawingml/2006/main" xmlns:r="http://schemas.openxmlformats.org/officeDocument/2006/relationships" xmlns:p="http://schemas.openxmlformats.org/presentationml/2006/main">
   <p:tag name="KSO_WM_DIAGRAM_VIRTUALLY_FRAME" val="{&quot;height&quot;:159.89244094488186,&quot;left&quot;:170.00850393700787,&quot;top&quot;:152.97007874015748,&quot;width&quot;:618.5473228346457}"/>
 </p:tagLst>
 </file>
 
 <file path=ppt/tags/tag11.xml><?xml version="1.0" encoding="utf-8"?>
-<p:tagLst xmlns:p="http://schemas.openxmlformats.org/presentationml/2006/main">
+<p:tagLst xmlns:a="http://schemas.openxmlformats.org/drawingml/2006/main" xmlns:r="http://schemas.openxmlformats.org/officeDocument/2006/relationships" xmlns:p="http://schemas.openxmlformats.org/presentationml/2006/main">
   <p:tag name="KSO_WM_DIAGRAM_VIRTUALLY_FRAME" val="{&quot;height&quot;:159.89244094488186,&quot;left&quot;:170.00850393700787,&quot;top&quot;:152.97007874015748,&quot;width&quot;:618.5473228346457}"/>
 </p:tagLst>
 </file>
 
 <file path=ppt/tags/tag12.xml><?xml version="1.0" encoding="utf-8"?>
-<p:tagLst xmlns:p="http://schemas.openxmlformats.org/presentationml/2006/main">
+<p:tagLst xmlns:a="http://schemas.openxmlformats.org/drawingml/2006/main" xmlns:r="http://schemas.openxmlformats.org/officeDocument/2006/relationships" xmlns:p="http://schemas.openxmlformats.org/presentationml/2006/main">
   <p:tag name="KSO_WM_DIAGRAM_VIRTUALLY_FRAME" val="{&quot;height&quot;:159.89244094488186,&quot;left&quot;:170.00850393700787,&quot;top&quot;:152.97007874015748,&quot;width&quot;:618.5473228346457}"/>
 </p:tagLst>
 </file>
 
 <file path=ppt/tags/tag13.xml><?xml version="1.0" encoding="utf-8"?>
-<p:tagLst xmlns:p="http://schemas.openxmlformats.org/presentationml/2006/main">
+<p:tagLst xmlns:a="http://schemas.openxmlformats.org/drawingml/2006/main" xmlns:r="http://schemas.openxmlformats.org/officeDocument/2006/relationships" xmlns:p="http://schemas.openxmlformats.org/presentationml/2006/main">
   <p:tag name="KSO_WM_DIAGRAM_VIRTUALLY_FRAME" val="{&quot;height&quot;:159.89244094488186,&quot;left&quot;:170.00850393700787,&quot;top&quot;:152.97007874015748,&quot;width&quot;:618.5473228346457}"/>
 </p:tagLst>
 </file>
 
 <file path=ppt/tags/tag14.xml><?xml version="1.0" encoding="utf-8"?>
-<p:tagLst xmlns:p="http://schemas.openxmlformats.org/presentationml/2006/main">
+<p:tagLst xmlns:a="http://schemas.openxmlformats.org/drawingml/2006/main" xmlns:r="http://schemas.openxmlformats.org/officeDocument/2006/relationships" xmlns:p="http://schemas.openxmlformats.org/presentationml/2006/main">
   <p:tag name="KSO_WM_DIAGRAM_VIRTUALLY_FRAME" val="{&quot;height&quot;:159.89244094488186,&quot;left&quot;:170.00850393700787,&quot;top&quot;:152.97007874015748,&quot;width&quot;:618.5473228346457}"/>
 </p:tagLst>
 </file>
 
 <file path=ppt/tags/tag15.xml><?xml version="1.0" encoding="utf-8"?>
-<p:tagLst xmlns:p="http://schemas.openxmlformats.org/presentationml/2006/main">
+<p:tagLst xmlns:a="http://schemas.openxmlformats.org/drawingml/2006/main" xmlns:r="http://schemas.openxmlformats.org/officeDocument/2006/relationships" xmlns:p="http://schemas.openxmlformats.org/presentationml/2006/main">
   <p:tag name="KSO_WM_DIAGRAM_VIRTUALLY_FRAME" val="{&quot;height&quot;:159.89244094488186,&quot;left&quot;:170.00850393700787,&quot;top&quot;:152.97007874015748,&quot;width&quot;:618.5473228346457}"/>
 </p:tagLst>
 </file>
 
 <file path=ppt/tags/tag16.xml><?xml version="1.0" encoding="utf-8"?>
-<p:tagLst xmlns:p="http://schemas.openxmlformats.org/presentationml/2006/main">
+<p:tagLst xmlns:a="http://schemas.openxmlformats.org/drawingml/2006/main" xmlns:r="http://schemas.openxmlformats.org/officeDocument/2006/relationships" xmlns:p="http://schemas.openxmlformats.org/presentationml/2006/main">
   <p:tag name="KSO_WM_DIAGRAM_VIRTUALLY_FRAME" val="{&quot;height&quot;:159.89244094488186,&quot;left&quot;:170.00850393700787,&quot;top&quot;:152.97007874015748,&quot;width&quot;:618.5473228346457}"/>
 </p:tagLst>
 </file>
 
 <file path=ppt/tags/tag17.xml><?xml version="1.0" encoding="utf-8"?>
-<p:tagLst xmlns:p="http://schemas.openxmlformats.org/presentationml/2006/main">
+<p:tagLst xmlns:a="http://schemas.openxmlformats.org/drawingml/2006/main" xmlns:r="http://schemas.openxmlformats.org/officeDocument/2006/relationships" xmlns:p="http://schemas.openxmlformats.org/presentationml/2006/main">
   <p:tag name="KSO_WM_DIAGRAM_VIRTUALLY_FRAME" val="{&quot;height&quot;:159.89244094488186,&quot;left&quot;:170.00850393700787,&quot;top&quot;:152.97007874015748,&quot;width&quot;:618.5473228346457}"/>
 </p:tagLst>
 </file>
 
 <file path=ppt/tags/tag18.xml><?xml version="1.0" encoding="utf-8"?>
-<p:tagLst xmlns:p="http://schemas.openxmlformats.org/presentationml/2006/main">
+<p:tagLst xmlns:a="http://schemas.openxmlformats.org/drawingml/2006/main" xmlns:r="http://schemas.openxmlformats.org/officeDocument/2006/relationships" xmlns:p="http://schemas.openxmlformats.org/presentationml/2006/main">
   <p:tag name="KSO_WM_DIAGRAM_VIRTUALLY_FRAME" val="{&quot;height&quot;:159.89244094488186,&quot;left&quot;:170.00850393700787,&quot;top&quot;:152.97007874015748,&quot;width&quot;:618.5473228346457}"/>
 </p:tagLst>
 </file>
 
 <file path=ppt/tags/tag19.xml><?xml version="1.0" encoding="utf-8"?>
-<p:tagLst xmlns:p="http://schemas.openxmlformats.org/presentationml/2006/main">
+<p:tagLst xmlns:a="http://schemas.openxmlformats.org/drawingml/2006/main" xmlns:r="http://schemas.openxmlformats.org/officeDocument/2006/relationships" xmlns:p="http://schemas.openxmlformats.org/presentationml/2006/main">
   <p:tag name="KSO_WM_DIAGRAM_VIRTUALLY_FRAME" val="{&quot;height&quot;:159.89244094488186,&quot;left&quot;:170.00850393700787,&quot;top&quot;:152.97007874015748,&quot;width&quot;:618.5473228346457}"/>
 </p:tagLst>
 </file>
 
 <file path=ppt/tags/tag2.xml><?xml version="1.0" encoding="utf-8"?>
-<p:tagLst xmlns:p="http://schemas.openxmlformats.org/presentationml/2006/main">
-  <p:tag name="KSO_WM_DIAGRAM_VIRTUALLY_FRAME" val="{&quot;height&quot;:159.89244094488186,&quot;left&quot;:170.00850393700787,&quot;top&quot;:152.97007874015748,&quot;width&quot;:618.5473228346457}"/>
+<p:tagLst xmlns:a="http://schemas.openxmlformats.org/drawingml/2006/main" xmlns:r="http://schemas.openxmlformats.org/officeDocument/2006/relationships" xmlns:p="http://schemas.openxmlformats.org/presentationml/2006/main">
+  <p:tag name="ISLIDE.ICON" val="#157818;#35668;#170281;"/>
 </p:tagLst>
 </file>
 
 <file path=ppt/tags/tag20.xml><?xml version="1.0" encoding="utf-8"?>
-<p:tagLst xmlns:p="http://schemas.openxmlformats.org/presentationml/2006/main">
+<p:tagLst xmlns:a="http://schemas.openxmlformats.org/drawingml/2006/main" xmlns:r="http://schemas.openxmlformats.org/officeDocument/2006/relationships" xmlns:p="http://schemas.openxmlformats.org/presentationml/2006/main">
   <p:tag name="KSO_WM_DIAGRAM_VIRTUALLY_FRAME" val="{&quot;height&quot;:159.89244094488186,&quot;left&quot;:170.00850393700787,&quot;top&quot;:152.97007874015748,&quot;width&quot;:618.5473228346457}"/>
 </p:tagLst>
 </file>
 
 <file path=ppt/tags/tag21.xml><?xml version="1.0" encoding="utf-8"?>
-<p:tagLst xmlns:p="http://schemas.openxmlformats.org/presentationml/2006/main">
+<p:tagLst xmlns:a="http://schemas.openxmlformats.org/drawingml/2006/main" xmlns:r="http://schemas.openxmlformats.org/officeDocument/2006/relationships" xmlns:p="http://schemas.openxmlformats.org/presentationml/2006/main">
   <p:tag name="KSO_WM_DIAGRAM_VIRTUALLY_FRAME" val="{&quot;height&quot;:159.89244094488186,&quot;left&quot;:170.00850393700787,&quot;top&quot;:152.97007874015748,&quot;width&quot;:618.5473228346457}"/>
 </p:tagLst>
 </file>
 
 <file path=ppt/tags/tag22.xml><?xml version="1.0" encoding="utf-8"?>
-<p:tagLst xmlns:p="http://schemas.openxmlformats.org/presentationml/2006/main">
-  <p:tag name="ISLIDE.ICON" val="#157818;#35668;#170281;"/>
+<p:tagLst xmlns:a="http://schemas.openxmlformats.org/drawingml/2006/main" xmlns:r="http://schemas.openxmlformats.org/officeDocument/2006/relationships" xmlns:p="http://schemas.openxmlformats.org/presentationml/2006/main">
+  <p:tag name="KSO_WM_DIAGRAM_VIRTUALLY_FRAME" val="{&quot;height&quot;:159.89244094488186,&quot;left&quot;:170.00850393700787,&quot;top&quot;:152.97007874015748,&quot;width&quot;:618.5473228346457}"/>
 </p:tagLst>
 </file>
 
 <file path=ppt/tags/tag23.xml><?xml version="1.0" encoding="utf-8"?>
-<p:tagLst xmlns:p="http://schemas.openxmlformats.org/presentationml/2006/main">
-  <p:tag name="ISLIDE.ICON" val="#157818;#35668;#170281;"/>
+<p:tagLst xmlns:a="http://schemas.openxmlformats.org/drawingml/2006/main" xmlns:r="http://schemas.openxmlformats.org/officeDocument/2006/relationships" xmlns:p="http://schemas.openxmlformats.org/presentationml/2006/main">
+  <p:tag name="KSO_WM_DIAGRAM_VIRTUALLY_FRAME" val="{&quot;height&quot;:159.89244094488186,&quot;left&quot;:170.00850393700787,&quot;top&quot;:152.97007874015748,&quot;width&quot;:618.5473228346457}"/>
 </p:tagLst>
 </file>
 
 <file path=ppt/tags/tag24.xml><?xml version="1.0" encoding="utf-8"?>
-<p:tagLst xmlns:p="http://schemas.openxmlformats.org/presentationml/2006/main">
+<p:tagLst xmlns:a="http://schemas.openxmlformats.org/drawingml/2006/main" xmlns:r="http://schemas.openxmlformats.org/officeDocument/2006/relationships" xmlns:p="http://schemas.openxmlformats.org/presentationml/2006/main">
   <p:tag name="ISLIDE.ICON" val="#157818;#35668;#170281;"/>
 </p:tagLst>
 </file>
 
 <file path=ppt/tags/tag25.xml><?xml version="1.0" encoding="utf-8"?>
-<p:tagLst xmlns:p="http://schemas.openxmlformats.org/presentationml/2006/main">
+<p:tagLst xmlns:a="http://schemas.openxmlformats.org/drawingml/2006/main" xmlns:r="http://schemas.openxmlformats.org/officeDocument/2006/relationships" xmlns:p="http://schemas.openxmlformats.org/presentationml/2006/main">
   <p:tag name="ISLIDE.ICON" val="#157818;#35668;#170281;"/>
 </p:tagLst>
 </file>
 
 <file path=ppt/tags/tag26.xml><?xml version="1.0" encoding="utf-8"?>
-<p:tagLst xmlns:p="http://schemas.openxmlformats.org/presentationml/2006/main">
-  <p:tag name="KSO_WM_DIAGRAM_VIRTUALLY_FRAME" val="{&quot;height&quot;:238.69999999999996,&quot;left&quot;:45.98110236220474,&quot;top&quot;:151.01330708661416,&quot;width&quot;:802.641653543307}"/>
+<p:tagLst xmlns:a="http://schemas.openxmlformats.org/drawingml/2006/main" xmlns:r="http://schemas.openxmlformats.org/officeDocument/2006/relationships" xmlns:p="http://schemas.openxmlformats.org/presentationml/2006/main">
+  <p:tag name="ISLIDE.ICON" val="#157818;#35668;#170281;"/>
 </p:tagLst>
 </file>
 
 <file path=ppt/tags/tag27.xml><?xml version="1.0" encoding="utf-8"?>
-<p:tagLst xmlns:p="http://schemas.openxmlformats.org/presentationml/2006/main">
-  <p:tag name="KSO_WM_DIAGRAM_VIRTUALLY_FRAME" val="{&quot;height&quot;:238.69999999999996,&quot;left&quot;:45.98110236220474,&quot;top&quot;:151.01330708661416,&quot;width&quot;:802.641653543307}"/>
+<p:tagLst xmlns:a="http://schemas.openxmlformats.org/drawingml/2006/main" xmlns:r="http://schemas.openxmlformats.org/officeDocument/2006/relationships" xmlns:p="http://schemas.openxmlformats.org/presentationml/2006/main">
+  <p:tag name="ISLIDE.ICON" val="#157818;#35668;#170281;"/>
 </p:tagLst>
 </file>
 
 <file path=ppt/tags/tag28.xml><?xml version="1.0" encoding="utf-8"?>
-<p:tagLst xmlns:p="http://schemas.openxmlformats.org/presentationml/2006/main">
+<p:tagLst xmlns:a="http://schemas.openxmlformats.org/drawingml/2006/main" xmlns:r="http://schemas.openxmlformats.org/officeDocument/2006/relationships" xmlns:p="http://schemas.openxmlformats.org/presentationml/2006/main">
   <p:tag name="KSO_WM_DIAGRAM_VIRTUALLY_FRAME" val="{&quot;height&quot;:238.69999999999996,&quot;left&quot;:45.98110236220474,&quot;top&quot;:151.01330708661416,&quot;width&quot;:802.641653543307}"/>
 </p:tagLst>
 </file>
 
 <file path=ppt/tags/tag29.xml><?xml version="1.0" encoding="utf-8"?>
-<p:tagLst xmlns:p="http://schemas.openxmlformats.org/presentationml/2006/main">
+<p:tagLst xmlns:a="http://schemas.openxmlformats.org/drawingml/2006/main" xmlns:r="http://schemas.openxmlformats.org/officeDocument/2006/relationships" xmlns:p="http://schemas.openxmlformats.org/presentationml/2006/main">
   <p:tag name="KSO_WM_DIAGRAM_VIRTUALLY_FRAME" val="{&quot;height&quot;:238.69999999999996,&quot;left&quot;:45.98110236220474,&quot;top&quot;:151.01330708661416,&quot;width&quot;:802.641653543307}"/>
 </p:tagLst>
 </file>
 
 <file path=ppt/tags/tag3.xml><?xml version="1.0" encoding="utf-8"?>
-<p:tagLst xmlns:p="http://schemas.openxmlformats.org/presentationml/2006/main">
-  <p:tag name="KSO_WM_DIAGRAM_VIRTUALLY_FRAME" val="{&quot;height&quot;:159.89244094488186,&quot;left&quot;:170.00850393700787,&quot;top&quot;:152.97007874015748,&quot;width&quot;:618.5473228346457}"/>
+<p:tagLst xmlns:a="http://schemas.openxmlformats.org/drawingml/2006/main" xmlns:r="http://schemas.openxmlformats.org/officeDocument/2006/relationships" xmlns:p="http://schemas.openxmlformats.org/presentationml/2006/main">
+  <p:tag name="ISLIDE.ICON" val="#157818;#35668;#170281;"/>
 </p:tagLst>
 </file>
 
 <file path=ppt/tags/tag30.xml><?xml version="1.0" encoding="utf-8"?>
-<p:tagLst xmlns:p="http://schemas.openxmlformats.org/presentationml/2006/main">
+<p:tagLst xmlns:a="http://schemas.openxmlformats.org/drawingml/2006/main" xmlns:r="http://schemas.openxmlformats.org/officeDocument/2006/relationships" xmlns:p="http://schemas.openxmlformats.org/presentationml/2006/main">
   <p:tag name="KSO_WM_DIAGRAM_VIRTUALLY_FRAME" val="{&quot;height&quot;:238.69999999999996,&quot;left&quot;:45.98110236220474,&quot;top&quot;:151.01330708661416,&quot;width&quot;:802.641653543307}"/>
 </p:tagLst>
 </file>
 
 <file path=ppt/tags/tag31.xml><?xml version="1.0" encoding="utf-8"?>
-<p:tagLst xmlns:p="http://schemas.openxmlformats.org/presentationml/2006/main">
+<p:tagLst xmlns:a="http://schemas.openxmlformats.org/drawingml/2006/main" xmlns:r="http://schemas.openxmlformats.org/officeDocument/2006/relationships" xmlns:p="http://schemas.openxmlformats.org/presentationml/2006/main">
   <p:tag name="KSO_WM_DIAGRAM_VIRTUALLY_FRAME" val="{&quot;height&quot;:238.69999999999996,&quot;left&quot;:45.98110236220474,&quot;top&quot;:151.01330708661416,&quot;width&quot;:802.641653543307}"/>
 </p:tagLst>
 </file>
 
 <file path=ppt/tags/tag32.xml><?xml version="1.0" encoding="utf-8"?>
-<p:tagLst xmlns:p="http://schemas.openxmlformats.org/presentationml/2006/main">
+<p:tagLst xmlns:a="http://schemas.openxmlformats.org/drawingml/2006/main" xmlns:r="http://schemas.openxmlformats.org/officeDocument/2006/relationships" xmlns:p="http://schemas.openxmlformats.org/presentationml/2006/main">
   <p:tag name="KSO_WM_DIAGRAM_VIRTUALLY_FRAME" val="{&quot;height&quot;:238.69999999999996,&quot;left&quot;:45.98110236220474,&quot;top&quot;:151.01330708661416,&quot;width&quot;:802.641653543307}"/>
 </p:tagLst>
 </file>
 
 <file path=ppt/tags/tag33.xml><?xml version="1.0" encoding="utf-8"?>
-<p:tagLst xmlns:p="http://schemas.openxmlformats.org/presentationml/2006/main">
+<p:tagLst xmlns:a="http://schemas.openxmlformats.org/drawingml/2006/main" xmlns:r="http://schemas.openxmlformats.org/officeDocument/2006/relationships" xmlns:p="http://schemas.openxmlformats.org/presentationml/2006/main">
   <p:tag name="KSO_WM_DIAGRAM_VIRTUALLY_FRAME" val="{&quot;height&quot;:238.69999999999996,&quot;left&quot;:45.98110236220474,&quot;top&quot;:151.01330708661416,&quot;width&quot;:802.641653543307}"/>
 </p:tagLst>
 </file>
 
 <file path=ppt/tags/tag34.xml><?xml version="1.0" encoding="utf-8"?>
-<p:tagLst xmlns:p="http://schemas.openxmlformats.org/presentationml/2006/main">
+<p:tagLst xmlns:a="http://schemas.openxmlformats.org/drawingml/2006/main" xmlns:r="http://schemas.openxmlformats.org/officeDocument/2006/relationships" xmlns:p="http://schemas.openxmlformats.org/presentationml/2006/main">
   <p:tag name="KSO_WM_DIAGRAM_VIRTUALLY_FRAME" val="{&quot;height&quot;:238.69999999999996,&quot;left&quot;:45.98110236220474,&quot;top&quot;:151.01330708661416,&quot;width&quot;:802.641653543307}"/>
 </p:tagLst>
 </file>
 
 <file path=ppt/tags/tag35.xml><?xml version="1.0" encoding="utf-8"?>
-<p:tagLst xmlns:p="http://schemas.openxmlformats.org/presentationml/2006/main">
+<p:tagLst xmlns:a="http://schemas.openxmlformats.org/drawingml/2006/main" xmlns:r="http://schemas.openxmlformats.org/officeDocument/2006/relationships" xmlns:p="http://schemas.openxmlformats.org/presentationml/2006/main">
   <p:tag name="KSO_WM_DIAGRAM_VIRTUALLY_FRAME" val="{&quot;height&quot;:238.69999999999996,&quot;left&quot;:45.98110236220474,&quot;top&quot;:151.01330708661416,&quot;width&quot;:802.641653543307}"/>
 </p:tagLst>
 </file>
 
 <file path=ppt/tags/tag36.xml><?xml version="1.0" encoding="utf-8"?>
-<p:tagLst xmlns:p="http://schemas.openxmlformats.org/presentationml/2006/main">
-  <p:tag name="KSO_WM_DIAGRAM_VIRTUALLY_FRAME" val="{&quot;height&quot;:238.69999999999996,&quot;left&quot;:45.98110236220474,&quot;top&quot;:151.01330708661416,&quot;width&quot;:802.641653543307}"/>
+<p:tagLst xmlns:a="http://schemas.openxmlformats.org/drawingml/2006/main" xmlns:r="http://schemas.openxmlformats.org/officeDocument/2006/relationships" xmlns:p="http://schemas.openxmlformats.org/presentationml/2006/main">
+  <p:tag name="KSO_WM_DIAGRAM_VIRTUALLY_FRAME" val="{&quot;height&quot;:235.60125984251968,&quot;left&quot;:45.98110236220474,&quot;top&quot;:151.76330708661416,&quot;width&quot;:802.641653543307}"/>
 </p:tagLst>
 </file>
 
 <file path=ppt/tags/tag37.xml><?xml version="1.0" encoding="utf-8"?>
-<p:tagLst xmlns:p="http://schemas.openxmlformats.org/presentationml/2006/main">
-  <p:tag name="KSO_WM_DIAGRAM_VIRTUALLY_FRAME" val="{&quot;height&quot;:238.69999999999996,&quot;left&quot;:45.98110236220474,&quot;top&quot;:151.01330708661416,&quot;width&quot;:802.641653543307}"/>
+<p:tagLst xmlns:a="http://schemas.openxmlformats.org/drawingml/2006/main" xmlns:r="http://schemas.openxmlformats.org/officeDocument/2006/relationships" xmlns:p="http://schemas.openxmlformats.org/presentationml/2006/main">
+  <p:tag name="KSO_WM_DIAGRAM_VIRTUALLY_FRAME" val="{&quot;height&quot;:236.35125984251968,&quot;left&quot;:45.98110236220474,&quot;top&quot;:151.01330708661416,&quot;width&quot;:802.641653543307}"/>
 </p:tagLst>
 </file>
 
 <file path=ppt/tags/tag38.xml><?xml version="1.0" encoding="utf-8"?>
-<p:tagLst xmlns:p="http://schemas.openxmlformats.org/presentationml/2006/main">
-  <p:tag name="KSO_WM_DIAGRAM_VIRTUALLY_FRAME" val="{&quot;height&quot;:238.69999999999996,&quot;left&quot;:45.98110236220474,&quot;top&quot;:151.01330708661416,&quot;width&quot;:802.641653543307}"/>
+<p:tagLst xmlns:a="http://schemas.openxmlformats.org/drawingml/2006/main" xmlns:r="http://schemas.openxmlformats.org/officeDocument/2006/relationships" xmlns:p="http://schemas.openxmlformats.org/presentationml/2006/main">
+  <p:tag name="KSO_WM_DIAGRAM_VIRTUALLY_FRAME" val="{&quot;height&quot;:237.10125984251962,&quot;left&quot;:45.98110236220474,&quot;top&quot;:151.01330708661416,&quot;width&quot;:802.641653543307}"/>
 </p:tagLst>
 </file>
 
 <file path=ppt/tags/tag39.xml><?xml version="1.0" encoding="utf-8"?>
-<p:tagLst xmlns:p="http://schemas.openxmlformats.org/presentationml/2006/main">
+<p:tagLst xmlns:a="http://schemas.openxmlformats.org/drawingml/2006/main" xmlns:r="http://schemas.openxmlformats.org/officeDocument/2006/relationships" xmlns:p="http://schemas.openxmlformats.org/presentationml/2006/main">
   <p:tag name="KSO_WM_DIAGRAM_VIRTUALLY_FRAME" val="{&quot;height&quot;:238.69999999999996,&quot;left&quot;:45.98110236220474,&quot;top&quot;:151.01330708661416,&quot;width&quot;:802.641653543307}"/>
 </p:tagLst>
 </file>
 
 <file path=ppt/tags/tag4.xml><?xml version="1.0" encoding="utf-8"?>
-<p:tagLst xmlns:p="http://schemas.openxmlformats.org/presentationml/2006/main">
+<p:tagLst xmlns:a="http://schemas.openxmlformats.org/drawingml/2006/main" xmlns:r="http://schemas.openxmlformats.org/officeDocument/2006/relationships" xmlns:p="http://schemas.openxmlformats.org/presentationml/2006/main">
   <p:tag name="KSO_WM_DIAGRAM_VIRTUALLY_FRAME" val="{&quot;height&quot;:159.89244094488186,&quot;left&quot;:170.00850393700787,&quot;top&quot;:152.97007874015748,&quot;width&quot;:618.5473228346457}"/>
 </p:tagLst>
 </file>
 
 <file path=ppt/tags/tag40.xml><?xml version="1.0" encoding="utf-8"?>
-<p:tagLst xmlns:p="http://schemas.openxmlformats.org/presentationml/2006/main">
+<p:tagLst xmlns:a="http://schemas.openxmlformats.org/drawingml/2006/main" xmlns:r="http://schemas.openxmlformats.org/officeDocument/2006/relationships" xmlns:p="http://schemas.openxmlformats.org/presentationml/2006/main">
   <p:tag name="KSO_WM_DIAGRAM_VIRTUALLY_FRAME" val="{&quot;height&quot;:238.69999999999996,&quot;left&quot;:45.98110236220474,&quot;top&quot;:151.01330708661416,&quot;width&quot;:802.641653543307}"/>
 </p:tagLst>
 </file>
 
 <file path=ppt/tags/tag41.xml><?xml version="1.0" encoding="utf-8"?>
-<p:tagLst xmlns:p="http://schemas.openxmlformats.org/presentationml/2006/main">
+<p:tagLst xmlns:a="http://schemas.openxmlformats.org/drawingml/2006/main" xmlns:r="http://schemas.openxmlformats.org/officeDocument/2006/relationships" xmlns:p="http://schemas.openxmlformats.org/presentationml/2006/main">
   <p:tag name="KSO_WM_DIAGRAM_VIRTUALLY_FRAME" val="{&quot;height&quot;:238.69999999999996,&quot;left&quot;:45.98110236220474,&quot;top&quot;:151.01330708661416,&quot;width&quot;:802.641653543307}"/>
 </p:tagLst>
 </file>
 
 <file path=ppt/tags/tag42.xml><?xml version="1.0" encoding="utf-8"?>
-<p:tagLst xmlns:p="http://schemas.openxmlformats.org/presentationml/2006/main">
-  <p:tag name="KSO_WM_DIAGRAM_VIRTUALLY_FRAME" val="{&quot;height&quot;:235.60125984251968,&quot;left&quot;:45.98110236220474,&quot;top&quot;:151.76330708661416,&quot;width&quot;:802.641653543307}"/>
+<p:tagLst xmlns:a="http://schemas.openxmlformats.org/drawingml/2006/main" xmlns:r="http://schemas.openxmlformats.org/officeDocument/2006/relationships" xmlns:p="http://schemas.openxmlformats.org/presentationml/2006/main">
+  <p:tag name="KSO_WM_DIAGRAM_VIRTUALLY_FRAME" val="{&quot;height&quot;:238.69999999999996,&quot;left&quot;:45.98110236220474,&quot;top&quot;:151.01330708661416,&quot;width&quot;:802.641653543307}"/>
 </p:tagLst>
 </file>
 
 <file path=ppt/tags/tag43.xml><?xml version="1.0" encoding="utf-8"?>
-<p:tagLst xmlns:p="http://schemas.openxmlformats.org/presentationml/2006/main">
-  <p:tag name="KSO_WM_DIAGRAM_VIRTUALLY_FRAME" val="{&quot;height&quot;:236.35125984251968,&quot;left&quot;:45.98110236220474,&quot;top&quot;:151.01330708661416,&quot;width&quot;:802.641653543307}"/>
+<p:tagLst xmlns:a="http://schemas.openxmlformats.org/drawingml/2006/main" xmlns:r="http://schemas.openxmlformats.org/officeDocument/2006/relationships" xmlns:p="http://schemas.openxmlformats.org/presentationml/2006/main">
+  <p:tag name="KSO_WM_DIAGRAM_VIRTUALLY_FRAME" val="{&quot;height&quot;:238.69999999999996,&quot;left&quot;:45.98110236220474,&quot;top&quot;:151.01330708661416,&quot;width&quot;:802.641653543307}"/>
 </p:tagLst>
 </file>
 
 <file path=ppt/tags/tag44.xml><?xml version="1.0" encoding="utf-8"?>
-<p:tagLst xmlns:p="http://schemas.openxmlformats.org/presentationml/2006/main">
-  <p:tag name="KSO_WM_DIAGRAM_VIRTUALLY_FRAME" val="{&quot;height&quot;:237.10125984251962,&quot;left&quot;:45.98110236220474,&quot;top&quot;:151.01330708661416,&quot;width&quot;:802.641653543307}"/>
+<p:tagLst xmlns:a="http://schemas.openxmlformats.org/drawingml/2006/main" xmlns:r="http://schemas.openxmlformats.org/officeDocument/2006/relationships" xmlns:p="http://schemas.openxmlformats.org/presentationml/2006/main">
+  <p:tag name="KSO_WM_DIAGRAM_VIRTUALLY_FRAME" val="{&quot;height&quot;:238.69999999999996,&quot;left&quot;:45.98110236220474,&quot;top&quot;:151.01330708661416,&quot;width&quot;:802.641653543307}"/>
 </p:tagLst>
 </file>
 
 <file path=ppt/tags/tag45.xml><?xml version="1.0" encoding="utf-8"?>
-<p:tagLst xmlns:p="http://schemas.openxmlformats.org/presentationml/2006/main">
-  <p:tag name="ISLIDE.ICON" val="#157818;#35668;#170281;"/>
+<p:tagLst xmlns:a="http://schemas.openxmlformats.org/drawingml/2006/main" xmlns:r="http://schemas.openxmlformats.org/officeDocument/2006/relationships" xmlns:p="http://schemas.openxmlformats.org/presentationml/2006/main">
+  <p:tag name="KSO_WM_DIAGRAM_VIRTUALLY_FRAME" val="{&quot;height&quot;:238.69999999999996,&quot;left&quot;:45.98110236220474,&quot;top&quot;:151.01330708661416,&quot;width&quot;:802.641653543307}"/>
 </p:tagLst>
 </file>
 
 <file path=ppt/tags/tag46.xml><?xml version="1.0" encoding="utf-8"?>
-<p:tagLst xmlns:p="http://schemas.openxmlformats.org/presentationml/2006/main">
-  <p:tag name="ISLIDE.ICON" val="#157818;#35668;#170281;"/>
+<p:tagLst xmlns:a="http://schemas.openxmlformats.org/drawingml/2006/main" xmlns:r="http://schemas.openxmlformats.org/officeDocument/2006/relationships" xmlns:p="http://schemas.openxmlformats.org/presentationml/2006/main">
+  <p:tag name="KSO_WM_DIAGRAM_VIRTUALLY_FRAME" val="{&quot;height&quot;:238.69999999999996,&quot;left&quot;:45.98110236220474,&quot;top&quot;:151.01330708661416,&quot;width&quot;:802.641653543307}"/>
 </p:tagLst>
 </file>
 
 <file path=ppt/tags/tag47.xml><?xml version="1.0" encoding="utf-8"?>
-<p:tagLst xmlns:p="http://schemas.openxmlformats.org/presentationml/2006/main">
+<p:tagLst xmlns:a="http://schemas.openxmlformats.org/drawingml/2006/main" xmlns:r="http://schemas.openxmlformats.org/officeDocument/2006/relationships" xmlns:p="http://schemas.openxmlformats.org/presentationml/2006/main">
   <p:tag name="ISLIDE.ICON" val="#157818;#35668;#170281;"/>
 </p:tagLst>
 </file>
 
 <file path=ppt/tags/tag48.xml><?xml version="1.0" encoding="utf-8"?>
-<p:tagLst xmlns:p="http://schemas.openxmlformats.org/presentationml/2006/main">
+<p:tagLst xmlns:a="http://schemas.openxmlformats.org/drawingml/2006/main" xmlns:r="http://schemas.openxmlformats.org/officeDocument/2006/relationships" xmlns:p="http://schemas.openxmlformats.org/presentationml/2006/main">
   <p:tag name="ISLIDE.ICON" val="#157818;#35668;#170281;"/>
 </p:tagLst>
 </file>
 
 <file path=ppt/tags/tag49.xml><?xml version="1.0" encoding="utf-8"?>
-<p:tagLst xmlns:p="http://schemas.openxmlformats.org/presentationml/2006/main">
+<p:tagLst xmlns:a="http://schemas.openxmlformats.org/drawingml/2006/main" xmlns:r="http://schemas.openxmlformats.org/officeDocument/2006/relationships" xmlns:p="http://schemas.openxmlformats.org/presentationml/2006/main">
   <p:tag name="ISLIDE.ICON" val="#157818;#35668;#170281;"/>
 </p:tagLst>
 </file>
 
 <file path=ppt/tags/tag5.xml><?xml version="1.0" encoding="utf-8"?>
-<p:tagLst xmlns:p="http://schemas.openxmlformats.org/presentationml/2006/main">
+<p:tagLst xmlns:a="http://schemas.openxmlformats.org/drawingml/2006/main" xmlns:r="http://schemas.openxmlformats.org/officeDocument/2006/relationships" xmlns:p="http://schemas.openxmlformats.org/presentationml/2006/main">
   <p:tag name="KSO_WM_DIAGRAM_VIRTUALLY_FRAME" val="{&quot;height&quot;:159.89244094488186,&quot;left&quot;:170.00850393700787,&quot;top&quot;:152.97007874015748,&quot;width&quot;:618.5473228346457}"/>
 </p:tagLst>
 </file>
 
 <file path=ppt/tags/tag50.xml><?xml version="1.0" encoding="utf-8"?>
-<p:tagLst xmlns:p="http://schemas.openxmlformats.org/presentationml/2006/main">
+<p:tagLst xmlns:a="http://schemas.openxmlformats.org/drawingml/2006/main" xmlns:r="http://schemas.openxmlformats.org/officeDocument/2006/relationships" xmlns:p="http://schemas.openxmlformats.org/presentationml/2006/main">
   <p:tag name="ISLIDE.ICON" val="#157818;#35668;#170281;"/>
 </p:tagLst>
 </file>
 
 <file path=ppt/tags/tag51.xml><?xml version="1.0" encoding="utf-8"?>
-<p:tagLst xmlns:p="http://schemas.openxmlformats.org/presentationml/2006/main">
+<p:tagLst xmlns:a="http://schemas.openxmlformats.org/drawingml/2006/main" xmlns:r="http://schemas.openxmlformats.org/officeDocument/2006/relationships" xmlns:p="http://schemas.openxmlformats.org/presentationml/2006/main">
   <p:tag name="ISLIDE.ICON" val="#157818;#35668;#170281;"/>
 </p:tagLst>
 </file>
 
 <file path=ppt/tags/tag52.xml><?xml version="1.0" encoding="utf-8"?>
-<p:tagLst xmlns:p="http://schemas.openxmlformats.org/presentationml/2006/main">
+<p:tagLst xmlns:a="http://schemas.openxmlformats.org/drawingml/2006/main" xmlns:r="http://schemas.openxmlformats.org/officeDocument/2006/relationships" xmlns:p="http://schemas.openxmlformats.org/presentationml/2006/main">
   <p:tag name="ISLIDE.ICON" val="#157818;#35668;#170281;"/>
 </p:tagLst>
 </file>
 
 <file path=ppt/tags/tag53.xml><?xml version="1.0" encoding="utf-8"?>
-<p:tagLst xmlns:p="http://schemas.openxmlformats.org/presentationml/2006/main">
-  <p:tag name="commondata" val="eyJoZGlkIjoiNWQ3YmFhYWQ4NDA2YmNjMTdkODA3YWI1YTM3MDU4ZGYifQ=="/>
+<p:tagLst xmlns:a="http://schemas.openxmlformats.org/drawingml/2006/main" xmlns:r="http://schemas.openxmlformats.org/officeDocument/2006/relationships" xmlns:p="http://schemas.openxmlformats.org/presentationml/2006/main">
+  <p:tag name="ISLIDE.ICON" val="#157818;#35668;#170281;"/>
 </p:tagLst>
 </file>
 
 <file path=ppt/tags/tag6.xml><?xml version="1.0" encoding="utf-8"?>
-<p:tagLst xmlns:p="http://schemas.openxmlformats.org/presentationml/2006/main">
+<p:tagLst xmlns:a="http://schemas.openxmlformats.org/drawingml/2006/main" xmlns:r="http://schemas.openxmlformats.org/officeDocument/2006/relationships" xmlns:p="http://schemas.openxmlformats.org/presentationml/2006/main">
   <p:tag name="KSO_WM_DIAGRAM_VIRTUALLY_FRAME" val="{&quot;height&quot;:159.89244094488186,&quot;left&quot;:170.00850393700787,&quot;top&quot;:152.97007874015748,&quot;width&quot;:618.5473228346457}"/>
 </p:tagLst>
 </file>
 
 <file path=ppt/tags/tag7.xml><?xml version="1.0" encoding="utf-8"?>
-<p:tagLst xmlns:p="http://schemas.openxmlformats.org/presentationml/2006/main">
+<p:tagLst xmlns:a="http://schemas.openxmlformats.org/drawingml/2006/main" xmlns:r="http://schemas.openxmlformats.org/officeDocument/2006/relationships" xmlns:p="http://schemas.openxmlformats.org/presentationml/2006/main">
   <p:tag name="KSO_WM_DIAGRAM_VIRTUALLY_FRAME" val="{&quot;height&quot;:159.89244094488186,&quot;left&quot;:170.00850393700787,&quot;top&quot;:152.97007874015748,&quot;width&quot;:618.5473228346457}"/>
 </p:tagLst>
 </file>
 
 <file path=ppt/tags/tag8.xml><?xml version="1.0" encoding="utf-8"?>
-<p:tagLst xmlns:p="http://schemas.openxmlformats.org/presentationml/2006/main">
+<p:tagLst xmlns:a="http://schemas.openxmlformats.org/drawingml/2006/main" xmlns:r="http://schemas.openxmlformats.org/officeDocument/2006/relationships" xmlns:p="http://schemas.openxmlformats.org/presentationml/2006/main">
   <p:tag name="KSO_WM_DIAGRAM_VIRTUALLY_FRAME" val="{&quot;height&quot;:159.89244094488186,&quot;left&quot;:170.00850393700787,&quot;top&quot;:152.97007874015748,&quot;width&quot;:618.5473228346457}"/>
 </p:tagLst>
 </file>
 
 <file path=ppt/tags/tag9.xml><?xml version="1.0" encoding="utf-8"?>
-<p:tagLst xmlns:p="http://schemas.openxmlformats.org/presentationml/2006/main">
+<p:tagLst xmlns:a="http://schemas.openxmlformats.org/drawingml/2006/main" xmlns:r="http://schemas.openxmlformats.org/officeDocument/2006/relationships" xmlns:p="http://schemas.openxmlformats.org/presentationml/2006/main">
   <p:tag name="KSO_WM_DIAGRAM_VIRTUALLY_FRAME" val="{&quot;height&quot;:159.89244094488186,&quot;left&quot;:170.00850393700787,&quot;top&quot;:152.97007874015748,&quot;width&quot;:618.5473228346457}"/>
 </p:tagLst>
 </file>
@@ -32154,6 +32016,7 @@
       </a:style>
     </a:spDef>
   </a:objectDefaults>
+  <a:extraClrSchemeLst/>
   <a:extLst>
     <a:ext uri="{05A4C25C-085E-4340-85A3-A5531E510DB2}">
       <thm15:themeFamily xmlns:thm15="http://schemas.microsoft.com/office/thememl/2012/main" name="Office Theme" id="{62F939B6-93AF-4DB8-9C6B-D6C7DFDC589F}" vid="{4A3C46E8-61CC-4603-A589-7422A47A8E4A}"/>
@@ -32413,6 +32276,8 @@
       </a:bgFillStyleLst>
     </a:fmtScheme>
   </a:themeElements>
+  <a:objectDefaults/>
+  <a:extraClrSchemeLst/>
   <a:extLst>
     <a:ext uri="{05A4C25C-085E-4340-85A3-A5531E510DB2}">
       <thm15:themeFamily xmlns:thm15="http://schemas.microsoft.com/office/thememl/2012/main" name="Office Theme" id="{62F939B6-93AF-4DB8-9C6B-D6C7DFDC589F}" vid="{4A3C46E8-61CC-4603-A589-7422A47A8E4A}"/>
